--- a/ppt/redis之多机数据库实现.pptx
+++ b/ppt/redis之多机数据库实现.pptx
@@ -19,18 +19,26 @@
     <p:sldId id="520" r:id="rId12"/>
     <p:sldId id="521" r:id="rId13"/>
     <p:sldId id="522" r:id="rId14"/>
-    <p:sldId id="270" r:id="rId15"/>
-    <p:sldId id="488" r:id="rId16"/>
-    <p:sldId id="523" r:id="rId17"/>
-    <p:sldId id="524" r:id="rId18"/>
-    <p:sldId id="525" r:id="rId19"/>
-    <p:sldId id="526" r:id="rId20"/>
-    <p:sldId id="276" r:id="rId21"/>
-    <p:sldId id="527" r:id="rId22"/>
-    <p:sldId id="528" r:id="rId23"/>
-    <p:sldId id="529" r:id="rId24"/>
-    <p:sldId id="530" r:id="rId25"/>
-    <p:sldId id="493" r:id="rId26"/>
+    <p:sldId id="535" r:id="rId15"/>
+    <p:sldId id="536" r:id="rId16"/>
+    <p:sldId id="537" r:id="rId17"/>
+    <p:sldId id="270" r:id="rId18"/>
+    <p:sldId id="488" r:id="rId19"/>
+    <p:sldId id="548" r:id="rId20"/>
+    <p:sldId id="524" r:id="rId21"/>
+    <p:sldId id="525" r:id="rId22"/>
+    <p:sldId id="538" r:id="rId23"/>
+    <p:sldId id="526" r:id="rId24"/>
+    <p:sldId id="276" r:id="rId25"/>
+    <p:sldId id="527" r:id="rId26"/>
+    <p:sldId id="528" r:id="rId27"/>
+    <p:sldId id="539" r:id="rId28"/>
+    <p:sldId id="529" r:id="rId29"/>
+    <p:sldId id="530" r:id="rId30"/>
+    <p:sldId id="545" r:id="rId31"/>
+    <p:sldId id="547" r:id="rId32"/>
+    <p:sldId id="546" r:id="rId33"/>
+    <p:sldId id="493" r:id="rId34"/>
   </p:sldIdLst>
   <p:sldSz cx="12192000" cy="6858000"/>
   <p:notesSz cx="6858000" cy="9144000"/>
@@ -829,7 +837,359 @@
 </p:notes>
 </file>
 
+<file path=ppt/notesSlides/notesSlide17.xml><?xml version="1.0" encoding="utf-8"?>
+<p:notes xmlns:a="http://schemas.openxmlformats.org/drawingml/2006/main" xmlns:r="http://schemas.openxmlformats.org/officeDocument/2006/relationships" xmlns:p="http://schemas.openxmlformats.org/presentationml/2006/main">
+  <p:cSld>
+    <p:spTree>
+      <p:nvGrpSpPr>
+        <p:cNvPr id="1" name=""/>
+        <p:cNvGrpSpPr/>
+        <p:nvPr/>
+      </p:nvGrpSpPr>
+      <p:grpSpPr/>
+      <p:sp>
+        <p:nvSpPr>
+          <p:cNvPr id="2" name="幻灯片图像占位符 1"/>
+          <p:cNvSpPr/>
+          <p:nvPr>
+            <p:ph type="sldImg"/>
+          </p:nvPr>
+        </p:nvSpPr>
+        <p:spPr/>
+      </p:sp>
+      <p:sp>
+        <p:nvSpPr>
+          <p:cNvPr id="3" name="文本占位符 2"/>
+          <p:cNvSpPr/>
+          <p:nvPr>
+            <p:ph type="body" idx="1"/>
+          </p:nvPr>
+        </p:nvSpPr>
+        <p:spPr/>
+        <p:txBody>
+          <a:bodyPr/>
+          <a:p>
+            <a:endParaRPr lang="zh-CN" altLang="en-US"/>
+          </a:p>
+        </p:txBody>
+      </p:sp>
+    </p:spTree>
+  </p:cSld>
+  <p:clrMapOvr>
+    <a:masterClrMapping/>
+  </p:clrMapOvr>
+</p:notes>
+</file>
+
+<file path=ppt/notesSlides/notesSlide18.xml><?xml version="1.0" encoding="utf-8"?>
+<p:notes xmlns:a="http://schemas.openxmlformats.org/drawingml/2006/main" xmlns:r="http://schemas.openxmlformats.org/officeDocument/2006/relationships" xmlns:p="http://schemas.openxmlformats.org/presentationml/2006/main">
+  <p:cSld>
+    <p:spTree>
+      <p:nvGrpSpPr>
+        <p:cNvPr id="1" name=""/>
+        <p:cNvGrpSpPr/>
+        <p:nvPr/>
+      </p:nvGrpSpPr>
+      <p:grpSpPr/>
+      <p:sp>
+        <p:nvSpPr>
+          <p:cNvPr id="2" name="幻灯片图像占位符 1"/>
+          <p:cNvSpPr/>
+          <p:nvPr>
+            <p:ph type="sldImg"/>
+          </p:nvPr>
+        </p:nvSpPr>
+        <p:spPr/>
+      </p:sp>
+      <p:sp>
+        <p:nvSpPr>
+          <p:cNvPr id="3" name="文本占位符 2"/>
+          <p:cNvSpPr/>
+          <p:nvPr>
+            <p:ph type="body" idx="1"/>
+          </p:nvPr>
+        </p:nvSpPr>
+        <p:spPr/>
+        <p:txBody>
+          <a:bodyPr/>
+          <a:p>
+            <a:endParaRPr lang="zh-CN" altLang="en-US"/>
+          </a:p>
+        </p:txBody>
+      </p:sp>
+    </p:spTree>
+  </p:cSld>
+  <p:clrMapOvr>
+    <a:masterClrMapping/>
+  </p:clrMapOvr>
+</p:notes>
+</file>
+
+<file path=ppt/notesSlides/notesSlide19.xml><?xml version="1.0" encoding="utf-8"?>
+<p:notes xmlns:a="http://schemas.openxmlformats.org/drawingml/2006/main" xmlns:r="http://schemas.openxmlformats.org/officeDocument/2006/relationships" xmlns:p="http://schemas.openxmlformats.org/presentationml/2006/main">
+  <p:cSld>
+    <p:spTree>
+      <p:nvGrpSpPr>
+        <p:cNvPr id="1" name=""/>
+        <p:cNvGrpSpPr/>
+        <p:nvPr/>
+      </p:nvGrpSpPr>
+      <p:grpSpPr/>
+      <p:sp>
+        <p:nvSpPr>
+          <p:cNvPr id="2" name="幻灯片图像占位符 1"/>
+          <p:cNvSpPr/>
+          <p:nvPr>
+            <p:ph type="sldImg"/>
+          </p:nvPr>
+        </p:nvSpPr>
+        <p:spPr/>
+      </p:sp>
+      <p:sp>
+        <p:nvSpPr>
+          <p:cNvPr id="3" name="文本占位符 2"/>
+          <p:cNvSpPr/>
+          <p:nvPr>
+            <p:ph type="body" idx="1"/>
+          </p:nvPr>
+        </p:nvSpPr>
+        <p:spPr/>
+        <p:txBody>
+          <a:bodyPr/>
+          <a:p>
+            <a:endParaRPr lang="zh-CN" altLang="en-US"/>
+          </a:p>
+        </p:txBody>
+      </p:sp>
+    </p:spTree>
+  </p:cSld>
+  <p:clrMapOvr>
+    <a:masterClrMapping/>
+  </p:clrMapOvr>
+</p:notes>
+</file>
+
 <file path=ppt/notesSlides/notesSlide2.xml><?xml version="1.0" encoding="utf-8"?>
+<p:notes xmlns:a="http://schemas.openxmlformats.org/drawingml/2006/main" xmlns:r="http://schemas.openxmlformats.org/officeDocument/2006/relationships" xmlns:p="http://schemas.openxmlformats.org/presentationml/2006/main">
+  <p:cSld>
+    <p:spTree>
+      <p:nvGrpSpPr>
+        <p:cNvPr id="1" name=""/>
+        <p:cNvGrpSpPr/>
+        <p:nvPr/>
+      </p:nvGrpSpPr>
+      <p:grpSpPr/>
+      <p:sp>
+        <p:nvSpPr>
+          <p:cNvPr id="2" name="幻灯片图像占位符 1"/>
+          <p:cNvSpPr/>
+          <p:nvPr>
+            <p:ph type="sldImg"/>
+          </p:nvPr>
+        </p:nvSpPr>
+        <p:spPr/>
+      </p:sp>
+      <p:sp>
+        <p:nvSpPr>
+          <p:cNvPr id="3" name="文本占位符 2"/>
+          <p:cNvSpPr/>
+          <p:nvPr>
+            <p:ph type="body" idx="1"/>
+          </p:nvPr>
+        </p:nvSpPr>
+        <p:spPr/>
+        <p:txBody>
+          <a:bodyPr/>
+          <a:p>
+            <a:endParaRPr lang="zh-CN" altLang="en-US"/>
+          </a:p>
+        </p:txBody>
+      </p:sp>
+    </p:spTree>
+  </p:cSld>
+  <p:clrMapOvr>
+    <a:masterClrMapping/>
+  </p:clrMapOvr>
+</p:notes>
+</file>
+
+<file path=ppt/notesSlides/notesSlide20.xml><?xml version="1.0" encoding="utf-8"?>
+<p:notes xmlns:a="http://schemas.openxmlformats.org/drawingml/2006/main" xmlns:r="http://schemas.openxmlformats.org/officeDocument/2006/relationships" xmlns:p="http://schemas.openxmlformats.org/presentationml/2006/main">
+  <p:cSld>
+    <p:spTree>
+      <p:nvGrpSpPr>
+        <p:cNvPr id="1" name=""/>
+        <p:cNvGrpSpPr/>
+        <p:nvPr/>
+      </p:nvGrpSpPr>
+      <p:grpSpPr/>
+      <p:sp>
+        <p:nvSpPr>
+          <p:cNvPr id="2" name="幻灯片图像占位符 1"/>
+          <p:cNvSpPr/>
+          <p:nvPr>
+            <p:ph type="sldImg"/>
+          </p:nvPr>
+        </p:nvSpPr>
+        <p:spPr/>
+      </p:sp>
+      <p:sp>
+        <p:nvSpPr>
+          <p:cNvPr id="3" name="文本占位符 2"/>
+          <p:cNvSpPr/>
+          <p:nvPr>
+            <p:ph type="body" idx="1"/>
+          </p:nvPr>
+        </p:nvSpPr>
+        <p:spPr/>
+        <p:txBody>
+          <a:bodyPr/>
+          <a:p>
+            <a:endParaRPr lang="zh-CN" altLang="en-US"/>
+          </a:p>
+        </p:txBody>
+      </p:sp>
+    </p:spTree>
+  </p:cSld>
+  <p:clrMapOvr>
+    <a:masterClrMapping/>
+  </p:clrMapOvr>
+</p:notes>
+</file>
+
+<file path=ppt/notesSlides/notesSlide21.xml><?xml version="1.0" encoding="utf-8"?>
+<p:notes xmlns:a="http://schemas.openxmlformats.org/drawingml/2006/main" xmlns:r="http://schemas.openxmlformats.org/officeDocument/2006/relationships" xmlns:p="http://schemas.openxmlformats.org/presentationml/2006/main">
+  <p:cSld>
+    <p:spTree>
+      <p:nvGrpSpPr>
+        <p:cNvPr id="1" name=""/>
+        <p:cNvGrpSpPr/>
+        <p:nvPr/>
+      </p:nvGrpSpPr>
+      <p:grpSpPr/>
+      <p:sp>
+        <p:nvSpPr>
+          <p:cNvPr id="2" name="幻灯片图像占位符 1"/>
+          <p:cNvSpPr/>
+          <p:nvPr>
+            <p:ph type="sldImg"/>
+          </p:nvPr>
+        </p:nvSpPr>
+        <p:spPr/>
+      </p:sp>
+      <p:sp>
+        <p:nvSpPr>
+          <p:cNvPr id="3" name="文本占位符 2"/>
+          <p:cNvSpPr/>
+          <p:nvPr>
+            <p:ph type="body" idx="1"/>
+          </p:nvPr>
+        </p:nvSpPr>
+        <p:spPr/>
+        <p:txBody>
+          <a:bodyPr/>
+          <a:p>
+            <a:endParaRPr lang="zh-CN" altLang="en-US"/>
+          </a:p>
+        </p:txBody>
+      </p:sp>
+    </p:spTree>
+  </p:cSld>
+  <p:clrMapOvr>
+    <a:masterClrMapping/>
+  </p:clrMapOvr>
+</p:notes>
+</file>
+
+<file path=ppt/notesSlides/notesSlide22.xml><?xml version="1.0" encoding="utf-8"?>
+<p:notes xmlns:a="http://schemas.openxmlformats.org/drawingml/2006/main" xmlns:r="http://schemas.openxmlformats.org/officeDocument/2006/relationships" xmlns:p="http://schemas.openxmlformats.org/presentationml/2006/main">
+  <p:cSld>
+    <p:spTree>
+      <p:nvGrpSpPr>
+        <p:cNvPr id="1" name=""/>
+        <p:cNvGrpSpPr/>
+        <p:nvPr/>
+      </p:nvGrpSpPr>
+      <p:grpSpPr/>
+      <p:sp>
+        <p:nvSpPr>
+          <p:cNvPr id="2" name="幻灯片图像占位符 1"/>
+          <p:cNvSpPr/>
+          <p:nvPr>
+            <p:ph type="sldImg"/>
+          </p:nvPr>
+        </p:nvSpPr>
+        <p:spPr/>
+      </p:sp>
+      <p:sp>
+        <p:nvSpPr>
+          <p:cNvPr id="3" name="文本占位符 2"/>
+          <p:cNvSpPr/>
+          <p:nvPr>
+            <p:ph type="body" idx="1"/>
+          </p:nvPr>
+        </p:nvSpPr>
+        <p:spPr/>
+        <p:txBody>
+          <a:bodyPr/>
+          <a:p>
+            <a:endParaRPr lang="zh-CN" altLang="en-US"/>
+          </a:p>
+        </p:txBody>
+      </p:sp>
+    </p:spTree>
+  </p:cSld>
+  <p:clrMapOvr>
+    <a:masterClrMapping/>
+  </p:clrMapOvr>
+</p:notes>
+</file>
+
+<file path=ppt/notesSlides/notesSlide23.xml><?xml version="1.0" encoding="utf-8"?>
+<p:notes xmlns:a="http://schemas.openxmlformats.org/drawingml/2006/main" xmlns:r="http://schemas.openxmlformats.org/officeDocument/2006/relationships" xmlns:p="http://schemas.openxmlformats.org/presentationml/2006/main">
+  <p:cSld>
+    <p:spTree>
+      <p:nvGrpSpPr>
+        <p:cNvPr id="1" name=""/>
+        <p:cNvGrpSpPr/>
+        <p:nvPr/>
+      </p:nvGrpSpPr>
+      <p:grpSpPr/>
+      <p:sp>
+        <p:nvSpPr>
+          <p:cNvPr id="2" name="幻灯片图像占位符 1"/>
+          <p:cNvSpPr/>
+          <p:nvPr>
+            <p:ph type="sldImg"/>
+          </p:nvPr>
+        </p:nvSpPr>
+        <p:spPr/>
+      </p:sp>
+      <p:sp>
+        <p:nvSpPr>
+          <p:cNvPr id="3" name="文本占位符 2"/>
+          <p:cNvSpPr/>
+          <p:nvPr>
+            <p:ph type="body" idx="1"/>
+          </p:nvPr>
+        </p:nvSpPr>
+        <p:spPr/>
+        <p:txBody>
+          <a:bodyPr/>
+          <a:p>
+            <a:endParaRPr lang="zh-CN" altLang="en-US"/>
+          </a:p>
+        </p:txBody>
+      </p:sp>
+    </p:spTree>
+  </p:cSld>
+  <p:clrMapOvr>
+    <a:masterClrMapping/>
+  </p:clrMapOvr>
+</p:notes>
+</file>
+
+<file path=ppt/notesSlides/notesSlide24.xml><?xml version="1.0" encoding="utf-8"?>
 <p:notes xmlns:a="http://schemas.openxmlformats.org/drawingml/2006/main" xmlns:r="http://schemas.openxmlformats.org/officeDocument/2006/relationships" xmlns:p="http://schemas.openxmlformats.org/presentationml/2006/main">
   <p:cSld>
     <p:spTree>
@@ -4322,7 +4682,7 @@
         <p:spPr>
           <a:xfrm>
             <a:off x="793750" y="1057910"/>
-            <a:ext cx="10435590" cy="643890"/>
+            <a:ext cx="10435590" cy="1197610"/>
           </a:xfrm>
           <a:prstGeom prst="rect">
             <a:avLst/>
@@ -4397,7 +4757,7 @@
                 <a:cs typeface="+mn-cs"/>
                 <a:sym typeface="Helvetica"/>
               </a:rPr>
-              <a:t>部分</a:t>
+              <a:t>部分重</a:t>
             </a:r>
             <a:r>
               <a:rPr kumimoji="0" lang="zh-CN" altLang="en-US" sz="1800" b="0" i="0" u="none" strike="noStrike" cap="none" spc="0" normalizeH="0" baseline="0">
@@ -4479,8 +4839,80 @@
               <a:sym typeface="Helvetica"/>
             </a:endParaRPr>
           </a:p>
+          <a:p>
+            <a:pPr marL="0" marR="0" indent="0" algn="l" defTabSz="914400" rtl="0" fontAlgn="auto" latinLnBrk="0" hangingPunct="0">
+              <a:lnSpc>
+                <a:spcPct val="100000"/>
+              </a:lnSpc>
+              <a:spcBef>
+                <a:spcPts val="0"/>
+              </a:spcBef>
+              <a:spcAft>
+                <a:spcPts val="0"/>
+              </a:spcAft>
+              <a:buClrTx/>
+              <a:buSzTx/>
+              <a:buFontTx/>
+              <a:buNone/>
+            </a:pPr>
+            <a:r>
+              <a:rPr kumimoji="0" lang="zh-CN" altLang="en-US" sz="1800" b="0" i="0" u="none" strike="noStrike" cap="none" spc="0" normalizeH="0" baseline="0">
+                <a:ln>
+                  <a:noFill/>
+                </a:ln>
+                <a:solidFill>
+                  <a:srgbClr val="000000"/>
+                </a:solidFill>
+                <a:effectLst/>
+                <a:uFillTx/>
+                <a:latin typeface="+mn-lt"/>
+                <a:ea typeface="+mn-ea"/>
+                <a:cs typeface="+mn-cs"/>
+                <a:sym typeface="Helvetica"/>
+              </a:rPr>
+              <a:t>新版复制解决了旧版复制功能在处理断线重复制情况时的低效问题，使用PSYNC替代SYNC命令来执行复制的同步工作。PSYNC命令具有完整重同步和部分重同步，完整重同步与sync类似，部分重同步如下：</a:t>
+            </a:r>
+            <a:endParaRPr kumimoji="0" lang="zh-CN" altLang="en-US" sz="1800" b="0" i="0" u="none" strike="noStrike" cap="none" spc="0" normalizeH="0" baseline="0">
+              <a:ln>
+                <a:noFill/>
+              </a:ln>
+              <a:solidFill>
+                <a:srgbClr val="000000"/>
+              </a:solidFill>
+              <a:effectLst/>
+              <a:uFillTx/>
+              <a:latin typeface="+mn-lt"/>
+              <a:ea typeface="+mn-ea"/>
+              <a:cs typeface="+mn-cs"/>
+              <a:sym typeface="Helvetica"/>
+            </a:endParaRPr>
+          </a:p>
         </p:txBody>
       </p:sp>
+      <p:pic>
+        <p:nvPicPr>
+          <p:cNvPr id="2" name="图片 1"/>
+          <p:cNvPicPr>
+            <a:picLocks noChangeAspect="1"/>
+          </p:cNvPicPr>
+          <p:nvPr/>
+        </p:nvPicPr>
+        <p:blipFill>
+          <a:blip r:embed="rId1"/>
+          <a:stretch>
+            <a:fillRect/>
+          </a:stretch>
+        </p:blipFill>
+        <p:spPr>
+          <a:xfrm>
+            <a:off x="3581400" y="2828290"/>
+            <a:ext cx="5029200" cy="2809875"/>
+          </a:xfrm>
+          <a:prstGeom prst="rect">
+            <a:avLst/>
+          </a:prstGeom>
+        </p:spPr>
+      </p:pic>
     </p:spTree>
   </p:cSld>
   <p:clrMapOvr>
@@ -4588,6 +5020,628 @@
                 <a:cs typeface="+mn-cs"/>
                 <a:sym typeface="Helvetica"/>
               </a:rPr>
+              <a:t>2.3.1 复制偏移量  </a:t>
+            </a:r>
+            <a:endParaRPr kumimoji="0" lang="en-US" altLang="zh-CN" sz="1800" b="0" i="0" u="none" strike="noStrike" cap="none" spc="0" normalizeH="0" baseline="0">
+              <a:ln>
+                <a:noFill/>
+              </a:ln>
+              <a:solidFill>
+                <a:srgbClr val="000000"/>
+              </a:solidFill>
+              <a:effectLst/>
+              <a:uFillTx/>
+              <a:latin typeface="+mn-lt"/>
+              <a:ea typeface="+mn-ea"/>
+              <a:cs typeface="+mn-cs"/>
+              <a:sym typeface="Helvetica"/>
+            </a:endParaRPr>
+          </a:p>
+          <a:p>
+            <a:pPr marL="0" marR="0" indent="0" algn="l" defTabSz="914400" rtl="0" fontAlgn="auto" latinLnBrk="0" hangingPunct="0">
+              <a:lnSpc>
+                <a:spcPct val="100000"/>
+              </a:lnSpc>
+              <a:spcBef>
+                <a:spcPts val="0"/>
+              </a:spcBef>
+              <a:spcAft>
+                <a:spcPts val="0"/>
+              </a:spcAft>
+              <a:buClrTx/>
+              <a:buSzTx/>
+              <a:buFontTx/>
+              <a:buNone/>
+            </a:pPr>
+            <a:endParaRPr kumimoji="0" lang="zh-CN" altLang="en-US" sz="1800" b="0" i="0" u="none" strike="noStrike" cap="none" spc="0" normalizeH="0" baseline="0">
+              <a:ln>
+                <a:noFill/>
+              </a:ln>
+              <a:solidFill>
+                <a:srgbClr val="000000"/>
+              </a:solidFill>
+              <a:effectLst/>
+              <a:uFillTx/>
+              <a:latin typeface="+mn-lt"/>
+              <a:ea typeface="+mn-ea"/>
+              <a:cs typeface="+mn-cs"/>
+              <a:sym typeface="Helvetica"/>
+            </a:endParaRPr>
+          </a:p>
+        </p:txBody>
+      </p:sp>
+      <p:pic>
+        <p:nvPicPr>
+          <p:cNvPr id="2" name="图片 1"/>
+          <p:cNvPicPr>
+            <a:picLocks noChangeAspect="1"/>
+          </p:cNvPicPr>
+          <p:nvPr/>
+        </p:nvPicPr>
+        <p:blipFill>
+          <a:blip r:embed="rId1"/>
+          <a:stretch>
+            <a:fillRect/>
+          </a:stretch>
+        </p:blipFill>
+        <p:spPr>
+          <a:xfrm>
+            <a:off x="3395345" y="2299970"/>
+            <a:ext cx="5400675" cy="2257425"/>
+          </a:xfrm>
+          <a:prstGeom prst="rect">
+            <a:avLst/>
+          </a:prstGeom>
+        </p:spPr>
+      </p:pic>
+    </p:spTree>
+  </p:cSld>
+  <p:clrMapOvr>
+    <a:masterClrMapping/>
+  </p:clrMapOvr>
+  <mc:AlternateContent xmlns:mc="http://schemas.openxmlformats.org/markup-compatibility/2006">
+    <mc:Choice xmlns:p14="http://schemas.microsoft.com/office/powerpoint/2010/main" Requires="p14">
+      <p:transition p14:dur="0" advClick="0" advTm="0"/>
+    </mc:Choice>
+    <mc:Fallback>
+      <p:transition advClick="0" advTm="0"/>
+    </mc:Fallback>
+  </mc:AlternateContent>
+  <p:timing>
+    <p:tnLst>
+      <p:par>
+        <p:cTn id="1" dur="indefinite" restart="never" fill="hold" nodeType="tmRoot"/>
+      </p:par>
+    </p:tnLst>
+  </p:timing>
+</p:sld>
+</file>
+
+<file path=ppt/slides/slide12.xml><?xml version="1.0" encoding="utf-8"?>
+<p:sld xmlns:a="http://schemas.openxmlformats.org/drawingml/2006/main" xmlns:r="http://schemas.openxmlformats.org/officeDocument/2006/relationships" xmlns:p="http://schemas.openxmlformats.org/presentationml/2006/main">
+  <p:cSld>
+    <p:spTree>
+      <p:nvGrpSpPr>
+        <p:cNvPr id="1" name=""/>
+        <p:cNvGrpSpPr/>
+        <p:nvPr/>
+      </p:nvGrpSpPr>
+      <p:grpSpPr>
+        <a:xfrm>
+          <a:off x="0" y="0"/>
+          <a:ext cx="0" cy="0"/>
+          <a:chOff x="0" y="0"/>
+          <a:chExt cx="0" cy="0"/>
+        </a:xfrm>
+      </p:grpSpPr>
+      <p:sp>
+        <p:nvSpPr>
+          <p:cNvPr id="7" name="文本框 6"/>
+          <p:cNvSpPr txBox="1"/>
+          <p:nvPr/>
+        </p:nvSpPr>
+        <p:spPr>
+          <a:xfrm>
+            <a:off x="793750" y="1057910"/>
+            <a:ext cx="10435590" cy="1197610"/>
+          </a:xfrm>
+          <a:prstGeom prst="rect">
+            <a:avLst/>
+          </a:prstGeom>
+          <a:noFill/>
+          <a:ln w="12700" cap="flat">
+            <a:noFill/>
+            <a:miter lim="400000"/>
+          </a:ln>
+        </p:spPr>
+        <p:style>
+          <a:lnRef idx="0">
+            <a:scrgbClr r="0" g="0" b="0"/>
+          </a:lnRef>
+          <a:fillRef idx="0">
+            <a:scrgbClr r="0" g="0" b="0"/>
+          </a:fillRef>
+          <a:effectRef idx="0">
+            <a:scrgbClr r="0" g="0" b="0"/>
+          </a:effectRef>
+          <a:fontRef idx="none"/>
+        </p:style>
+        <p:txBody>
+          <a:bodyPr rot="0" vertOverflow="overflow" horzOverflow="overflow" vert="horz" wrap="square" lIns="45718" tIns="45718" rIns="45718" bIns="45718" numCol="1" spcCol="38100" rtlCol="0" anchor="t" forceAA="0">
+            <a:spAutoFit/>
+          </a:bodyPr>
+          <a:p>
+            <a:pPr marL="0" marR="0" indent="0" algn="l" defTabSz="914400" rtl="0" fontAlgn="auto" latinLnBrk="0" hangingPunct="0">
+              <a:lnSpc>
+                <a:spcPct val="100000"/>
+              </a:lnSpc>
+              <a:spcBef>
+                <a:spcPts val="0"/>
+              </a:spcBef>
+              <a:spcAft>
+                <a:spcPts val="0"/>
+              </a:spcAft>
+              <a:buClrTx/>
+              <a:buSzTx/>
+              <a:buFontTx/>
+              <a:buNone/>
+            </a:pPr>
+            <a:r>
+              <a:rPr kumimoji="0" lang="en-US" altLang="zh-CN" sz="1800" b="0" i="0" u="none" strike="noStrike" cap="none" spc="0" normalizeH="0" baseline="0">
+                <a:ln>
+                  <a:noFill/>
+                </a:ln>
+                <a:solidFill>
+                  <a:srgbClr val="000000"/>
+                </a:solidFill>
+                <a:effectLst/>
+                <a:uFillTx/>
+                <a:latin typeface="+mn-lt"/>
+                <a:ea typeface="+mn-ea"/>
+                <a:cs typeface="+mn-cs"/>
+                <a:sym typeface="Helvetica"/>
+              </a:rPr>
+              <a:t>2.3.2 复制积压缓冲区  </a:t>
+            </a:r>
+            <a:endParaRPr kumimoji="0" lang="en-US" altLang="zh-CN" sz="1800" b="0" i="0" u="none" strike="noStrike" cap="none" spc="0" normalizeH="0" baseline="0">
+              <a:ln>
+                <a:noFill/>
+              </a:ln>
+              <a:solidFill>
+                <a:srgbClr val="000000"/>
+              </a:solidFill>
+              <a:effectLst/>
+              <a:uFillTx/>
+              <a:latin typeface="+mn-lt"/>
+              <a:ea typeface="+mn-ea"/>
+              <a:cs typeface="+mn-cs"/>
+              <a:sym typeface="Helvetica"/>
+            </a:endParaRPr>
+          </a:p>
+          <a:p>
+            <a:pPr marL="0" marR="0" indent="0" algn="l" defTabSz="914400" rtl="0" fontAlgn="auto" latinLnBrk="0" hangingPunct="0">
+              <a:lnSpc>
+                <a:spcPct val="100000"/>
+              </a:lnSpc>
+              <a:spcBef>
+                <a:spcPts val="0"/>
+              </a:spcBef>
+              <a:spcAft>
+                <a:spcPts val="0"/>
+              </a:spcAft>
+              <a:buClrTx/>
+              <a:buSzTx/>
+              <a:buFontTx/>
+              <a:buNone/>
+            </a:pPr>
+            <a:endParaRPr kumimoji="0" lang="zh-CN" altLang="en-US" sz="1800" b="0" i="0" u="none" strike="noStrike" cap="none" spc="0" normalizeH="0" baseline="0">
+              <a:ln>
+                <a:noFill/>
+              </a:ln>
+              <a:solidFill>
+                <a:srgbClr val="000000"/>
+              </a:solidFill>
+              <a:effectLst/>
+              <a:uFillTx/>
+              <a:latin typeface="+mn-lt"/>
+              <a:ea typeface="+mn-ea"/>
+              <a:cs typeface="+mn-cs"/>
+              <a:sym typeface="Helvetica"/>
+            </a:endParaRPr>
+          </a:p>
+          <a:p>
+            <a:pPr marL="0" marR="0" indent="0" algn="l" defTabSz="914400" rtl="0" fontAlgn="auto" latinLnBrk="0" hangingPunct="0">
+              <a:lnSpc>
+                <a:spcPct val="100000"/>
+              </a:lnSpc>
+              <a:spcBef>
+                <a:spcPts val="0"/>
+              </a:spcBef>
+              <a:spcAft>
+                <a:spcPts val="0"/>
+              </a:spcAft>
+              <a:buClrTx/>
+              <a:buSzTx/>
+              <a:buFontTx/>
+              <a:buNone/>
+            </a:pPr>
+            <a:r>
+              <a:rPr kumimoji="0" lang="zh-CN" altLang="en-US" sz="1800" b="0" i="0" u="none" strike="noStrike" cap="none" spc="0" normalizeH="0" baseline="0">
+                <a:ln>
+                  <a:noFill/>
+                </a:ln>
+                <a:solidFill>
+                  <a:srgbClr val="000000"/>
+                </a:solidFill>
+                <a:effectLst/>
+                <a:uFillTx/>
+                <a:latin typeface="+mn-lt"/>
+                <a:ea typeface="+mn-ea"/>
+                <a:cs typeface="+mn-cs"/>
+                <a:sym typeface="Helvetica"/>
+              </a:rPr>
+              <a:t>复制积压缓冲区是由主服务器维护的一个固定长度先进先出队列，默认大小为1MB。</a:t>
+            </a:r>
+            <a:endParaRPr kumimoji="0" lang="zh-CN" altLang="en-US" sz="1800" b="0" i="0" u="none" strike="noStrike" cap="none" spc="0" normalizeH="0" baseline="0">
+              <a:ln>
+                <a:noFill/>
+              </a:ln>
+              <a:solidFill>
+                <a:srgbClr val="000000"/>
+              </a:solidFill>
+              <a:effectLst/>
+              <a:uFillTx/>
+              <a:latin typeface="+mn-lt"/>
+              <a:ea typeface="+mn-ea"/>
+              <a:cs typeface="+mn-cs"/>
+              <a:sym typeface="Helvetica"/>
+            </a:endParaRPr>
+          </a:p>
+          <a:p>
+            <a:pPr marL="0" marR="0" indent="0" algn="l" defTabSz="914400" rtl="0" fontAlgn="auto" latinLnBrk="0" hangingPunct="0">
+              <a:lnSpc>
+                <a:spcPct val="100000"/>
+              </a:lnSpc>
+              <a:spcBef>
+                <a:spcPts val="0"/>
+              </a:spcBef>
+              <a:spcAft>
+                <a:spcPts val="0"/>
+              </a:spcAft>
+              <a:buClrTx/>
+              <a:buSzTx/>
+              <a:buFontTx/>
+              <a:buNone/>
+            </a:pPr>
+            <a:endParaRPr kumimoji="0" lang="zh-CN" altLang="en-US" sz="1800" b="0" i="0" u="none" strike="noStrike" cap="none" spc="0" normalizeH="0" baseline="0">
+              <a:ln>
+                <a:noFill/>
+              </a:ln>
+              <a:solidFill>
+                <a:srgbClr val="000000"/>
+              </a:solidFill>
+              <a:effectLst/>
+              <a:uFillTx/>
+              <a:latin typeface="+mn-lt"/>
+              <a:ea typeface="+mn-ea"/>
+              <a:cs typeface="+mn-cs"/>
+              <a:sym typeface="Helvetica"/>
+            </a:endParaRPr>
+          </a:p>
+        </p:txBody>
+      </p:sp>
+      <p:pic>
+        <p:nvPicPr>
+          <p:cNvPr id="3" name="图片 2"/>
+          <p:cNvPicPr>
+            <a:picLocks noChangeAspect="1"/>
+          </p:cNvPicPr>
+          <p:nvPr/>
+        </p:nvPicPr>
+        <p:blipFill>
+          <a:blip r:embed="rId1"/>
+          <a:stretch>
+            <a:fillRect/>
+          </a:stretch>
+        </p:blipFill>
+        <p:spPr>
+          <a:xfrm>
+            <a:off x="3286125" y="2564765"/>
+            <a:ext cx="5619750" cy="2981325"/>
+          </a:xfrm>
+          <a:prstGeom prst="rect">
+            <a:avLst/>
+          </a:prstGeom>
+        </p:spPr>
+      </p:pic>
+    </p:spTree>
+  </p:cSld>
+  <p:clrMapOvr>
+    <a:masterClrMapping/>
+  </p:clrMapOvr>
+  <mc:AlternateContent xmlns:mc="http://schemas.openxmlformats.org/markup-compatibility/2006">
+    <mc:Choice xmlns:p14="http://schemas.microsoft.com/office/powerpoint/2010/main" Requires="p14">
+      <p:transition p14:dur="0" advClick="0" advTm="0"/>
+    </mc:Choice>
+    <mc:Fallback>
+      <p:transition advClick="0" advTm="0"/>
+    </mc:Fallback>
+  </mc:AlternateContent>
+  <p:timing>
+    <p:tnLst>
+      <p:par>
+        <p:cTn id="1" dur="indefinite" restart="never" fill="hold" nodeType="tmRoot"/>
+      </p:par>
+    </p:tnLst>
+  </p:timing>
+</p:sld>
+</file>
+
+<file path=ppt/slides/slide13.xml><?xml version="1.0" encoding="utf-8"?>
+<p:sld xmlns:a="http://schemas.openxmlformats.org/drawingml/2006/main" xmlns:r="http://schemas.openxmlformats.org/officeDocument/2006/relationships" xmlns:p="http://schemas.openxmlformats.org/presentationml/2006/main">
+  <p:cSld>
+    <p:spTree>
+      <p:nvGrpSpPr>
+        <p:cNvPr id="1" name=""/>
+        <p:cNvGrpSpPr/>
+        <p:nvPr/>
+      </p:nvGrpSpPr>
+      <p:grpSpPr>
+        <a:xfrm>
+          <a:off x="0" y="0"/>
+          <a:ext cx="0" cy="0"/>
+          <a:chOff x="0" y="0"/>
+          <a:chExt cx="0" cy="0"/>
+        </a:xfrm>
+      </p:grpSpPr>
+      <p:sp>
+        <p:nvSpPr>
+          <p:cNvPr id="7" name="文本框 6"/>
+          <p:cNvSpPr txBox="1"/>
+          <p:nvPr/>
+        </p:nvSpPr>
+        <p:spPr>
+          <a:xfrm>
+            <a:off x="793750" y="1057910"/>
+            <a:ext cx="10435590" cy="643890"/>
+          </a:xfrm>
+          <a:prstGeom prst="rect">
+            <a:avLst/>
+          </a:prstGeom>
+          <a:noFill/>
+          <a:ln w="12700" cap="flat">
+            <a:noFill/>
+            <a:miter lim="400000"/>
+          </a:ln>
+        </p:spPr>
+        <p:style>
+          <a:lnRef idx="0">
+            <a:scrgbClr r="0" g="0" b="0"/>
+          </a:lnRef>
+          <a:fillRef idx="0">
+            <a:scrgbClr r="0" g="0" b="0"/>
+          </a:fillRef>
+          <a:effectRef idx="0">
+            <a:scrgbClr r="0" g="0" b="0"/>
+          </a:effectRef>
+          <a:fontRef idx="none"/>
+        </p:style>
+        <p:txBody>
+          <a:bodyPr rot="0" vertOverflow="overflow" horzOverflow="overflow" vert="horz" wrap="square" lIns="45718" tIns="45718" rIns="45718" bIns="45718" numCol="1" spcCol="38100" rtlCol="0" anchor="t" forceAA="0">
+            <a:spAutoFit/>
+          </a:bodyPr>
+          <a:p>
+            <a:pPr marL="0" marR="0" indent="0" algn="l" defTabSz="914400" rtl="0" fontAlgn="auto" latinLnBrk="0" hangingPunct="0">
+              <a:lnSpc>
+                <a:spcPct val="100000"/>
+              </a:lnSpc>
+              <a:spcBef>
+                <a:spcPts val="0"/>
+              </a:spcBef>
+              <a:spcAft>
+                <a:spcPts val="0"/>
+              </a:spcAft>
+              <a:buClrTx/>
+              <a:buSzTx/>
+              <a:buFontTx/>
+              <a:buNone/>
+            </a:pPr>
+            <a:r>
+              <a:rPr kumimoji="0" lang="en-US" altLang="zh-CN" sz="1800" b="0" i="0" u="none" strike="noStrike" cap="none" spc="0" normalizeH="0" baseline="0">
+                <a:ln>
+                  <a:noFill/>
+                </a:ln>
+                <a:solidFill>
+                  <a:srgbClr val="000000"/>
+                </a:solidFill>
+                <a:effectLst/>
+                <a:uFillTx/>
+                <a:latin typeface="+mn-lt"/>
+                <a:ea typeface="+mn-ea"/>
+                <a:cs typeface="+mn-cs"/>
+                <a:sym typeface="Helvetica"/>
+              </a:rPr>
+              <a:t>2.3.3 PSYNC实现流程</a:t>
+            </a:r>
+            <a:endParaRPr kumimoji="0" lang="en-US" altLang="zh-CN" sz="1800" b="0" i="0" u="none" strike="noStrike" cap="none" spc="0" normalizeH="0" baseline="0">
+              <a:ln>
+                <a:noFill/>
+              </a:ln>
+              <a:solidFill>
+                <a:srgbClr val="000000"/>
+              </a:solidFill>
+              <a:effectLst/>
+              <a:uFillTx/>
+              <a:latin typeface="+mn-lt"/>
+              <a:ea typeface="+mn-ea"/>
+              <a:cs typeface="+mn-cs"/>
+              <a:sym typeface="Helvetica"/>
+            </a:endParaRPr>
+          </a:p>
+          <a:p>
+            <a:pPr marL="0" marR="0" indent="0" algn="l" defTabSz="914400" rtl="0" fontAlgn="auto" latinLnBrk="0" hangingPunct="0">
+              <a:lnSpc>
+                <a:spcPct val="100000"/>
+              </a:lnSpc>
+              <a:spcBef>
+                <a:spcPts val="0"/>
+              </a:spcBef>
+              <a:spcAft>
+                <a:spcPts val="0"/>
+              </a:spcAft>
+              <a:buClrTx/>
+              <a:buSzTx/>
+              <a:buFontTx/>
+              <a:buNone/>
+            </a:pPr>
+            <a:endParaRPr kumimoji="0" lang="zh-CN" altLang="en-US" sz="1800" b="0" i="0" u="none" strike="noStrike" cap="none" spc="0" normalizeH="0" baseline="0">
+              <a:ln>
+                <a:noFill/>
+              </a:ln>
+              <a:solidFill>
+                <a:srgbClr val="000000"/>
+              </a:solidFill>
+              <a:effectLst/>
+              <a:uFillTx/>
+              <a:latin typeface="+mn-lt"/>
+              <a:ea typeface="+mn-ea"/>
+              <a:cs typeface="+mn-cs"/>
+              <a:sym typeface="Helvetica"/>
+            </a:endParaRPr>
+          </a:p>
+        </p:txBody>
+      </p:sp>
+      <p:pic>
+        <p:nvPicPr>
+          <p:cNvPr id="2" name="图片 1"/>
+          <p:cNvPicPr>
+            <a:picLocks noChangeAspect="1"/>
+          </p:cNvPicPr>
+          <p:nvPr/>
+        </p:nvPicPr>
+        <p:blipFill>
+          <a:blip r:embed="rId1"/>
+          <a:stretch>
+            <a:fillRect/>
+          </a:stretch>
+        </p:blipFill>
+        <p:spPr>
+          <a:xfrm>
+            <a:off x="3166745" y="1551305"/>
+            <a:ext cx="5857875" cy="4600575"/>
+          </a:xfrm>
+          <a:prstGeom prst="rect">
+            <a:avLst/>
+          </a:prstGeom>
+        </p:spPr>
+      </p:pic>
+    </p:spTree>
+  </p:cSld>
+  <p:clrMapOvr>
+    <a:masterClrMapping/>
+  </p:clrMapOvr>
+  <mc:AlternateContent xmlns:mc="http://schemas.openxmlformats.org/markup-compatibility/2006">
+    <mc:Choice xmlns:p14="http://schemas.microsoft.com/office/powerpoint/2010/main" Requires="p14">
+      <p:transition p14:dur="0" advClick="0" advTm="0"/>
+    </mc:Choice>
+    <mc:Fallback>
+      <p:transition advClick="0" advTm="0"/>
+    </mc:Fallback>
+  </mc:AlternateContent>
+  <p:timing>
+    <p:tnLst>
+      <p:par>
+        <p:cTn id="1" dur="indefinite" restart="never" fill="hold" nodeType="tmRoot"/>
+      </p:par>
+    </p:tnLst>
+  </p:timing>
+</p:sld>
+</file>
+
+<file path=ppt/slides/slide14.xml><?xml version="1.0" encoding="utf-8"?>
+<p:sld xmlns:a="http://schemas.openxmlformats.org/drawingml/2006/main" xmlns:r="http://schemas.openxmlformats.org/officeDocument/2006/relationships" xmlns:p="http://schemas.openxmlformats.org/presentationml/2006/main">
+  <p:cSld>
+    <p:spTree>
+      <p:nvGrpSpPr>
+        <p:cNvPr id="1" name=""/>
+        <p:cNvGrpSpPr/>
+        <p:nvPr/>
+      </p:nvGrpSpPr>
+      <p:grpSpPr>
+        <a:xfrm>
+          <a:off x="0" y="0"/>
+          <a:ext cx="0" cy="0"/>
+          <a:chOff x="0" y="0"/>
+          <a:chExt cx="0" cy="0"/>
+        </a:xfrm>
+      </p:grpSpPr>
+      <p:sp>
+        <p:nvSpPr>
+          <p:cNvPr id="7" name="文本框 6"/>
+          <p:cNvSpPr txBox="1"/>
+          <p:nvPr/>
+        </p:nvSpPr>
+        <p:spPr>
+          <a:xfrm>
+            <a:off x="793750" y="1057910"/>
+            <a:ext cx="10435590" cy="2860040"/>
+          </a:xfrm>
+          <a:prstGeom prst="rect">
+            <a:avLst/>
+          </a:prstGeom>
+          <a:noFill/>
+          <a:ln w="12700" cap="flat">
+            <a:noFill/>
+            <a:miter lim="400000"/>
+          </a:ln>
+        </p:spPr>
+        <p:style>
+          <a:lnRef idx="0">
+            <a:scrgbClr r="0" g="0" b="0"/>
+          </a:lnRef>
+          <a:fillRef idx="0">
+            <a:scrgbClr r="0" g="0" b="0"/>
+          </a:fillRef>
+          <a:effectRef idx="0">
+            <a:scrgbClr r="0" g="0" b="0"/>
+          </a:effectRef>
+          <a:fontRef idx="none"/>
+        </p:style>
+        <p:txBody>
+          <a:bodyPr rot="0" vertOverflow="overflow" horzOverflow="overflow" vert="horz" wrap="square" lIns="45718" tIns="45718" rIns="45718" bIns="45718" numCol="1" spcCol="38100" rtlCol="0" anchor="t" forceAA="0">
+            <a:spAutoFit/>
+          </a:bodyPr>
+          <a:p>
+            <a:pPr marL="0" marR="0" indent="0" algn="l" defTabSz="914400" rtl="0" fontAlgn="auto" latinLnBrk="0" hangingPunct="0">
+              <a:lnSpc>
+                <a:spcPct val="100000"/>
+              </a:lnSpc>
+              <a:spcBef>
+                <a:spcPts val="0"/>
+              </a:spcBef>
+              <a:spcAft>
+                <a:spcPts val="0"/>
+              </a:spcAft>
+              <a:buClrTx/>
+              <a:buSzTx/>
+              <a:buFontTx/>
+              <a:buNone/>
+            </a:pPr>
+            <a:r>
+              <a:rPr kumimoji="0" lang="en-US" altLang="zh-CN" sz="1800" b="0" i="0" u="none" strike="noStrike" cap="none" spc="0" normalizeH="0" baseline="0">
+                <a:ln>
+                  <a:noFill/>
+                </a:ln>
+                <a:solidFill>
+                  <a:srgbClr val="000000"/>
+                </a:solidFill>
+                <a:effectLst/>
+                <a:uFillTx/>
+                <a:latin typeface="+mn-lt"/>
+                <a:ea typeface="+mn-ea"/>
+                <a:cs typeface="+mn-cs"/>
+                <a:sym typeface="Helvetica"/>
+              </a:rPr>
               <a:t>2.4 </a:t>
             </a:r>
             <a:r>
@@ -4605,7 +5659,86 @@
                 <a:cs typeface="+mn-cs"/>
                 <a:sym typeface="Helvetica"/>
               </a:rPr>
-              <a:t>复制的完整步骤</a:t>
+              <a:t>心跳检测</a:t>
+            </a:r>
+            <a:endParaRPr kumimoji="0" lang="zh-CN" altLang="en-US" sz="1800" b="0" i="0" u="none" strike="noStrike" cap="none" spc="0" normalizeH="0" baseline="0">
+              <a:ln>
+                <a:noFill/>
+              </a:ln>
+              <a:solidFill>
+                <a:srgbClr val="000000"/>
+              </a:solidFill>
+              <a:effectLst/>
+              <a:uFillTx/>
+              <a:latin typeface="+mn-lt"/>
+              <a:ea typeface="+mn-ea"/>
+              <a:cs typeface="+mn-cs"/>
+              <a:sym typeface="Helvetica"/>
+            </a:endParaRPr>
+          </a:p>
+          <a:p>
+            <a:pPr marL="0" marR="0" indent="0" algn="l" defTabSz="914400" rtl="0" fontAlgn="auto" latinLnBrk="0" hangingPunct="0">
+              <a:lnSpc>
+                <a:spcPct val="100000"/>
+              </a:lnSpc>
+              <a:spcBef>
+                <a:spcPts val="0"/>
+              </a:spcBef>
+              <a:spcAft>
+                <a:spcPts val="0"/>
+              </a:spcAft>
+              <a:buClrTx/>
+              <a:buSzTx/>
+              <a:buFontTx/>
+              <a:buNone/>
+            </a:pPr>
+            <a:endParaRPr kumimoji="0" lang="zh-CN" altLang="en-US" sz="1800" b="0" i="0" u="none" strike="noStrike" cap="none" spc="0" normalizeH="0" baseline="0">
+              <a:ln>
+                <a:noFill/>
+              </a:ln>
+              <a:solidFill>
+                <a:srgbClr val="000000"/>
+              </a:solidFill>
+              <a:effectLst/>
+              <a:uFillTx/>
+              <a:latin typeface="+mn-lt"/>
+              <a:ea typeface="+mn-ea"/>
+              <a:cs typeface="+mn-cs"/>
+              <a:sym typeface="Helvetica"/>
+            </a:endParaRPr>
+          </a:p>
+          <a:p>
+            <a:pPr marL="0" marR="0" indent="0" algn="l" defTabSz="914400" rtl="0" fontAlgn="auto" latinLnBrk="0" hangingPunct="0">
+              <a:lnSpc>
+                <a:spcPct val="100000"/>
+              </a:lnSpc>
+              <a:spcBef>
+                <a:spcPts val="0"/>
+              </a:spcBef>
+              <a:spcAft>
+                <a:spcPts val="0"/>
+              </a:spcAft>
+              <a:buClrTx/>
+              <a:buSzTx/>
+              <a:buFontTx/>
+              <a:buNone/>
+            </a:pPr>
+            <a:r>
+              <a:rPr kumimoji="0" lang="zh-CN" altLang="en-US" sz="1800" b="0" i="0" u="none" strike="noStrike" cap="none" spc="0" normalizeH="0" baseline="0">
+                <a:ln>
+                  <a:noFill/>
+                </a:ln>
+                <a:solidFill>
+                  <a:srgbClr val="000000"/>
+                </a:solidFill>
+                <a:effectLst/>
+                <a:uFillTx/>
+                <a:latin typeface="+mn-lt"/>
+                <a:ea typeface="+mn-ea"/>
+                <a:cs typeface="+mn-cs"/>
+                <a:sym typeface="Helvetica"/>
+              </a:rPr>
+              <a:t>从服务器默认以每秒一次的频率向主服务器发送命令：</a:t>
             </a:r>
             <a:r>
               <a:rPr kumimoji="0" lang="en-US" altLang="zh-CN" sz="1800" b="0" i="0" u="none" strike="noStrike" cap="none" spc="0" normalizeH="0" baseline="0">
@@ -4622,9 +5755,263 @@
                 <a:cs typeface="+mn-cs"/>
                 <a:sym typeface="Helvetica"/>
               </a:rPr>
-              <a:t>  </a:t>
+              <a:t>REPLCONF ACK &lt;replication_offset&gt;</a:t>
             </a:r>
-            <a:endParaRPr kumimoji="0" lang="en-US" altLang="zh-CN" sz="1800" b="0" i="0" u="none" strike="noStrike" cap="none" spc="0" normalizeH="0" baseline="0">
+            <a:endParaRPr kumimoji="0" lang="zh-CN" altLang="en-US" sz="1800" b="0" i="0" u="none" strike="noStrike" cap="none" spc="0" normalizeH="0" baseline="0">
+              <a:ln>
+                <a:noFill/>
+              </a:ln>
+              <a:solidFill>
+                <a:srgbClr val="000000"/>
+              </a:solidFill>
+              <a:effectLst/>
+              <a:uFillTx/>
+              <a:latin typeface="+mn-lt"/>
+              <a:ea typeface="+mn-ea"/>
+              <a:cs typeface="+mn-cs"/>
+              <a:sym typeface="Helvetica"/>
+            </a:endParaRPr>
+          </a:p>
+          <a:p>
+            <a:pPr marL="0" marR="0" indent="0" algn="l" defTabSz="914400" rtl="0" fontAlgn="auto" latinLnBrk="0" hangingPunct="0">
+              <a:lnSpc>
+                <a:spcPct val="100000"/>
+              </a:lnSpc>
+              <a:spcBef>
+                <a:spcPts val="0"/>
+              </a:spcBef>
+              <a:spcAft>
+                <a:spcPts val="0"/>
+              </a:spcAft>
+              <a:buClrTx/>
+              <a:buSzTx/>
+              <a:buFontTx/>
+              <a:buNone/>
+            </a:pPr>
+            <a:r>
+              <a:rPr kumimoji="0" lang="zh-CN" altLang="en-US" sz="1800" b="0" i="0" u="none" strike="noStrike" cap="none" spc="0" normalizeH="0" baseline="0">
+                <a:ln>
+                  <a:noFill/>
+                </a:ln>
+                <a:solidFill>
+                  <a:srgbClr val="000000"/>
+                </a:solidFill>
+                <a:effectLst/>
+                <a:uFillTx/>
+                <a:latin typeface="+mn-lt"/>
+                <a:ea typeface="+mn-ea"/>
+                <a:cs typeface="+mn-cs"/>
+                <a:sym typeface="Helvetica"/>
+              </a:rPr>
+              <a:t> </a:t>
+            </a:r>
+            <a:endParaRPr kumimoji="0" lang="zh-CN" altLang="en-US" sz="1800" b="0" i="0" u="none" strike="noStrike" cap="none" spc="0" normalizeH="0" baseline="0">
+              <a:ln>
+                <a:noFill/>
+              </a:ln>
+              <a:solidFill>
+                <a:srgbClr val="000000"/>
+              </a:solidFill>
+              <a:effectLst/>
+              <a:uFillTx/>
+              <a:latin typeface="+mn-lt"/>
+              <a:ea typeface="+mn-ea"/>
+              <a:cs typeface="+mn-cs"/>
+              <a:sym typeface="Helvetica"/>
+            </a:endParaRPr>
+          </a:p>
+          <a:p>
+            <a:pPr marL="0" marR="0" indent="0" algn="l" defTabSz="914400" rtl="0" fontAlgn="auto" latinLnBrk="0" hangingPunct="0">
+              <a:lnSpc>
+                <a:spcPct val="100000"/>
+              </a:lnSpc>
+              <a:spcBef>
+                <a:spcPts val="0"/>
+              </a:spcBef>
+              <a:spcAft>
+                <a:spcPts val="0"/>
+              </a:spcAft>
+              <a:buClrTx/>
+              <a:buSzTx/>
+              <a:buFontTx/>
+              <a:buNone/>
+            </a:pPr>
+            <a:r>
+              <a:rPr kumimoji="0" lang="zh-CN" altLang="en-US" sz="1800" b="0" i="0" u="none" strike="noStrike" cap="none" spc="0" normalizeH="0" baseline="0">
+                <a:ln>
+                  <a:noFill/>
+                </a:ln>
+                <a:solidFill>
+                  <a:srgbClr val="000000"/>
+                </a:solidFill>
+                <a:effectLst/>
+                <a:uFillTx/>
+                <a:latin typeface="+mn-lt"/>
+                <a:ea typeface="+mn-ea"/>
+                <a:cs typeface="+mn-cs"/>
+                <a:sym typeface="Helvetica"/>
+              </a:rPr>
+              <a:t>1）检测主从服务器的网络连接状态 </a:t>
+            </a:r>
+            <a:endParaRPr kumimoji="0" lang="zh-CN" altLang="en-US" sz="1800" b="0" i="0" u="none" strike="noStrike" cap="none" spc="0" normalizeH="0" baseline="0">
+              <a:ln>
+                <a:noFill/>
+              </a:ln>
+              <a:solidFill>
+                <a:srgbClr val="000000"/>
+              </a:solidFill>
+              <a:effectLst/>
+              <a:uFillTx/>
+              <a:latin typeface="+mn-lt"/>
+              <a:ea typeface="+mn-ea"/>
+              <a:cs typeface="+mn-cs"/>
+              <a:sym typeface="Helvetica"/>
+            </a:endParaRPr>
+          </a:p>
+          <a:p>
+            <a:pPr marL="0" marR="0" indent="0" algn="l" defTabSz="914400" rtl="0" fontAlgn="auto" latinLnBrk="0" hangingPunct="0">
+              <a:lnSpc>
+                <a:spcPct val="100000"/>
+              </a:lnSpc>
+              <a:spcBef>
+                <a:spcPts val="0"/>
+              </a:spcBef>
+              <a:spcAft>
+                <a:spcPts val="0"/>
+              </a:spcAft>
+              <a:buClrTx/>
+              <a:buSzTx/>
+              <a:buFontTx/>
+              <a:buNone/>
+            </a:pPr>
+            <a:endParaRPr kumimoji="0" lang="zh-CN" altLang="en-US" sz="1800" b="0" i="0" u="none" strike="noStrike" cap="none" spc="0" normalizeH="0" baseline="0">
+              <a:ln>
+                <a:noFill/>
+              </a:ln>
+              <a:solidFill>
+                <a:srgbClr val="000000"/>
+              </a:solidFill>
+              <a:effectLst/>
+              <a:uFillTx/>
+              <a:latin typeface="+mn-lt"/>
+              <a:ea typeface="+mn-ea"/>
+              <a:cs typeface="+mn-cs"/>
+              <a:sym typeface="Helvetica"/>
+            </a:endParaRPr>
+          </a:p>
+          <a:p>
+            <a:pPr marL="0" marR="0" indent="0" algn="l" defTabSz="914400" rtl="0" fontAlgn="auto" latinLnBrk="0" hangingPunct="0">
+              <a:lnSpc>
+                <a:spcPct val="100000"/>
+              </a:lnSpc>
+              <a:spcBef>
+                <a:spcPts val="0"/>
+              </a:spcBef>
+              <a:spcAft>
+                <a:spcPts val="0"/>
+              </a:spcAft>
+              <a:buClrTx/>
+              <a:buSzTx/>
+              <a:buFontTx/>
+              <a:buNone/>
+            </a:pPr>
+            <a:r>
+              <a:rPr kumimoji="0" lang="zh-CN" altLang="en-US" sz="1800" b="0" i="0" u="none" strike="noStrike" cap="none" spc="0" normalizeH="0" baseline="0">
+                <a:ln>
+                  <a:noFill/>
+                </a:ln>
+                <a:solidFill>
+                  <a:srgbClr val="000000"/>
+                </a:solidFill>
+                <a:effectLst/>
+                <a:uFillTx/>
+                <a:latin typeface="+mn-lt"/>
+                <a:ea typeface="+mn-ea"/>
+                <a:cs typeface="+mn-cs"/>
+                <a:sym typeface="Helvetica"/>
+              </a:rPr>
+              <a:t>2）辅助实现min-slaves，防止主服务器在不安全的情况下执行写命令</a:t>
+            </a:r>
+            <a:endParaRPr kumimoji="0" lang="zh-CN" altLang="en-US" sz="1800" b="0" i="0" u="none" strike="noStrike" cap="none" spc="0" normalizeH="0" baseline="0">
+              <a:ln>
+                <a:noFill/>
+              </a:ln>
+              <a:solidFill>
+                <a:srgbClr val="000000"/>
+              </a:solidFill>
+              <a:effectLst/>
+              <a:uFillTx/>
+              <a:latin typeface="+mn-lt"/>
+              <a:ea typeface="+mn-ea"/>
+              <a:cs typeface="+mn-cs"/>
+              <a:sym typeface="Helvetica"/>
+            </a:endParaRPr>
+          </a:p>
+          <a:p>
+            <a:pPr marL="0" marR="0" indent="0" algn="l" defTabSz="914400" rtl="0" fontAlgn="auto" latinLnBrk="0" hangingPunct="0">
+              <a:lnSpc>
+                <a:spcPct val="100000"/>
+              </a:lnSpc>
+              <a:spcBef>
+                <a:spcPts val="0"/>
+              </a:spcBef>
+              <a:spcAft>
+                <a:spcPts val="0"/>
+              </a:spcAft>
+              <a:buClrTx/>
+              <a:buSzTx/>
+              <a:buFontTx/>
+              <a:buNone/>
+            </a:pPr>
+            <a:endParaRPr kumimoji="0" lang="zh-CN" altLang="en-US" sz="1800" b="0" i="0" u="none" strike="noStrike" cap="none" spc="0" normalizeH="0" baseline="0">
+              <a:ln>
+                <a:noFill/>
+              </a:ln>
+              <a:solidFill>
+                <a:srgbClr val="000000"/>
+              </a:solidFill>
+              <a:effectLst/>
+              <a:uFillTx/>
+              <a:latin typeface="+mn-lt"/>
+              <a:ea typeface="+mn-ea"/>
+              <a:cs typeface="+mn-cs"/>
+              <a:sym typeface="Helvetica"/>
+            </a:endParaRPr>
+          </a:p>
+          <a:p>
+            <a:pPr marL="0" marR="0" indent="0" algn="l" defTabSz="914400" rtl="0" fontAlgn="auto" latinLnBrk="0" hangingPunct="0">
+              <a:lnSpc>
+                <a:spcPct val="100000"/>
+              </a:lnSpc>
+              <a:spcBef>
+                <a:spcPts val="0"/>
+              </a:spcBef>
+              <a:spcAft>
+                <a:spcPts val="0"/>
+              </a:spcAft>
+              <a:buClrTx/>
+              <a:buSzTx/>
+              <a:buFontTx/>
+              <a:buNone/>
+            </a:pPr>
+            <a:r>
+              <a:rPr kumimoji="0" lang="zh-CN" altLang="en-US" sz="1800" b="0" i="0" u="none" strike="noStrike" cap="none" spc="0" normalizeH="0" baseline="0">
+                <a:ln>
+                  <a:noFill/>
+                </a:ln>
+                <a:solidFill>
+                  <a:srgbClr val="000000"/>
+                </a:solidFill>
+                <a:effectLst/>
+                <a:uFillTx/>
+                <a:latin typeface="+mn-lt"/>
+                <a:ea typeface="+mn-ea"/>
+                <a:cs typeface="+mn-cs"/>
+                <a:sym typeface="Helvetica"/>
+              </a:rPr>
+              <a:t>3）检测命令丢失</a:t>
+            </a:r>
+            <a:endParaRPr kumimoji="0" lang="zh-CN" altLang="en-US" sz="1800" b="0" i="0" u="none" strike="noStrike" cap="none" spc="0" normalizeH="0" baseline="0">
               <a:ln>
                 <a:noFill/>
               </a:ln>
@@ -4695,7 +6082,7 @@
 </p:sld>
 </file>
 
-<file path=ppt/slides/slide12.xml><?xml version="1.0" encoding="utf-8"?>
+<file path=ppt/slides/slide15.xml><?xml version="1.0" encoding="utf-8"?>
 <p:sld xmlns:a="http://schemas.openxmlformats.org/drawingml/2006/main" xmlns:r="http://schemas.openxmlformats.org/officeDocument/2006/relationships" xmlns:p="http://schemas.openxmlformats.org/presentationml/2006/main">
   <p:cSld>
     <p:spTree>
@@ -5171,7 +6558,7 @@
 </p:sld>
 </file>
 
-<file path=ppt/slides/slide13.xml><?xml version="1.0" encoding="utf-8"?>
+<file path=ppt/slides/slide16.xml><?xml version="1.0" encoding="utf-8"?>
 <p:sld xmlns:a="http://schemas.openxmlformats.org/drawingml/2006/main" xmlns:r="http://schemas.openxmlformats.org/officeDocument/2006/relationships" xmlns:p="http://schemas.openxmlformats.org/presentationml/2006/main">
   <p:cSld>
     <p:spTree>
@@ -5197,7 +6584,7 @@
         <p:spPr>
           <a:xfrm>
             <a:off x="793750" y="1071245"/>
-            <a:ext cx="10435590" cy="643890"/>
+            <a:ext cx="10435590" cy="1751965"/>
           </a:xfrm>
           <a:prstGeom prst="rect">
             <a:avLst/>
@@ -5256,6 +6643,995 @@
                 <a:sym typeface="Helvetica"/>
               </a:rPr>
               <a:t>哨兵</a:t>
+            </a:r>
+            <a:endParaRPr kumimoji="0" lang="zh-CN" altLang="en-US" sz="1800" b="0" i="0" u="none" strike="noStrike" cap="none" spc="0" normalizeH="0" baseline="0">
+              <a:ln>
+                <a:noFill/>
+              </a:ln>
+              <a:solidFill>
+                <a:srgbClr val="000000"/>
+              </a:solidFill>
+              <a:effectLst/>
+              <a:uFillTx/>
+              <a:latin typeface="+mn-lt"/>
+              <a:ea typeface="+mn-ea"/>
+              <a:cs typeface="+mn-cs"/>
+              <a:sym typeface="Helvetica"/>
+            </a:endParaRPr>
+          </a:p>
+          <a:p>
+            <a:pPr marL="0" marR="0" indent="0" algn="l" defTabSz="914400" rtl="0" fontAlgn="auto" latinLnBrk="0" hangingPunct="0">
+              <a:lnSpc>
+                <a:spcPct val="100000"/>
+              </a:lnSpc>
+              <a:spcBef>
+                <a:spcPts val="0"/>
+              </a:spcBef>
+              <a:spcAft>
+                <a:spcPts val="0"/>
+              </a:spcAft>
+              <a:buClrTx/>
+              <a:buSzTx/>
+              <a:buFontTx/>
+              <a:buNone/>
+            </a:pPr>
+            <a:endParaRPr kumimoji="0" lang="zh-CN" altLang="en-US" sz="1800" b="0" i="0" u="none" strike="noStrike" cap="none" spc="0" normalizeH="0" baseline="0">
+              <a:ln>
+                <a:noFill/>
+              </a:ln>
+              <a:solidFill>
+                <a:srgbClr val="000000"/>
+              </a:solidFill>
+              <a:effectLst/>
+              <a:uFillTx/>
+              <a:latin typeface="+mn-lt"/>
+              <a:ea typeface="+mn-ea"/>
+              <a:cs typeface="+mn-cs"/>
+              <a:sym typeface="Helvetica"/>
+            </a:endParaRPr>
+          </a:p>
+          <a:p>
+            <a:pPr marL="0" marR="0" indent="0" algn="l" defTabSz="914400" rtl="0" fontAlgn="auto" latinLnBrk="0" hangingPunct="0">
+              <a:lnSpc>
+                <a:spcPct val="100000"/>
+              </a:lnSpc>
+              <a:spcBef>
+                <a:spcPts val="0"/>
+              </a:spcBef>
+              <a:spcAft>
+                <a:spcPts val="0"/>
+              </a:spcAft>
+              <a:buClrTx/>
+              <a:buSzTx/>
+              <a:buFontTx/>
+              <a:buNone/>
+            </a:pPr>
+            <a:r>
+              <a:rPr kumimoji="0" lang="zh-CN" altLang="en-US" sz="1800" b="0" i="0" u="none" strike="noStrike" cap="none" spc="0" normalizeH="0" baseline="0">
+                <a:ln>
+                  <a:noFill/>
+                </a:ln>
+                <a:solidFill>
+                  <a:srgbClr val="000000"/>
+                </a:solidFill>
+                <a:effectLst/>
+                <a:uFillTx/>
+                <a:latin typeface="+mn-lt"/>
+                <a:ea typeface="+mn-ea"/>
+                <a:cs typeface="+mn-cs"/>
+                <a:sym typeface="Helvetica"/>
+              </a:rPr>
+              <a:t>Sentinel（哨兵）是redis的高可用（high avaliability）解决方案：由一个或多个Sentinel实例组成的Sentinel系统可以监视任意多个主服务器，以及这些主服务器属下的所有从服务器，当主服务器下线，自动升级一个从服务器为主服务器，代替已下线服务器接受命令。</a:t>
+            </a:r>
+            <a:endParaRPr kumimoji="0" lang="zh-CN" altLang="en-US" sz="1800" b="0" i="0" u="none" strike="noStrike" cap="none" spc="0" normalizeH="0" baseline="0">
+              <a:ln>
+                <a:noFill/>
+              </a:ln>
+              <a:solidFill>
+                <a:srgbClr val="000000"/>
+              </a:solidFill>
+              <a:effectLst/>
+              <a:uFillTx/>
+              <a:latin typeface="+mn-lt"/>
+              <a:ea typeface="+mn-ea"/>
+              <a:cs typeface="+mn-cs"/>
+              <a:sym typeface="Helvetica"/>
+            </a:endParaRPr>
+          </a:p>
+          <a:p>
+            <a:pPr marL="0" marR="0" indent="0" algn="l" defTabSz="914400" rtl="0" fontAlgn="auto" latinLnBrk="0" hangingPunct="0">
+              <a:lnSpc>
+                <a:spcPct val="100000"/>
+              </a:lnSpc>
+              <a:spcBef>
+                <a:spcPts val="0"/>
+              </a:spcBef>
+              <a:spcAft>
+                <a:spcPts val="0"/>
+              </a:spcAft>
+              <a:buClrTx/>
+              <a:buSzTx/>
+              <a:buFontTx/>
+              <a:buNone/>
+            </a:pPr>
+            <a:endParaRPr kumimoji="0" lang="zh-CN" altLang="en-US" sz="1800" b="0" i="0" u="none" strike="noStrike" cap="none" spc="0" normalizeH="0" baseline="0">
+              <a:ln>
+                <a:noFill/>
+              </a:ln>
+              <a:solidFill>
+                <a:srgbClr val="000000"/>
+              </a:solidFill>
+              <a:effectLst/>
+              <a:uFillTx/>
+              <a:latin typeface="+mn-lt"/>
+              <a:ea typeface="+mn-ea"/>
+              <a:cs typeface="+mn-cs"/>
+              <a:sym typeface="Helvetica"/>
+            </a:endParaRPr>
+          </a:p>
+        </p:txBody>
+      </p:sp>
+      <p:pic>
+        <p:nvPicPr>
+          <p:cNvPr id="2" name="图片 1"/>
+          <p:cNvPicPr>
+            <a:picLocks noChangeAspect="1"/>
+          </p:cNvPicPr>
+          <p:nvPr/>
+        </p:nvPicPr>
+        <p:blipFill>
+          <a:blip r:embed="rId1"/>
+          <a:stretch>
+            <a:fillRect/>
+          </a:stretch>
+        </p:blipFill>
+        <p:spPr>
+          <a:xfrm>
+            <a:off x="3663950" y="2823210"/>
+            <a:ext cx="4694555" cy="3692525"/>
+          </a:xfrm>
+          <a:prstGeom prst="rect">
+            <a:avLst/>
+          </a:prstGeom>
+        </p:spPr>
+      </p:pic>
+    </p:spTree>
+  </p:cSld>
+  <p:clrMapOvr>
+    <a:masterClrMapping/>
+  </p:clrMapOvr>
+  <mc:AlternateContent xmlns:mc="http://schemas.openxmlformats.org/markup-compatibility/2006">
+    <mc:Choice xmlns:p14="http://schemas.microsoft.com/office/powerpoint/2010/main" Requires="p14">
+      <p:transition p14:dur="0" advClick="0" advTm="0"/>
+    </mc:Choice>
+    <mc:Fallback>
+      <p:transition advClick="0" advTm="0"/>
+    </mc:Fallback>
+  </mc:AlternateContent>
+  <p:timing>
+    <p:tnLst>
+      <p:par>
+        <p:cTn id="1" dur="indefinite" restart="never" fill="hold" nodeType="tmRoot"/>
+      </p:par>
+    </p:tnLst>
+  </p:timing>
+</p:sld>
+</file>
+
+<file path=ppt/slides/slide17.xml><?xml version="1.0" encoding="utf-8"?>
+<p:sld xmlns:a="http://schemas.openxmlformats.org/drawingml/2006/main" xmlns:r="http://schemas.openxmlformats.org/officeDocument/2006/relationships" xmlns:p="http://schemas.openxmlformats.org/presentationml/2006/main">
+  <p:cSld>
+    <p:spTree>
+      <p:nvGrpSpPr>
+        <p:cNvPr id="1" name=""/>
+        <p:cNvGrpSpPr/>
+        <p:nvPr/>
+      </p:nvGrpSpPr>
+      <p:grpSpPr>
+        <a:xfrm>
+          <a:off x="0" y="0"/>
+          <a:ext cx="0" cy="0"/>
+          <a:chOff x="0" y="0"/>
+          <a:chExt cx="0" cy="0"/>
+        </a:xfrm>
+      </p:grpSpPr>
+      <p:sp>
+        <p:nvSpPr>
+          <p:cNvPr id="7" name="文本框 6"/>
+          <p:cNvSpPr txBox="1"/>
+          <p:nvPr/>
+        </p:nvSpPr>
+        <p:spPr>
+          <a:xfrm>
+            <a:off x="793750" y="1057910"/>
+            <a:ext cx="10435590" cy="2028825"/>
+          </a:xfrm>
+          <a:prstGeom prst="rect">
+            <a:avLst/>
+          </a:prstGeom>
+          <a:noFill/>
+          <a:ln w="12700" cap="flat">
+            <a:noFill/>
+            <a:miter lim="400000"/>
+          </a:ln>
+        </p:spPr>
+        <p:style>
+          <a:lnRef idx="0">
+            <a:scrgbClr r="0" g="0" b="0"/>
+          </a:lnRef>
+          <a:fillRef idx="0">
+            <a:scrgbClr r="0" g="0" b="0"/>
+          </a:fillRef>
+          <a:effectRef idx="0">
+            <a:scrgbClr r="0" g="0" b="0"/>
+          </a:effectRef>
+          <a:fontRef idx="none"/>
+        </p:style>
+        <p:txBody>
+          <a:bodyPr rot="0" vertOverflow="overflow" horzOverflow="overflow" vert="horz" wrap="square" lIns="45718" tIns="45718" rIns="45718" bIns="45718" numCol="1" spcCol="38100" rtlCol="0" anchor="t" forceAA="0">
+            <a:spAutoFit/>
+          </a:bodyPr>
+          <a:p>
+            <a:pPr marL="0" marR="0" indent="0" algn="l" defTabSz="914400" rtl="0" fontAlgn="auto" latinLnBrk="0" hangingPunct="0">
+              <a:lnSpc>
+                <a:spcPct val="100000"/>
+              </a:lnSpc>
+              <a:spcBef>
+                <a:spcPts val="0"/>
+              </a:spcBef>
+              <a:spcAft>
+                <a:spcPts val="0"/>
+              </a:spcAft>
+              <a:buClrTx/>
+              <a:buSzTx/>
+              <a:buFontTx/>
+              <a:buNone/>
+            </a:pPr>
+            <a:r>
+              <a:rPr kumimoji="0" lang="en-US" altLang="zh-CN" sz="1800" b="0" i="0" u="none" strike="noStrike" cap="none" spc="0" normalizeH="0" baseline="0">
+                <a:ln>
+                  <a:noFill/>
+                </a:ln>
+                <a:solidFill>
+                  <a:srgbClr val="000000"/>
+                </a:solidFill>
+                <a:effectLst/>
+                <a:uFillTx/>
+                <a:latin typeface="+mn-lt"/>
+                <a:ea typeface="+mn-ea"/>
+                <a:cs typeface="+mn-cs"/>
+                <a:sym typeface="Helvetica"/>
+              </a:rPr>
+              <a:t>3.1 </a:t>
+            </a:r>
+            <a:r>
+              <a:rPr kumimoji="0" lang="zh-CN" altLang="en-US" sz="1800" b="0" i="0" u="none" strike="noStrike" cap="none" spc="0" normalizeH="0" baseline="0">
+                <a:ln>
+                  <a:noFill/>
+                </a:ln>
+                <a:solidFill>
+                  <a:srgbClr val="000000"/>
+                </a:solidFill>
+                <a:effectLst/>
+                <a:uFillTx/>
+                <a:latin typeface="+mn-lt"/>
+                <a:ea typeface="+mn-ea"/>
+                <a:cs typeface="+mn-cs"/>
+                <a:sym typeface="Helvetica"/>
+              </a:rPr>
+              <a:t>检测</a:t>
+            </a:r>
+            <a:r>
+              <a:rPr kumimoji="0" lang="zh-CN" altLang="en-US" sz="1800" b="0" i="0" u="none" strike="noStrike" cap="none" spc="0" normalizeH="0" baseline="0">
+                <a:ln>
+                  <a:noFill/>
+                </a:ln>
+                <a:solidFill>
+                  <a:srgbClr val="000000"/>
+                </a:solidFill>
+                <a:effectLst/>
+                <a:uFillTx/>
+                <a:latin typeface="+mn-lt"/>
+                <a:ea typeface="+mn-ea"/>
+                <a:cs typeface="+mn-cs"/>
+                <a:sym typeface="Helvetica"/>
+              </a:rPr>
+              <a:t>主观</a:t>
+            </a:r>
+            <a:r>
+              <a:rPr kumimoji="0" lang="zh-CN" altLang="en-US" sz="1800" b="0" i="0" u="none" strike="noStrike" cap="none" spc="0" normalizeH="0" baseline="0">
+                <a:ln>
+                  <a:noFill/>
+                </a:ln>
+                <a:solidFill>
+                  <a:srgbClr val="000000"/>
+                </a:solidFill>
+                <a:effectLst/>
+                <a:uFillTx/>
+                <a:latin typeface="+mn-lt"/>
+                <a:ea typeface="+mn-ea"/>
+                <a:cs typeface="+mn-cs"/>
+                <a:sym typeface="Helvetica"/>
+              </a:rPr>
+              <a:t>下线状态</a:t>
+            </a:r>
+            <a:r>
+              <a:rPr kumimoji="0" lang="en-US" altLang="zh-CN" sz="1800" b="0" i="0" u="none" strike="noStrike" cap="none" spc="0" normalizeH="0" baseline="0">
+                <a:ln>
+                  <a:noFill/>
+                </a:ln>
+                <a:solidFill>
+                  <a:srgbClr val="000000"/>
+                </a:solidFill>
+                <a:effectLst/>
+                <a:uFillTx/>
+                <a:latin typeface="+mn-lt"/>
+                <a:ea typeface="+mn-ea"/>
+                <a:cs typeface="+mn-cs"/>
+                <a:sym typeface="Helvetica"/>
+              </a:rPr>
+              <a:t>  </a:t>
+            </a:r>
+            <a:endParaRPr kumimoji="0" lang="en-US" altLang="zh-CN" sz="1800" b="0" i="0" u="none" strike="noStrike" cap="none" spc="0" normalizeH="0" baseline="0">
+              <a:ln>
+                <a:noFill/>
+              </a:ln>
+              <a:solidFill>
+                <a:srgbClr val="000000"/>
+              </a:solidFill>
+              <a:effectLst/>
+              <a:uFillTx/>
+              <a:latin typeface="+mn-lt"/>
+              <a:ea typeface="+mn-ea"/>
+              <a:cs typeface="+mn-cs"/>
+              <a:sym typeface="Helvetica"/>
+            </a:endParaRPr>
+          </a:p>
+          <a:p>
+            <a:pPr marL="0" marR="0" indent="0" algn="l" defTabSz="914400" rtl="0" fontAlgn="auto" latinLnBrk="0" hangingPunct="0">
+              <a:lnSpc>
+                <a:spcPct val="100000"/>
+              </a:lnSpc>
+              <a:spcBef>
+                <a:spcPts val="0"/>
+              </a:spcBef>
+              <a:spcAft>
+                <a:spcPts val="0"/>
+              </a:spcAft>
+              <a:buClrTx/>
+              <a:buSzTx/>
+              <a:buFontTx/>
+              <a:buNone/>
+            </a:pPr>
+            <a:endParaRPr kumimoji="0" lang="zh-CN" altLang="en-US" sz="1800" b="0" i="0" u="none" strike="noStrike" cap="none" spc="0" normalizeH="0" baseline="0">
+              <a:ln>
+                <a:noFill/>
+              </a:ln>
+              <a:solidFill>
+                <a:srgbClr val="000000"/>
+              </a:solidFill>
+              <a:effectLst/>
+              <a:uFillTx/>
+              <a:latin typeface="+mn-lt"/>
+              <a:ea typeface="+mn-ea"/>
+              <a:cs typeface="+mn-cs"/>
+              <a:sym typeface="Helvetica"/>
+            </a:endParaRPr>
+          </a:p>
+          <a:p>
+            <a:pPr marL="0" marR="0" indent="0" algn="l" defTabSz="914400" rtl="0" fontAlgn="auto" latinLnBrk="0" hangingPunct="0">
+              <a:lnSpc>
+                <a:spcPct val="100000"/>
+              </a:lnSpc>
+              <a:spcBef>
+                <a:spcPts val="0"/>
+              </a:spcBef>
+              <a:spcAft>
+                <a:spcPts val="0"/>
+              </a:spcAft>
+              <a:buClrTx/>
+              <a:buSzTx/>
+              <a:buFontTx/>
+              <a:buNone/>
+            </a:pPr>
+            <a:r>
+              <a:rPr kumimoji="0" lang="zh-CN" altLang="en-US" sz="1800" b="0" i="0" u="none" strike="noStrike" cap="none" spc="0" normalizeH="0" baseline="0">
+                <a:ln>
+                  <a:noFill/>
+                </a:ln>
+                <a:solidFill>
+                  <a:srgbClr val="000000"/>
+                </a:solidFill>
+                <a:effectLst/>
+                <a:uFillTx/>
+                <a:latin typeface="+mn-lt"/>
+                <a:ea typeface="+mn-ea"/>
+                <a:cs typeface="+mn-cs"/>
+                <a:sym typeface="Helvetica"/>
+              </a:rPr>
+              <a:t>Sentinel每秒向与之创建了命令连接的实例发送PING命令，并通过回复来判断实例是否在线。</a:t>
+            </a:r>
+            <a:endParaRPr kumimoji="0" lang="zh-CN" altLang="en-US" sz="1800" b="0" i="0" u="none" strike="noStrike" cap="none" spc="0" normalizeH="0" baseline="0">
+              <a:ln>
+                <a:noFill/>
+              </a:ln>
+              <a:solidFill>
+                <a:srgbClr val="000000"/>
+              </a:solidFill>
+              <a:effectLst/>
+              <a:uFillTx/>
+              <a:latin typeface="+mn-lt"/>
+              <a:ea typeface="+mn-ea"/>
+              <a:cs typeface="+mn-cs"/>
+              <a:sym typeface="Helvetica"/>
+            </a:endParaRPr>
+          </a:p>
+          <a:p>
+            <a:pPr marL="0" marR="0" indent="0" algn="l" defTabSz="914400" rtl="0" fontAlgn="auto" latinLnBrk="0" hangingPunct="0">
+              <a:lnSpc>
+                <a:spcPct val="100000"/>
+              </a:lnSpc>
+              <a:spcBef>
+                <a:spcPts val="0"/>
+              </a:spcBef>
+              <a:spcAft>
+                <a:spcPts val="0"/>
+              </a:spcAft>
+              <a:buClrTx/>
+              <a:buSzTx/>
+              <a:buFontTx/>
+              <a:buNone/>
+            </a:pPr>
+            <a:endParaRPr kumimoji="0" lang="zh-CN" altLang="en-US" sz="1800" b="0" i="0" u="none" strike="noStrike" cap="none" spc="0" normalizeH="0" baseline="0">
+              <a:ln>
+                <a:noFill/>
+              </a:ln>
+              <a:solidFill>
+                <a:srgbClr val="000000"/>
+              </a:solidFill>
+              <a:effectLst/>
+              <a:uFillTx/>
+              <a:latin typeface="+mn-lt"/>
+              <a:ea typeface="+mn-ea"/>
+              <a:cs typeface="+mn-cs"/>
+              <a:sym typeface="Helvetica"/>
+            </a:endParaRPr>
+          </a:p>
+          <a:p>
+            <a:pPr marL="0" marR="0" indent="0" algn="l" defTabSz="914400" rtl="0" fontAlgn="auto" latinLnBrk="0" hangingPunct="0">
+              <a:lnSpc>
+                <a:spcPct val="100000"/>
+              </a:lnSpc>
+              <a:spcBef>
+                <a:spcPts val="0"/>
+              </a:spcBef>
+              <a:spcAft>
+                <a:spcPts val="0"/>
+              </a:spcAft>
+              <a:buClrTx/>
+              <a:buSzTx/>
+              <a:buFontTx/>
+              <a:buNone/>
+            </a:pPr>
+            <a:r>
+              <a:rPr kumimoji="0" lang="zh-CN" altLang="en-US" sz="1800" b="0" i="0" u="none" strike="noStrike" cap="none" spc="0" normalizeH="0" baseline="0">
+                <a:ln>
+                  <a:noFill/>
+                </a:ln>
+                <a:solidFill>
+                  <a:srgbClr val="000000"/>
+                </a:solidFill>
+                <a:effectLst/>
+                <a:uFillTx/>
+                <a:latin typeface="+mn-lt"/>
+                <a:ea typeface="+mn-ea"/>
+                <a:cs typeface="+mn-cs"/>
+                <a:sym typeface="Helvetica"/>
+              </a:rPr>
+              <a:t>如果一个实例在down-after-milliseconds毫秒内，连续向Sentinel返回无效回复，那么Sentinel会修改这个实例结构，表示该实例已主观下线。</a:t>
+            </a:r>
+            <a:endParaRPr kumimoji="0" lang="zh-CN" altLang="en-US" sz="1800" b="0" i="0" u="none" strike="noStrike" cap="none" spc="0" normalizeH="0" baseline="0">
+              <a:ln>
+                <a:noFill/>
+              </a:ln>
+              <a:solidFill>
+                <a:srgbClr val="000000"/>
+              </a:solidFill>
+              <a:effectLst/>
+              <a:uFillTx/>
+              <a:latin typeface="+mn-lt"/>
+              <a:ea typeface="+mn-ea"/>
+              <a:cs typeface="+mn-cs"/>
+              <a:sym typeface="Helvetica"/>
+            </a:endParaRPr>
+          </a:p>
+          <a:p>
+            <a:pPr marL="0" marR="0" indent="0" algn="l" defTabSz="914400" rtl="0" fontAlgn="auto" latinLnBrk="0" hangingPunct="0">
+              <a:lnSpc>
+                <a:spcPct val="100000"/>
+              </a:lnSpc>
+              <a:spcBef>
+                <a:spcPts val="0"/>
+              </a:spcBef>
+              <a:spcAft>
+                <a:spcPts val="0"/>
+              </a:spcAft>
+              <a:buClrTx/>
+              <a:buSzTx/>
+              <a:buFontTx/>
+              <a:buNone/>
+            </a:pPr>
+            <a:endParaRPr kumimoji="0" lang="zh-CN" altLang="en-US" sz="1800" b="0" i="0" u="none" strike="noStrike" cap="none" spc="0" normalizeH="0" baseline="0">
+              <a:ln>
+                <a:noFill/>
+              </a:ln>
+              <a:solidFill>
+                <a:srgbClr val="000000"/>
+              </a:solidFill>
+              <a:effectLst/>
+              <a:uFillTx/>
+              <a:latin typeface="+mn-lt"/>
+              <a:ea typeface="+mn-ea"/>
+              <a:cs typeface="+mn-cs"/>
+              <a:sym typeface="Helvetica"/>
+            </a:endParaRPr>
+          </a:p>
+        </p:txBody>
+      </p:sp>
+      <p:pic>
+        <p:nvPicPr>
+          <p:cNvPr id="3" name="图片 2"/>
+          <p:cNvPicPr>
+            <a:picLocks noChangeAspect="1"/>
+          </p:cNvPicPr>
+          <p:nvPr/>
+        </p:nvPicPr>
+        <p:blipFill>
+          <a:blip r:embed="rId1"/>
+          <a:stretch>
+            <a:fillRect/>
+          </a:stretch>
+        </p:blipFill>
+        <p:spPr>
+          <a:xfrm>
+            <a:off x="4064635" y="2901950"/>
+            <a:ext cx="3893820" cy="3578225"/>
+          </a:xfrm>
+          <a:prstGeom prst="rect">
+            <a:avLst/>
+          </a:prstGeom>
+        </p:spPr>
+      </p:pic>
+    </p:spTree>
+  </p:cSld>
+  <p:clrMapOvr>
+    <a:masterClrMapping/>
+  </p:clrMapOvr>
+  <mc:AlternateContent xmlns:mc="http://schemas.openxmlformats.org/markup-compatibility/2006">
+    <mc:Choice xmlns:p14="http://schemas.microsoft.com/office/powerpoint/2010/main" Requires="p14">
+      <p:transition p14:dur="0" advClick="0" advTm="0"/>
+    </mc:Choice>
+    <mc:Fallback>
+      <p:transition advClick="0" advTm="0"/>
+    </mc:Fallback>
+  </mc:AlternateContent>
+  <p:timing>
+    <p:tnLst>
+      <p:par>
+        <p:cTn id="1" dur="indefinite" restart="never" fill="hold" nodeType="tmRoot"/>
+      </p:par>
+    </p:tnLst>
+  </p:timing>
+</p:sld>
+</file>
+
+<file path=ppt/slides/slide18.xml><?xml version="1.0" encoding="utf-8"?>
+<p:sld xmlns:a="http://schemas.openxmlformats.org/drawingml/2006/main" xmlns:r="http://schemas.openxmlformats.org/officeDocument/2006/relationships" xmlns:p="http://schemas.openxmlformats.org/presentationml/2006/main">
+  <p:cSld>
+    <p:spTree>
+      <p:nvGrpSpPr>
+        <p:cNvPr id="1" name=""/>
+        <p:cNvGrpSpPr/>
+        <p:nvPr/>
+      </p:nvGrpSpPr>
+      <p:grpSpPr>
+        <a:xfrm>
+          <a:off x="0" y="0"/>
+          <a:ext cx="0" cy="0"/>
+          <a:chOff x="0" y="0"/>
+          <a:chExt cx="0" cy="0"/>
+        </a:xfrm>
+      </p:grpSpPr>
+      <p:sp>
+        <p:nvSpPr>
+          <p:cNvPr id="7" name="文本框 6"/>
+          <p:cNvSpPr txBox="1"/>
+          <p:nvPr/>
+        </p:nvSpPr>
+        <p:spPr>
+          <a:xfrm>
+            <a:off x="793750" y="1057910"/>
+            <a:ext cx="10435590" cy="3413760"/>
+          </a:xfrm>
+          <a:prstGeom prst="rect">
+            <a:avLst/>
+          </a:prstGeom>
+          <a:noFill/>
+          <a:ln w="12700" cap="flat">
+            <a:noFill/>
+            <a:miter lim="400000"/>
+          </a:ln>
+        </p:spPr>
+        <p:style>
+          <a:lnRef idx="0">
+            <a:scrgbClr r="0" g="0" b="0"/>
+          </a:lnRef>
+          <a:fillRef idx="0">
+            <a:scrgbClr r="0" g="0" b="0"/>
+          </a:fillRef>
+          <a:effectRef idx="0">
+            <a:scrgbClr r="0" g="0" b="0"/>
+          </a:effectRef>
+          <a:fontRef idx="none"/>
+        </p:style>
+        <p:txBody>
+          <a:bodyPr rot="0" vertOverflow="overflow" horzOverflow="overflow" vert="horz" wrap="square" lIns="45718" tIns="45718" rIns="45718" bIns="45718" numCol="1" spcCol="38100" rtlCol="0" anchor="t" forceAA="0">
+            <a:spAutoFit/>
+          </a:bodyPr>
+          <a:p>
+            <a:pPr marL="0" marR="0" indent="0" algn="l" defTabSz="914400" rtl="0" fontAlgn="auto" latinLnBrk="0" hangingPunct="0">
+              <a:lnSpc>
+                <a:spcPct val="100000"/>
+              </a:lnSpc>
+              <a:spcBef>
+                <a:spcPts val="0"/>
+              </a:spcBef>
+              <a:spcAft>
+                <a:spcPts val="0"/>
+              </a:spcAft>
+              <a:buClrTx/>
+              <a:buSzTx/>
+              <a:buFontTx/>
+              <a:buNone/>
+            </a:pPr>
+            <a:r>
+              <a:rPr kumimoji="0" lang="en-US" altLang="zh-CN" sz="1800" b="0" i="0" u="none" strike="noStrike" cap="none" spc="0" normalizeH="0" baseline="0">
+                <a:ln>
+                  <a:noFill/>
+                </a:ln>
+                <a:solidFill>
+                  <a:srgbClr val="000000"/>
+                </a:solidFill>
+                <a:effectLst/>
+                <a:uFillTx/>
+                <a:latin typeface="+mn-lt"/>
+                <a:ea typeface="+mn-ea"/>
+                <a:cs typeface="+mn-cs"/>
+                <a:sym typeface="Helvetica"/>
+              </a:rPr>
+              <a:t>3.2 </a:t>
+            </a:r>
+            <a:r>
+              <a:rPr kumimoji="0" lang="zh-CN" altLang="en-US" sz="1800" b="0" i="0" u="none" strike="noStrike" cap="none" spc="0" normalizeH="0" baseline="0">
+                <a:ln>
+                  <a:noFill/>
+                </a:ln>
+                <a:solidFill>
+                  <a:srgbClr val="000000"/>
+                </a:solidFill>
+                <a:effectLst/>
+                <a:uFillTx/>
+                <a:latin typeface="+mn-lt"/>
+                <a:ea typeface="+mn-ea"/>
+                <a:cs typeface="+mn-cs"/>
+                <a:sym typeface="Helvetica"/>
+              </a:rPr>
+              <a:t>检测</a:t>
+            </a:r>
+            <a:r>
+              <a:rPr kumimoji="0" lang="zh-CN" altLang="en-US" sz="1800" b="0" i="0" u="none" strike="noStrike" cap="none" spc="0" normalizeH="0" baseline="0">
+                <a:ln>
+                  <a:noFill/>
+                </a:ln>
+                <a:solidFill>
+                  <a:srgbClr val="000000"/>
+                </a:solidFill>
+                <a:effectLst/>
+                <a:uFillTx/>
+                <a:latin typeface="+mn-lt"/>
+                <a:ea typeface="+mn-ea"/>
+                <a:cs typeface="+mn-cs"/>
+                <a:sym typeface="Helvetica"/>
+              </a:rPr>
+              <a:t>客</a:t>
+            </a:r>
+            <a:r>
+              <a:rPr kumimoji="0" lang="zh-CN" altLang="en-US" sz="1800" b="0" i="0" u="none" strike="noStrike" cap="none" spc="0" normalizeH="0" baseline="0">
+                <a:ln>
+                  <a:noFill/>
+                </a:ln>
+                <a:solidFill>
+                  <a:srgbClr val="000000"/>
+                </a:solidFill>
+                <a:effectLst/>
+                <a:uFillTx/>
+                <a:latin typeface="+mn-lt"/>
+                <a:ea typeface="+mn-ea"/>
+                <a:cs typeface="+mn-cs"/>
+                <a:sym typeface="Helvetica"/>
+              </a:rPr>
+              <a:t>观</a:t>
+            </a:r>
+            <a:r>
+              <a:rPr kumimoji="0" lang="zh-CN" altLang="en-US" sz="1800" b="0" i="0" u="none" strike="noStrike" cap="none" spc="0" normalizeH="0" baseline="0">
+                <a:ln>
+                  <a:noFill/>
+                </a:ln>
+                <a:solidFill>
+                  <a:srgbClr val="000000"/>
+                </a:solidFill>
+                <a:effectLst/>
+                <a:uFillTx/>
+                <a:latin typeface="+mn-lt"/>
+                <a:ea typeface="+mn-ea"/>
+                <a:cs typeface="+mn-cs"/>
+                <a:sym typeface="Helvetica"/>
+              </a:rPr>
+              <a:t>下线状态</a:t>
+            </a:r>
+            <a:r>
+              <a:rPr kumimoji="0" lang="en-US" altLang="zh-CN" sz="1800" b="0" i="0" u="none" strike="noStrike" cap="none" spc="0" normalizeH="0" baseline="0">
+                <a:ln>
+                  <a:noFill/>
+                </a:ln>
+                <a:solidFill>
+                  <a:srgbClr val="000000"/>
+                </a:solidFill>
+                <a:effectLst/>
+                <a:uFillTx/>
+                <a:latin typeface="+mn-lt"/>
+                <a:ea typeface="+mn-ea"/>
+                <a:cs typeface="+mn-cs"/>
+                <a:sym typeface="Helvetica"/>
+              </a:rPr>
+              <a:t> </a:t>
+            </a:r>
+            <a:endParaRPr kumimoji="0" lang="en-US" altLang="zh-CN" sz="1800" b="0" i="0" u="none" strike="noStrike" cap="none" spc="0" normalizeH="0" baseline="0">
+              <a:ln>
+                <a:noFill/>
+              </a:ln>
+              <a:solidFill>
+                <a:srgbClr val="000000"/>
+              </a:solidFill>
+              <a:effectLst/>
+              <a:uFillTx/>
+              <a:latin typeface="+mn-lt"/>
+              <a:ea typeface="+mn-ea"/>
+              <a:cs typeface="+mn-cs"/>
+              <a:sym typeface="Helvetica"/>
+            </a:endParaRPr>
+          </a:p>
+          <a:p>
+            <a:pPr marL="0" marR="0" indent="0" algn="l" defTabSz="914400" rtl="0" fontAlgn="auto" latinLnBrk="0" hangingPunct="0">
+              <a:lnSpc>
+                <a:spcPct val="100000"/>
+              </a:lnSpc>
+              <a:spcBef>
+                <a:spcPts val="0"/>
+              </a:spcBef>
+              <a:spcAft>
+                <a:spcPts val="0"/>
+              </a:spcAft>
+              <a:buClrTx/>
+              <a:buSzTx/>
+              <a:buFontTx/>
+              <a:buNone/>
+            </a:pPr>
+            <a:endParaRPr kumimoji="0" lang="zh-CN" altLang="en-US" sz="1800" b="0" i="0" u="none" strike="noStrike" cap="none" spc="0" normalizeH="0" baseline="0">
+              <a:ln>
+                <a:noFill/>
+              </a:ln>
+              <a:solidFill>
+                <a:srgbClr val="000000"/>
+              </a:solidFill>
+              <a:effectLst/>
+              <a:uFillTx/>
+              <a:latin typeface="+mn-lt"/>
+              <a:ea typeface="+mn-ea"/>
+              <a:cs typeface="+mn-cs"/>
+              <a:sym typeface="Helvetica"/>
+            </a:endParaRPr>
+          </a:p>
+          <a:p>
+            <a:pPr marL="0" marR="0" indent="0" algn="l" defTabSz="914400" rtl="0" fontAlgn="auto" latinLnBrk="0" hangingPunct="0">
+              <a:lnSpc>
+                <a:spcPct val="100000"/>
+              </a:lnSpc>
+              <a:spcBef>
+                <a:spcPts val="0"/>
+              </a:spcBef>
+              <a:spcAft>
+                <a:spcPts val="0"/>
+              </a:spcAft>
+              <a:buClrTx/>
+              <a:buSzTx/>
+              <a:buFontTx/>
+              <a:buNone/>
+            </a:pPr>
+            <a:r>
+              <a:rPr kumimoji="0" lang="zh-CN" altLang="en-US" sz="1800" b="0" i="0" u="none" strike="noStrike" cap="none" spc="0" normalizeH="0" baseline="0">
+                <a:ln>
+                  <a:noFill/>
+                </a:ln>
+                <a:solidFill>
+                  <a:srgbClr val="000000"/>
+                </a:solidFill>
+                <a:effectLst/>
+                <a:uFillTx/>
+                <a:latin typeface="+mn-lt"/>
+                <a:ea typeface="+mn-ea"/>
+                <a:cs typeface="+mn-cs"/>
+                <a:sym typeface="Helvetica"/>
+              </a:rPr>
+              <a:t>Sentinel使用命令：SENTINEL is-master-down-by-addr &lt;ip&gt; &lt;port&gt; &lt;current_epoch&gt; &lt;runid&gt; 询问其他Sentinel是否同意主服务器下线；</a:t>
+            </a:r>
+            <a:endParaRPr kumimoji="0" lang="zh-CN" altLang="en-US" sz="1800" b="0" i="0" u="none" strike="noStrike" cap="none" spc="0" normalizeH="0" baseline="0">
+              <a:ln>
+                <a:noFill/>
+              </a:ln>
+              <a:solidFill>
+                <a:srgbClr val="000000"/>
+              </a:solidFill>
+              <a:effectLst/>
+              <a:uFillTx/>
+              <a:latin typeface="+mn-lt"/>
+              <a:ea typeface="+mn-ea"/>
+              <a:cs typeface="+mn-cs"/>
+              <a:sym typeface="Helvetica"/>
+            </a:endParaRPr>
+          </a:p>
+          <a:p>
+            <a:pPr marL="0" marR="0" indent="0" algn="l" defTabSz="914400" rtl="0" fontAlgn="auto" latinLnBrk="0" hangingPunct="0">
+              <a:lnSpc>
+                <a:spcPct val="100000"/>
+              </a:lnSpc>
+              <a:spcBef>
+                <a:spcPts val="0"/>
+              </a:spcBef>
+              <a:spcAft>
+                <a:spcPts val="0"/>
+              </a:spcAft>
+              <a:buClrTx/>
+              <a:buSzTx/>
+              <a:buFontTx/>
+              <a:buNone/>
+            </a:pPr>
+            <a:endParaRPr kumimoji="0" lang="zh-CN" altLang="en-US" sz="1800" b="0" i="0" u="none" strike="noStrike" cap="none" spc="0" normalizeH="0" baseline="0">
+              <a:ln>
+                <a:noFill/>
+              </a:ln>
+              <a:solidFill>
+                <a:srgbClr val="000000"/>
+              </a:solidFill>
+              <a:effectLst/>
+              <a:uFillTx/>
+              <a:latin typeface="+mn-lt"/>
+              <a:ea typeface="+mn-ea"/>
+              <a:cs typeface="+mn-cs"/>
+              <a:sym typeface="Helvetica"/>
+            </a:endParaRPr>
+          </a:p>
+          <a:p>
+            <a:pPr marL="0" marR="0" indent="0" algn="l" defTabSz="914400" rtl="0" fontAlgn="auto" latinLnBrk="0" hangingPunct="0">
+              <a:lnSpc>
+                <a:spcPct val="100000"/>
+              </a:lnSpc>
+              <a:spcBef>
+                <a:spcPts val="0"/>
+              </a:spcBef>
+              <a:spcAft>
+                <a:spcPts val="0"/>
+              </a:spcAft>
+              <a:buClrTx/>
+              <a:buSzTx/>
+              <a:buFontTx/>
+              <a:buNone/>
+            </a:pPr>
+            <a:r>
+              <a:rPr kumimoji="0" lang="zh-CN" altLang="en-US" sz="1800" b="0" i="0" u="none" strike="noStrike" cap="none" spc="0" normalizeH="0" baseline="0">
+                <a:ln>
+                  <a:noFill/>
+                </a:ln>
+                <a:solidFill>
+                  <a:srgbClr val="000000"/>
+                </a:solidFill>
+                <a:effectLst/>
+                <a:uFillTx/>
+                <a:latin typeface="+mn-lt"/>
+                <a:ea typeface="+mn-ea"/>
+                <a:cs typeface="+mn-cs"/>
+                <a:sym typeface="Helvetica"/>
+              </a:rPr>
+              <a:t>目标Sentinel会分析并取出命令请求中包含的各个参数，检查主服务器是否已下线，然后向源Sentinel返回一个包含三个参数的Multi Bulk回复；</a:t>
+            </a:r>
+            <a:endParaRPr kumimoji="0" lang="zh-CN" altLang="en-US" sz="1800" b="0" i="0" u="none" strike="noStrike" cap="none" spc="0" normalizeH="0" baseline="0">
+              <a:ln>
+                <a:noFill/>
+              </a:ln>
+              <a:solidFill>
+                <a:srgbClr val="000000"/>
+              </a:solidFill>
+              <a:effectLst/>
+              <a:uFillTx/>
+              <a:latin typeface="+mn-lt"/>
+              <a:ea typeface="+mn-ea"/>
+              <a:cs typeface="+mn-cs"/>
+              <a:sym typeface="Helvetica"/>
+            </a:endParaRPr>
+          </a:p>
+          <a:p>
+            <a:pPr marL="0" marR="0" indent="0" algn="l" defTabSz="914400" rtl="0" fontAlgn="auto" latinLnBrk="0" hangingPunct="0">
+              <a:lnSpc>
+                <a:spcPct val="100000"/>
+              </a:lnSpc>
+              <a:spcBef>
+                <a:spcPts val="0"/>
+              </a:spcBef>
+              <a:spcAft>
+                <a:spcPts val="0"/>
+              </a:spcAft>
+              <a:buClrTx/>
+              <a:buSzTx/>
+              <a:buFontTx/>
+              <a:buNone/>
+            </a:pPr>
+            <a:endParaRPr kumimoji="0" lang="zh-CN" altLang="en-US" sz="1800" b="0" i="0" u="none" strike="noStrike" cap="none" spc="0" normalizeH="0" baseline="0">
+              <a:ln>
+                <a:noFill/>
+              </a:ln>
+              <a:solidFill>
+                <a:srgbClr val="000000"/>
+              </a:solidFill>
+              <a:effectLst/>
+              <a:uFillTx/>
+              <a:latin typeface="+mn-lt"/>
+              <a:ea typeface="+mn-ea"/>
+              <a:cs typeface="+mn-cs"/>
+              <a:sym typeface="Helvetica"/>
+            </a:endParaRPr>
+          </a:p>
+          <a:p>
+            <a:pPr marL="0" marR="0" indent="0" algn="l" defTabSz="914400" rtl="0" fontAlgn="auto" latinLnBrk="0" hangingPunct="0">
+              <a:lnSpc>
+                <a:spcPct val="100000"/>
+              </a:lnSpc>
+              <a:spcBef>
+                <a:spcPts val="0"/>
+              </a:spcBef>
+              <a:spcAft>
+                <a:spcPts val="0"/>
+              </a:spcAft>
+              <a:buClrTx/>
+              <a:buSzTx/>
+              <a:buFontTx/>
+              <a:buNone/>
+            </a:pPr>
+            <a:r>
+              <a:rPr kumimoji="0" lang="zh-CN" altLang="en-US" sz="1800" b="0" i="0" u="none" strike="noStrike" cap="none" spc="0" normalizeH="0" baseline="0">
+                <a:ln>
+                  <a:noFill/>
+                </a:ln>
+                <a:solidFill>
+                  <a:srgbClr val="000000"/>
+                </a:solidFill>
+                <a:effectLst/>
+                <a:uFillTx/>
+                <a:latin typeface="+mn-lt"/>
+                <a:ea typeface="+mn-ea"/>
+                <a:cs typeface="+mn-cs"/>
+                <a:sym typeface="Helvetica"/>
+              </a:rPr>
+              <a:t>根据其他Sentinel发回的命令回复，Sentinel将统计其他Sentinel同意主服务器已下线的数量，当该数量达到配置指定的参数时，Sentinel会将主服务器实例结构的flags属性SRI_O_DOWN打开，表示主服务器已经下线。</a:t>
             </a:r>
             <a:endParaRPr kumimoji="0" lang="zh-CN" altLang="en-US" sz="1800" b="0" i="0" u="none" strike="noStrike" cap="none" spc="0" normalizeH="0" baseline="0">
               <a:ln>
@@ -5328,7 +7704,919 @@
 </p:sld>
 </file>
 
-<file path=ppt/slides/slide14.xml><?xml version="1.0" encoding="utf-8"?>
+<file path=ppt/slides/slide19.xml><?xml version="1.0" encoding="utf-8"?>
+<p:sld xmlns:a="http://schemas.openxmlformats.org/drawingml/2006/main" xmlns:r="http://schemas.openxmlformats.org/officeDocument/2006/relationships" xmlns:p="http://schemas.openxmlformats.org/presentationml/2006/main">
+  <p:cSld>
+    <p:spTree>
+      <p:nvGrpSpPr>
+        <p:cNvPr id="1" name=""/>
+        <p:cNvGrpSpPr/>
+        <p:nvPr/>
+      </p:nvGrpSpPr>
+      <p:grpSpPr>
+        <a:xfrm>
+          <a:off x="0" y="0"/>
+          <a:ext cx="0" cy="0"/>
+          <a:chOff x="0" y="0"/>
+          <a:chExt cx="0" cy="0"/>
+        </a:xfrm>
+      </p:grpSpPr>
+      <p:sp>
+        <p:nvSpPr>
+          <p:cNvPr id="7" name="文本框 6"/>
+          <p:cNvSpPr txBox="1"/>
+          <p:nvPr/>
+        </p:nvSpPr>
+        <p:spPr>
+          <a:xfrm>
+            <a:off x="793750" y="1057910"/>
+            <a:ext cx="10435590" cy="1475105"/>
+          </a:xfrm>
+          <a:prstGeom prst="rect">
+            <a:avLst/>
+          </a:prstGeom>
+          <a:noFill/>
+          <a:ln w="12700" cap="flat">
+            <a:noFill/>
+            <a:miter lim="400000"/>
+          </a:ln>
+        </p:spPr>
+        <p:style>
+          <a:lnRef idx="0">
+            <a:scrgbClr r="0" g="0" b="0"/>
+          </a:lnRef>
+          <a:fillRef idx="0">
+            <a:scrgbClr r="0" g="0" b="0"/>
+          </a:fillRef>
+          <a:effectRef idx="0">
+            <a:scrgbClr r="0" g="0" b="0"/>
+          </a:effectRef>
+          <a:fontRef idx="none"/>
+        </p:style>
+        <p:txBody>
+          <a:bodyPr rot="0" vertOverflow="overflow" horzOverflow="overflow" vert="horz" wrap="square" lIns="45718" tIns="45718" rIns="45718" bIns="45718" numCol="1" spcCol="38100" rtlCol="0" anchor="t" forceAA="0">
+            <a:spAutoFit/>
+          </a:bodyPr>
+          <a:p>
+            <a:pPr marL="0" marR="0" indent="0" algn="l" defTabSz="914400" rtl="0" fontAlgn="auto" latinLnBrk="0" hangingPunct="0">
+              <a:lnSpc>
+                <a:spcPct val="100000"/>
+              </a:lnSpc>
+              <a:spcBef>
+                <a:spcPts val="0"/>
+              </a:spcBef>
+              <a:spcAft>
+                <a:spcPts val="0"/>
+              </a:spcAft>
+              <a:buClrTx/>
+              <a:buSzTx/>
+              <a:buFontTx/>
+              <a:buNone/>
+            </a:pPr>
+            <a:r>
+              <a:rPr kumimoji="0" lang="en-US" altLang="zh-CN" sz="1800" b="0" i="0" u="none" strike="noStrike" cap="none" spc="0" normalizeH="0" baseline="0">
+                <a:ln>
+                  <a:noFill/>
+                </a:ln>
+                <a:solidFill>
+                  <a:srgbClr val="000000"/>
+                </a:solidFill>
+                <a:effectLst/>
+                <a:uFillTx/>
+                <a:latin typeface="+mn-lt"/>
+                <a:ea typeface="+mn-ea"/>
+                <a:cs typeface="+mn-cs"/>
+                <a:sym typeface="Helvetica"/>
+              </a:rPr>
+              <a:t>3.3 </a:t>
+            </a:r>
+            <a:r>
+              <a:rPr kumimoji="0" lang="zh-CN" altLang="en-US" sz="1800" b="0" i="0" u="none" strike="noStrike" cap="none" spc="0" normalizeH="0" baseline="0">
+                <a:ln>
+                  <a:noFill/>
+                </a:ln>
+                <a:solidFill>
+                  <a:srgbClr val="000000"/>
+                </a:solidFill>
+                <a:effectLst/>
+                <a:uFillTx/>
+                <a:latin typeface="+mn-lt"/>
+                <a:ea typeface="+mn-ea"/>
+                <a:cs typeface="+mn-cs"/>
+                <a:sym typeface="Helvetica"/>
+              </a:rPr>
+              <a:t>选举领头</a:t>
+            </a:r>
+            <a:r>
+              <a:rPr kumimoji="0" lang="en-US" altLang="zh-CN" sz="1800" b="0" i="0" u="none" strike="noStrike" cap="none" spc="0" normalizeH="0" baseline="0">
+                <a:ln>
+                  <a:noFill/>
+                </a:ln>
+                <a:solidFill>
+                  <a:srgbClr val="000000"/>
+                </a:solidFill>
+                <a:effectLst/>
+                <a:uFillTx/>
+                <a:latin typeface="+mn-lt"/>
+                <a:ea typeface="+mn-ea"/>
+                <a:cs typeface="+mn-cs"/>
+                <a:sym typeface="Helvetica"/>
+              </a:rPr>
+              <a:t>S</a:t>
+            </a:r>
+            <a:r>
+              <a:rPr kumimoji="0" lang="en-US" altLang="zh-CN" sz="1800" b="0" i="0" u="none" strike="noStrike" cap="none" spc="0" normalizeH="0" baseline="0">
+                <a:ln>
+                  <a:noFill/>
+                </a:ln>
+                <a:solidFill>
+                  <a:srgbClr val="000000"/>
+                </a:solidFill>
+                <a:effectLst/>
+                <a:uFillTx/>
+                <a:latin typeface="+mn-lt"/>
+                <a:ea typeface="+mn-ea"/>
+                <a:cs typeface="+mn-cs"/>
+                <a:sym typeface="Helvetica"/>
+              </a:rPr>
+              <a:t>entinel</a:t>
+            </a:r>
+            <a:r>
+              <a:rPr kumimoji="0" lang="en-US" altLang="zh-CN" sz="1800" b="0" i="0" u="none" strike="noStrike" cap="none" spc="0" normalizeH="0" baseline="0">
+                <a:ln>
+                  <a:noFill/>
+                </a:ln>
+                <a:solidFill>
+                  <a:srgbClr val="000000"/>
+                </a:solidFill>
+                <a:effectLst/>
+                <a:uFillTx/>
+                <a:latin typeface="+mn-lt"/>
+                <a:ea typeface="+mn-ea"/>
+                <a:cs typeface="+mn-cs"/>
+                <a:sym typeface="Helvetica"/>
+              </a:rPr>
+              <a:t>  </a:t>
+            </a:r>
+            <a:endParaRPr kumimoji="0" lang="en-US" altLang="zh-CN" sz="1800" b="0" i="0" u="none" strike="noStrike" cap="none" spc="0" normalizeH="0" baseline="0">
+              <a:ln>
+                <a:noFill/>
+              </a:ln>
+              <a:solidFill>
+                <a:srgbClr val="000000"/>
+              </a:solidFill>
+              <a:effectLst/>
+              <a:uFillTx/>
+              <a:latin typeface="+mn-lt"/>
+              <a:ea typeface="+mn-ea"/>
+              <a:cs typeface="+mn-cs"/>
+              <a:sym typeface="Helvetica"/>
+            </a:endParaRPr>
+          </a:p>
+          <a:p>
+            <a:pPr marL="0" marR="0" indent="0" algn="l" defTabSz="914400" rtl="0" fontAlgn="auto" latinLnBrk="0" hangingPunct="0">
+              <a:lnSpc>
+                <a:spcPct val="100000"/>
+              </a:lnSpc>
+              <a:spcBef>
+                <a:spcPts val="0"/>
+              </a:spcBef>
+              <a:spcAft>
+                <a:spcPts val="0"/>
+              </a:spcAft>
+              <a:buClrTx/>
+              <a:buSzTx/>
+              <a:buFontTx/>
+              <a:buNone/>
+            </a:pPr>
+            <a:endParaRPr kumimoji="0" lang="zh-CN" altLang="en-US" sz="1800" b="0" i="0" u="none" strike="noStrike" cap="none" spc="0" normalizeH="0" baseline="0">
+              <a:ln>
+                <a:noFill/>
+              </a:ln>
+              <a:solidFill>
+                <a:srgbClr val="000000"/>
+              </a:solidFill>
+              <a:effectLst/>
+              <a:uFillTx/>
+              <a:latin typeface="+mn-lt"/>
+              <a:ea typeface="+mn-ea"/>
+              <a:cs typeface="+mn-cs"/>
+              <a:sym typeface="Helvetica"/>
+            </a:endParaRPr>
+          </a:p>
+          <a:p>
+            <a:pPr marL="0" marR="0" indent="0" algn="l" defTabSz="914400" rtl="0" fontAlgn="auto" latinLnBrk="0" hangingPunct="0">
+              <a:lnSpc>
+                <a:spcPct val="100000"/>
+              </a:lnSpc>
+              <a:spcBef>
+                <a:spcPts val="0"/>
+              </a:spcBef>
+              <a:spcAft>
+                <a:spcPts val="0"/>
+              </a:spcAft>
+              <a:buClrTx/>
+              <a:buSzTx/>
+              <a:buFontTx/>
+              <a:buNone/>
+            </a:pPr>
+            <a:r>
+              <a:rPr kumimoji="0" lang="zh-CN" altLang="en-US" sz="1800" b="0" i="0" u="none" strike="noStrike" cap="none" spc="0" normalizeH="0" baseline="0">
+                <a:ln>
+                  <a:noFill/>
+                </a:ln>
+                <a:solidFill>
+                  <a:srgbClr val="000000"/>
+                </a:solidFill>
+                <a:effectLst/>
+                <a:uFillTx/>
+                <a:latin typeface="+mn-lt"/>
+                <a:ea typeface="+mn-ea"/>
+                <a:cs typeface="+mn-cs"/>
+                <a:sym typeface="Helvetica"/>
+              </a:rPr>
+              <a:t>当一个master被标为客观下线时，监视这个服务器的各个sentinel会协商选举出一个leader，由leader执行故障转移。</a:t>
+            </a:r>
+            <a:endParaRPr kumimoji="0" lang="zh-CN" altLang="en-US" sz="1800" b="0" i="0" u="none" strike="noStrike" cap="none" spc="0" normalizeH="0" baseline="0">
+              <a:ln>
+                <a:noFill/>
+              </a:ln>
+              <a:solidFill>
+                <a:srgbClr val="000000"/>
+              </a:solidFill>
+              <a:effectLst/>
+              <a:uFillTx/>
+              <a:latin typeface="+mn-lt"/>
+              <a:ea typeface="+mn-ea"/>
+              <a:cs typeface="+mn-cs"/>
+              <a:sym typeface="Helvetica"/>
+            </a:endParaRPr>
+          </a:p>
+          <a:p>
+            <a:pPr marL="0" marR="0" indent="0" algn="l" defTabSz="914400" rtl="0" fontAlgn="auto" latinLnBrk="0" hangingPunct="0">
+              <a:lnSpc>
+                <a:spcPct val="100000"/>
+              </a:lnSpc>
+              <a:spcBef>
+                <a:spcPts val="0"/>
+              </a:spcBef>
+              <a:spcAft>
+                <a:spcPts val="0"/>
+              </a:spcAft>
+              <a:buClrTx/>
+              <a:buSzTx/>
+              <a:buFontTx/>
+              <a:buNone/>
+            </a:pPr>
+            <a:endParaRPr kumimoji="0" lang="zh-CN" altLang="en-US" sz="1800" b="0" i="0" u="none" strike="noStrike" cap="none" spc="0" normalizeH="0" baseline="0">
+              <a:ln>
+                <a:noFill/>
+              </a:ln>
+              <a:solidFill>
+                <a:srgbClr val="000000"/>
+              </a:solidFill>
+              <a:effectLst/>
+              <a:uFillTx/>
+              <a:latin typeface="+mn-lt"/>
+              <a:ea typeface="+mn-ea"/>
+              <a:cs typeface="+mn-cs"/>
+              <a:sym typeface="Helvetica"/>
+            </a:endParaRPr>
+          </a:p>
+        </p:txBody>
+      </p:sp>
+      <p:pic>
+        <p:nvPicPr>
+          <p:cNvPr id="3" name="图片 2"/>
+          <p:cNvPicPr>
+            <a:picLocks noChangeAspect="1"/>
+          </p:cNvPicPr>
+          <p:nvPr/>
+        </p:nvPicPr>
+        <p:blipFill>
+          <a:blip r:embed="rId1"/>
+          <a:stretch>
+            <a:fillRect/>
+          </a:stretch>
+        </p:blipFill>
+        <p:spPr>
+          <a:xfrm>
+            <a:off x="2505075" y="2410460"/>
+            <a:ext cx="7181850" cy="3800475"/>
+          </a:xfrm>
+          <a:prstGeom prst="rect">
+            <a:avLst/>
+          </a:prstGeom>
+        </p:spPr>
+      </p:pic>
+    </p:spTree>
+  </p:cSld>
+  <p:clrMapOvr>
+    <a:masterClrMapping/>
+  </p:clrMapOvr>
+  <mc:AlternateContent xmlns:mc="http://schemas.openxmlformats.org/markup-compatibility/2006">
+    <mc:Choice xmlns:p14="http://schemas.microsoft.com/office/powerpoint/2010/main" Requires="p14">
+      <p:transition p14:dur="0" advClick="0" advTm="0"/>
+    </mc:Choice>
+    <mc:Fallback>
+      <p:transition advClick="0" advTm="0"/>
+    </mc:Fallback>
+  </mc:AlternateContent>
+  <p:timing>
+    <p:tnLst>
+      <p:par>
+        <p:cTn id="1" dur="indefinite" restart="never" fill="hold" nodeType="tmRoot"/>
+      </p:par>
+    </p:tnLst>
+  </p:timing>
+</p:sld>
+</file>
+
+<file path=ppt/slides/slide2.xml><?xml version="1.0" encoding="utf-8"?>
+<p:sld xmlns:a="http://schemas.openxmlformats.org/drawingml/2006/main" xmlns:r="http://schemas.openxmlformats.org/officeDocument/2006/relationships" xmlns:p="http://schemas.openxmlformats.org/presentationml/2006/main">
+  <p:cSld>
+    <p:spTree>
+      <p:nvGrpSpPr>
+        <p:cNvPr id="1" name=""/>
+        <p:cNvGrpSpPr/>
+        <p:nvPr/>
+      </p:nvGrpSpPr>
+      <p:grpSpPr>
+        <a:xfrm>
+          <a:off x="0" y="0"/>
+          <a:ext cx="0" cy="0"/>
+          <a:chOff x="0" y="0"/>
+          <a:chExt cx="0" cy="0"/>
+        </a:xfrm>
+      </p:grpSpPr>
+      <p:sp>
+        <p:nvSpPr>
+          <p:cNvPr id="3" name="文本框 2"/>
+          <p:cNvSpPr txBox="1"/>
+          <p:nvPr/>
+        </p:nvSpPr>
+        <p:spPr>
+          <a:xfrm>
+            <a:off x="845820" y="1226185"/>
+            <a:ext cx="9789160" cy="2583180"/>
+          </a:xfrm>
+          <a:prstGeom prst="rect">
+            <a:avLst/>
+          </a:prstGeom>
+          <a:noFill/>
+          <a:ln w="12700" cap="flat">
+            <a:noFill/>
+            <a:miter lim="400000"/>
+          </a:ln>
+        </p:spPr>
+        <p:style>
+          <a:lnRef idx="0">
+            <a:scrgbClr r="0" g="0" b="0"/>
+          </a:lnRef>
+          <a:fillRef idx="0">
+            <a:scrgbClr r="0" g="0" b="0"/>
+          </a:fillRef>
+          <a:effectRef idx="0">
+            <a:scrgbClr r="0" g="0" b="0"/>
+          </a:effectRef>
+          <a:fontRef idx="none"/>
+        </p:style>
+        <p:txBody>
+          <a:bodyPr rot="0" vertOverflow="overflow" horzOverflow="overflow" vert="horz" wrap="square" lIns="45718" tIns="45718" rIns="45718" bIns="45718" numCol="1" spcCol="38100" rtlCol="0" anchor="t" forceAA="0">
+            <a:spAutoFit/>
+          </a:bodyPr>
+          <a:p>
+            <a:pPr marL="0" marR="0" indent="0" algn="l" defTabSz="914400" rtl="0" fontAlgn="auto" latinLnBrk="0" hangingPunct="0">
+              <a:lnSpc>
+                <a:spcPct val="100000"/>
+              </a:lnSpc>
+              <a:spcBef>
+                <a:spcPts val="0"/>
+              </a:spcBef>
+              <a:spcAft>
+                <a:spcPts val="0"/>
+              </a:spcAft>
+              <a:buClrTx/>
+              <a:buSzTx/>
+              <a:buFontTx/>
+              <a:buNone/>
+            </a:pPr>
+            <a:r>
+              <a:rPr kumimoji="0" lang="en-US" altLang="zh-CN" sz="1800" b="0" i="0" u="none" strike="noStrike" cap="none" spc="0" normalizeH="0" baseline="0">
+                <a:ln>
+                  <a:noFill/>
+                </a:ln>
+                <a:solidFill>
+                  <a:srgbClr val="000000"/>
+                </a:solidFill>
+                <a:effectLst/>
+                <a:uFillTx/>
+                <a:latin typeface="+mn-lt"/>
+                <a:ea typeface="+mn-ea"/>
+                <a:cs typeface="+mn-cs"/>
+                <a:sym typeface="Helvetica"/>
+              </a:rPr>
+              <a:t>A</a:t>
+            </a:r>
+            <a:r>
+              <a:rPr kumimoji="0" lang="zh-CN" altLang="en-US" sz="1800" b="0" i="0" u="none" strike="noStrike" cap="none" spc="0" normalizeH="0" baseline="0">
+                <a:ln>
+                  <a:noFill/>
+                </a:ln>
+                <a:solidFill>
+                  <a:srgbClr val="000000"/>
+                </a:solidFill>
+                <a:effectLst/>
+                <a:uFillTx/>
+                <a:latin typeface="+mn-lt"/>
+                <a:ea typeface="+mn-ea"/>
+                <a:cs typeface="+mn-cs"/>
+                <a:sym typeface="Helvetica"/>
+              </a:rPr>
+              <a:t>：</a:t>
+            </a:r>
+            <a:r>
+              <a:rPr kumimoji="0" lang="en-US" altLang="zh-CN" sz="1800" b="0" i="0" u="none" strike="noStrike" cap="none" spc="0" normalizeH="0" baseline="0">
+                <a:ln>
+                  <a:noFill/>
+                </a:ln>
+                <a:solidFill>
+                  <a:srgbClr val="000000"/>
+                </a:solidFill>
+                <a:effectLst/>
+                <a:uFillTx/>
+                <a:latin typeface="+mn-lt"/>
+                <a:ea typeface="+mn-ea"/>
+                <a:cs typeface="+mn-cs"/>
+                <a:sym typeface="Helvetica"/>
+              </a:rPr>
+              <a:t>redis</a:t>
+            </a:r>
+            <a:r>
+              <a:rPr kumimoji="0" lang="zh-CN" altLang="en-US" sz="1800" b="0" i="0" u="none" strike="noStrike" cap="none" spc="0" normalizeH="0" baseline="0">
+                <a:ln>
+                  <a:noFill/>
+                </a:ln>
+                <a:solidFill>
+                  <a:srgbClr val="000000"/>
+                </a:solidFill>
+                <a:effectLst/>
+                <a:uFillTx/>
+                <a:latin typeface="+mn-lt"/>
+                <a:ea typeface="+mn-ea"/>
+                <a:cs typeface="+mn-cs"/>
+                <a:sym typeface="Helvetica"/>
+              </a:rPr>
+              <a:t>有几种集群策略？</a:t>
+            </a:r>
+            <a:endParaRPr lang="zh-CN" altLang="en-US">
+              <a:sym typeface="Helvetica"/>
+            </a:endParaRPr>
+          </a:p>
+          <a:p>
+            <a:pPr marL="0" marR="0" indent="0" algn="l" defTabSz="914400" rtl="0" fontAlgn="auto" latinLnBrk="0" hangingPunct="0">
+              <a:lnSpc>
+                <a:spcPct val="100000"/>
+              </a:lnSpc>
+              <a:spcBef>
+                <a:spcPts val="0"/>
+              </a:spcBef>
+              <a:spcAft>
+                <a:spcPts val="0"/>
+              </a:spcAft>
+              <a:buClrTx/>
+              <a:buSzTx/>
+              <a:buFontTx/>
+              <a:buNone/>
+            </a:pPr>
+            <a:r>
+              <a:rPr kumimoji="0" lang="en-US" altLang="zh-CN" sz="1800" b="0" i="0" u="none" strike="noStrike" cap="none" spc="0" normalizeH="0" baseline="0">
+                <a:ln>
+                  <a:noFill/>
+                </a:ln>
+                <a:solidFill>
+                  <a:srgbClr val="000000"/>
+                </a:solidFill>
+                <a:effectLst/>
+                <a:uFillTx/>
+                <a:latin typeface="+mn-lt"/>
+                <a:ea typeface="+mn-ea"/>
+                <a:cs typeface="+mn-cs"/>
+                <a:sym typeface="Helvetica"/>
+              </a:rPr>
+              <a:t>Q</a:t>
+            </a:r>
+            <a:r>
+              <a:rPr kumimoji="0" lang="zh-CN" altLang="en-US" sz="1800" b="0" i="0" u="none" strike="noStrike" cap="none" spc="0" normalizeH="0" baseline="0">
+                <a:ln>
+                  <a:noFill/>
+                </a:ln>
+                <a:solidFill>
+                  <a:srgbClr val="000000"/>
+                </a:solidFill>
+                <a:effectLst/>
+                <a:uFillTx/>
+                <a:latin typeface="+mn-lt"/>
+                <a:ea typeface="+mn-ea"/>
+                <a:cs typeface="+mn-cs"/>
+                <a:sym typeface="Helvetica"/>
+              </a:rPr>
+              <a:t>：</a:t>
+            </a:r>
+            <a:endParaRPr kumimoji="0" lang="zh-CN" altLang="en-US" sz="1800" b="0" i="0" u="none" strike="noStrike" cap="none" spc="0" normalizeH="0" baseline="0">
+              <a:ln>
+                <a:noFill/>
+              </a:ln>
+              <a:solidFill>
+                <a:srgbClr val="000000"/>
+              </a:solidFill>
+              <a:effectLst/>
+              <a:uFillTx/>
+              <a:latin typeface="+mn-lt"/>
+              <a:ea typeface="+mn-ea"/>
+              <a:cs typeface="+mn-cs"/>
+              <a:sym typeface="Helvetica"/>
+            </a:endParaRPr>
+          </a:p>
+          <a:p>
+            <a:pPr marL="0" marR="0" indent="0" algn="l" defTabSz="914400" rtl="0" fontAlgn="auto" latinLnBrk="0" hangingPunct="0">
+              <a:lnSpc>
+                <a:spcPct val="100000"/>
+              </a:lnSpc>
+              <a:spcBef>
+                <a:spcPts val="0"/>
+              </a:spcBef>
+              <a:spcAft>
+                <a:spcPts val="0"/>
+              </a:spcAft>
+              <a:buClrTx/>
+              <a:buSzTx/>
+              <a:buFontTx/>
+              <a:buNone/>
+            </a:pPr>
+            <a:endParaRPr kumimoji="0" lang="zh-CN" altLang="en-US" sz="1800" b="0" i="0" u="none" strike="noStrike" cap="none" spc="0" normalizeH="0" baseline="0">
+              <a:ln>
+                <a:noFill/>
+              </a:ln>
+              <a:solidFill>
+                <a:srgbClr val="000000"/>
+              </a:solidFill>
+              <a:effectLst/>
+              <a:uFillTx/>
+              <a:latin typeface="+mn-lt"/>
+              <a:ea typeface="+mn-ea"/>
+              <a:cs typeface="+mn-cs"/>
+              <a:sym typeface="Helvetica"/>
+            </a:endParaRPr>
+          </a:p>
+          <a:p>
+            <a:pPr marL="0" marR="0" indent="0" algn="l" defTabSz="914400" rtl="0" fontAlgn="auto" latinLnBrk="0" hangingPunct="0">
+              <a:lnSpc>
+                <a:spcPct val="100000"/>
+              </a:lnSpc>
+              <a:spcBef>
+                <a:spcPts val="0"/>
+              </a:spcBef>
+              <a:spcAft>
+                <a:spcPts val="0"/>
+              </a:spcAft>
+              <a:buClrTx/>
+              <a:buSzTx/>
+              <a:buFontTx/>
+              <a:buNone/>
+            </a:pPr>
+            <a:r>
+              <a:rPr kumimoji="0" lang="en-US" altLang="zh-CN" sz="1800" b="0" i="0" u="none" strike="noStrike" cap="none" spc="0" normalizeH="0" baseline="0">
+                <a:ln>
+                  <a:noFill/>
+                </a:ln>
+                <a:solidFill>
+                  <a:srgbClr val="000000"/>
+                </a:solidFill>
+                <a:effectLst/>
+                <a:uFillTx/>
+                <a:latin typeface="+mn-lt"/>
+                <a:ea typeface="+mn-ea"/>
+                <a:cs typeface="+mn-cs"/>
+                <a:sym typeface="Helvetica"/>
+              </a:rPr>
+              <a:t>A</a:t>
+            </a:r>
+            <a:r>
+              <a:rPr kumimoji="0" lang="zh-CN" altLang="en-US" sz="1800" b="0" i="0" u="none" strike="noStrike" cap="none" spc="0" normalizeH="0" baseline="0">
+                <a:ln>
+                  <a:noFill/>
+                </a:ln>
+                <a:solidFill>
+                  <a:srgbClr val="000000"/>
+                </a:solidFill>
+                <a:effectLst/>
+                <a:uFillTx/>
+                <a:latin typeface="+mn-lt"/>
+                <a:ea typeface="+mn-ea"/>
+                <a:cs typeface="+mn-cs"/>
+                <a:sym typeface="Helvetica"/>
+              </a:rPr>
+              <a:t>：项目中用到哪些？</a:t>
+            </a:r>
+            <a:endParaRPr kumimoji="0" lang="zh-CN" altLang="en-US" sz="1800" b="0" i="0" u="none" strike="noStrike" cap="none" spc="0" normalizeH="0" baseline="0">
+              <a:ln>
+                <a:noFill/>
+              </a:ln>
+              <a:solidFill>
+                <a:srgbClr val="000000"/>
+              </a:solidFill>
+              <a:effectLst/>
+              <a:uFillTx/>
+              <a:latin typeface="+mn-lt"/>
+              <a:ea typeface="+mn-ea"/>
+              <a:cs typeface="+mn-cs"/>
+              <a:sym typeface="Helvetica"/>
+            </a:endParaRPr>
+          </a:p>
+          <a:p>
+            <a:pPr marL="0" marR="0" indent="0" algn="l" defTabSz="914400" rtl="0" fontAlgn="auto" latinLnBrk="0" hangingPunct="0">
+              <a:lnSpc>
+                <a:spcPct val="100000"/>
+              </a:lnSpc>
+              <a:spcBef>
+                <a:spcPts val="0"/>
+              </a:spcBef>
+              <a:spcAft>
+                <a:spcPts val="0"/>
+              </a:spcAft>
+              <a:buClrTx/>
+              <a:buSzTx/>
+              <a:buFontTx/>
+              <a:buNone/>
+            </a:pPr>
+            <a:r>
+              <a:rPr kumimoji="0" lang="en-US" altLang="zh-CN" sz="1800" b="0" i="0" u="none" strike="noStrike" cap="none" spc="0" normalizeH="0" baseline="0">
+                <a:ln>
+                  <a:noFill/>
+                </a:ln>
+                <a:solidFill>
+                  <a:srgbClr val="000000"/>
+                </a:solidFill>
+                <a:effectLst/>
+                <a:uFillTx/>
+                <a:latin typeface="+mn-lt"/>
+                <a:ea typeface="+mn-ea"/>
+                <a:cs typeface="+mn-cs"/>
+                <a:sym typeface="Helvetica"/>
+              </a:rPr>
+              <a:t>Q</a:t>
+            </a:r>
+            <a:r>
+              <a:rPr kumimoji="0" lang="zh-CN" altLang="en-US" sz="1800" b="0" i="0" u="none" strike="noStrike" cap="none" spc="0" normalizeH="0" baseline="0">
+                <a:ln>
+                  <a:noFill/>
+                </a:ln>
+                <a:solidFill>
+                  <a:srgbClr val="000000"/>
+                </a:solidFill>
+                <a:effectLst/>
+                <a:uFillTx/>
+                <a:latin typeface="+mn-lt"/>
+                <a:ea typeface="+mn-ea"/>
+                <a:cs typeface="+mn-cs"/>
+                <a:sym typeface="Helvetica"/>
+              </a:rPr>
+              <a:t>：</a:t>
+            </a:r>
+            <a:endParaRPr kumimoji="0" lang="zh-CN" altLang="en-US" sz="1800" b="0" i="0" u="none" strike="noStrike" cap="none" spc="0" normalizeH="0" baseline="0">
+              <a:ln>
+                <a:noFill/>
+              </a:ln>
+              <a:solidFill>
+                <a:srgbClr val="000000"/>
+              </a:solidFill>
+              <a:effectLst/>
+              <a:uFillTx/>
+              <a:latin typeface="+mn-lt"/>
+              <a:ea typeface="+mn-ea"/>
+              <a:cs typeface="+mn-cs"/>
+              <a:sym typeface="Helvetica"/>
+            </a:endParaRPr>
+          </a:p>
+          <a:p>
+            <a:pPr marL="0" marR="0" indent="0" algn="l" defTabSz="914400" rtl="0" fontAlgn="auto" latinLnBrk="0" hangingPunct="0">
+              <a:lnSpc>
+                <a:spcPct val="100000"/>
+              </a:lnSpc>
+              <a:spcBef>
+                <a:spcPts val="0"/>
+              </a:spcBef>
+              <a:spcAft>
+                <a:spcPts val="0"/>
+              </a:spcAft>
+              <a:buClrTx/>
+              <a:buSzTx/>
+              <a:buFontTx/>
+              <a:buNone/>
+            </a:pPr>
+            <a:endParaRPr kumimoji="0" lang="zh-CN" altLang="en-US" sz="1800" b="0" i="0" u="none" strike="noStrike" cap="none" spc="0" normalizeH="0" baseline="0">
+              <a:ln>
+                <a:noFill/>
+              </a:ln>
+              <a:solidFill>
+                <a:srgbClr val="000000"/>
+              </a:solidFill>
+              <a:effectLst/>
+              <a:uFillTx/>
+              <a:latin typeface="+mn-lt"/>
+              <a:ea typeface="+mn-ea"/>
+              <a:cs typeface="+mn-cs"/>
+              <a:sym typeface="Helvetica"/>
+            </a:endParaRPr>
+          </a:p>
+          <a:p>
+            <a:pPr marL="0" marR="0" indent="0" algn="l" defTabSz="914400" rtl="0" fontAlgn="auto" latinLnBrk="0" hangingPunct="0">
+              <a:lnSpc>
+                <a:spcPct val="100000"/>
+              </a:lnSpc>
+              <a:spcBef>
+                <a:spcPts val="0"/>
+              </a:spcBef>
+              <a:spcAft>
+                <a:spcPts val="0"/>
+              </a:spcAft>
+              <a:buClrTx/>
+              <a:buSzTx/>
+              <a:buFontTx/>
+              <a:buNone/>
+            </a:pPr>
+            <a:r>
+              <a:rPr kumimoji="0" lang="en-US" altLang="zh-CN" sz="1800" b="0" i="0" u="none" strike="noStrike" cap="none" spc="0" normalizeH="0" baseline="0">
+                <a:ln>
+                  <a:noFill/>
+                </a:ln>
+                <a:solidFill>
+                  <a:srgbClr val="000000"/>
+                </a:solidFill>
+                <a:effectLst/>
+                <a:uFillTx/>
+                <a:latin typeface="+mn-lt"/>
+                <a:ea typeface="+mn-ea"/>
+                <a:cs typeface="+mn-cs"/>
+                <a:sym typeface="Helvetica"/>
+              </a:rPr>
+              <a:t>A</a:t>
+            </a:r>
+            <a:r>
+              <a:rPr kumimoji="0" lang="zh-CN" altLang="en-US" sz="1800" b="0" i="0" u="none" strike="noStrike" cap="none" spc="0" normalizeH="0" baseline="0">
+                <a:ln>
+                  <a:noFill/>
+                </a:ln>
+                <a:solidFill>
+                  <a:srgbClr val="000000"/>
+                </a:solidFill>
+                <a:effectLst/>
+                <a:uFillTx/>
+                <a:latin typeface="+mn-lt"/>
+                <a:ea typeface="+mn-ea"/>
+                <a:cs typeface="+mn-cs"/>
+                <a:sym typeface="Helvetica"/>
+              </a:rPr>
+              <a:t>：实现原理是什么？</a:t>
+            </a:r>
+            <a:endParaRPr kumimoji="0" lang="zh-CN" altLang="en-US" sz="1800" b="0" i="0" u="none" strike="noStrike" cap="none" spc="0" normalizeH="0" baseline="0">
+              <a:ln>
+                <a:noFill/>
+              </a:ln>
+              <a:solidFill>
+                <a:srgbClr val="000000"/>
+              </a:solidFill>
+              <a:effectLst/>
+              <a:uFillTx/>
+              <a:latin typeface="+mn-lt"/>
+              <a:ea typeface="+mn-ea"/>
+              <a:cs typeface="+mn-cs"/>
+              <a:sym typeface="Helvetica"/>
+            </a:endParaRPr>
+          </a:p>
+          <a:p>
+            <a:pPr marL="0" marR="0" indent="0" algn="l" defTabSz="914400" rtl="0" fontAlgn="auto" latinLnBrk="0" hangingPunct="0">
+              <a:lnSpc>
+                <a:spcPct val="100000"/>
+              </a:lnSpc>
+              <a:spcBef>
+                <a:spcPts val="0"/>
+              </a:spcBef>
+              <a:spcAft>
+                <a:spcPts val="0"/>
+              </a:spcAft>
+              <a:buClrTx/>
+              <a:buSzTx/>
+              <a:buFontTx/>
+              <a:buNone/>
+            </a:pPr>
+            <a:r>
+              <a:rPr kumimoji="0" lang="en-US" altLang="zh-CN" sz="1800" b="0" i="0" u="none" strike="noStrike" cap="none" spc="0" normalizeH="0" baseline="0">
+                <a:ln>
+                  <a:noFill/>
+                </a:ln>
+                <a:solidFill>
+                  <a:srgbClr val="000000"/>
+                </a:solidFill>
+                <a:effectLst/>
+                <a:uFillTx/>
+                <a:latin typeface="+mn-lt"/>
+                <a:ea typeface="+mn-ea"/>
+                <a:cs typeface="+mn-cs"/>
+                <a:sym typeface="Helvetica"/>
+              </a:rPr>
+              <a:t>Q</a:t>
+            </a:r>
+            <a:r>
+              <a:rPr kumimoji="0" lang="zh-CN" altLang="en-US" sz="1800" b="0" i="0" u="none" strike="noStrike" cap="none" spc="0" normalizeH="0" baseline="0">
+                <a:ln>
+                  <a:noFill/>
+                </a:ln>
+                <a:solidFill>
+                  <a:srgbClr val="000000"/>
+                </a:solidFill>
+                <a:effectLst/>
+                <a:uFillTx/>
+                <a:latin typeface="+mn-lt"/>
+                <a:ea typeface="+mn-ea"/>
+                <a:cs typeface="+mn-cs"/>
+                <a:sym typeface="Helvetica"/>
+              </a:rPr>
+              <a:t>：</a:t>
+            </a:r>
+            <a:endParaRPr kumimoji="0" lang="zh-CN" altLang="en-US" sz="1800" b="0" i="0" u="none" strike="noStrike" cap="none" spc="0" normalizeH="0" baseline="0">
+              <a:ln>
+                <a:noFill/>
+              </a:ln>
+              <a:solidFill>
+                <a:srgbClr val="000000"/>
+              </a:solidFill>
+              <a:effectLst/>
+              <a:uFillTx/>
+              <a:latin typeface="+mn-lt"/>
+              <a:ea typeface="+mn-ea"/>
+              <a:cs typeface="+mn-cs"/>
+              <a:sym typeface="Helvetica"/>
+            </a:endParaRPr>
+          </a:p>
+          <a:p>
+            <a:pPr marL="0" marR="0" indent="0" algn="l" defTabSz="914400" rtl="0" fontAlgn="auto" latinLnBrk="0" hangingPunct="0">
+              <a:lnSpc>
+                <a:spcPct val="100000"/>
+              </a:lnSpc>
+              <a:spcBef>
+                <a:spcPts val="0"/>
+              </a:spcBef>
+              <a:spcAft>
+                <a:spcPts val="0"/>
+              </a:spcAft>
+              <a:buClrTx/>
+              <a:buSzTx/>
+              <a:buFontTx/>
+              <a:buNone/>
+            </a:pPr>
+            <a:endParaRPr kumimoji="0" lang="zh-CN" altLang="en-US" sz="1800" b="0" i="0" u="none" strike="noStrike" cap="none" spc="0" normalizeH="0" baseline="0">
+              <a:ln>
+                <a:noFill/>
+              </a:ln>
+              <a:solidFill>
+                <a:srgbClr val="000000"/>
+              </a:solidFill>
+              <a:effectLst/>
+              <a:uFillTx/>
+              <a:latin typeface="+mn-lt"/>
+              <a:ea typeface="+mn-ea"/>
+              <a:cs typeface="+mn-cs"/>
+              <a:sym typeface="Helvetica"/>
+            </a:endParaRPr>
+          </a:p>
+        </p:txBody>
+      </p:sp>
+    </p:spTree>
+  </p:cSld>
+  <p:clrMapOvr>
+    <a:masterClrMapping/>
+  </p:clrMapOvr>
+  <mc:AlternateContent xmlns:mc="http://schemas.openxmlformats.org/markup-compatibility/2006">
+    <mc:Choice xmlns:p14="http://schemas.microsoft.com/office/powerpoint/2010/main" Requires="p14">
+      <p:transition p14:dur="0" advClick="0" advTm="0"/>
+    </mc:Choice>
+    <mc:Fallback>
+      <p:transition advClick="0" advTm="0"/>
+    </mc:Fallback>
+  </mc:AlternateContent>
+  <p:timing>
+    <p:tnLst>
+      <p:par>
+        <p:cTn id="1" dur="indefinite" restart="never" fill="hold" nodeType="tmRoot"/>
+      </p:par>
+    </p:tnLst>
+  </p:timing>
+</p:sld>
+</file>
+
+<file path=ppt/slides/slide20.xml><?xml version="1.0" encoding="utf-8"?>
 <p:sld xmlns:a="http://schemas.openxmlformats.org/drawingml/2006/main" xmlns:r="http://schemas.openxmlformats.org/officeDocument/2006/relationships" xmlns:p="http://schemas.openxmlformats.org/presentationml/2006/main">
   <p:cSld>
     <p:spTree>
@@ -5412,7 +8700,7 @@
                 <a:cs typeface="+mn-cs"/>
                 <a:sym typeface="Helvetica"/>
               </a:rPr>
-              <a:t>3.1 </a:t>
+              <a:t>3.3 </a:t>
             </a:r>
             <a:r>
               <a:rPr kumimoji="0" lang="zh-CN" altLang="en-US" sz="1800" b="0" i="0" u="none" strike="noStrike" cap="none" spc="0" normalizeH="0" baseline="0">
@@ -5429,10 +8717,10 @@
                 <a:cs typeface="+mn-cs"/>
                 <a:sym typeface="Helvetica"/>
               </a:rPr>
-              <a:t>主观</a:t>
+              <a:t>选举领头</a:t>
             </a:r>
             <a:r>
-              <a:rPr kumimoji="0" lang="zh-CN" altLang="en-US" sz="1800" b="0" i="0" u="none" strike="noStrike" cap="none" spc="0" normalizeH="0" baseline="0">
+              <a:rPr kumimoji="0" lang="en-US" altLang="zh-CN" sz="1800" b="0" i="0" u="none" strike="noStrike" cap="none" spc="0" normalizeH="0" baseline="0">
                 <a:ln>
                   <a:noFill/>
                 </a:ln>
@@ -5446,7 +8734,24 @@
                 <a:cs typeface="+mn-cs"/>
                 <a:sym typeface="Helvetica"/>
               </a:rPr>
-              <a:t>下线</a:t>
+              <a:t>S</a:t>
+            </a:r>
+            <a:r>
+              <a:rPr kumimoji="0" lang="en-US" altLang="zh-CN" sz="1800" b="0" i="0" u="none" strike="noStrike" cap="none" spc="0" normalizeH="0" baseline="0">
+                <a:ln>
+                  <a:noFill/>
+                </a:ln>
+                <a:solidFill>
+                  <a:srgbClr val="000000"/>
+                </a:solidFill>
+                <a:effectLst/>
+                <a:uFillTx/>
+                <a:latin typeface="+mn-lt"/>
+                <a:ea typeface="+mn-ea"/>
+                <a:cs typeface="+mn-cs"/>
+                <a:sym typeface="Helvetica"/>
+              </a:rPr>
+              <a:t>entinel</a:t>
             </a:r>
             <a:r>
               <a:rPr kumimoji="0" lang="en-US" altLang="zh-CN" sz="1800" b="0" i="0" u="none" strike="noStrike" cap="none" spc="0" normalizeH="0" baseline="0">
@@ -5513,6 +8818,30 @@
           </a:p>
         </p:txBody>
       </p:sp>
+      <p:pic>
+        <p:nvPicPr>
+          <p:cNvPr id="3" name="图片 2"/>
+          <p:cNvPicPr>
+            <a:picLocks noChangeAspect="1"/>
+          </p:cNvPicPr>
+          <p:nvPr/>
+        </p:nvPicPr>
+        <p:blipFill>
+          <a:blip r:embed="rId1"/>
+          <a:stretch>
+            <a:fillRect/>
+          </a:stretch>
+        </p:blipFill>
+        <p:spPr>
+          <a:xfrm>
+            <a:off x="2505075" y="1534795"/>
+            <a:ext cx="7181850" cy="5124450"/>
+          </a:xfrm>
+          <a:prstGeom prst="rect">
+            <a:avLst/>
+          </a:prstGeom>
+        </p:spPr>
+      </p:pic>
     </p:spTree>
   </p:cSld>
   <p:clrMapOvr>
@@ -5536,7 +8865,7 @@
 </p:sld>
 </file>
 
-<file path=ppt/slides/slide15.xml><?xml version="1.0" encoding="utf-8"?>
+<file path=ppt/slides/slide21.xml><?xml version="1.0" encoding="utf-8"?>
 <p:sld xmlns:a="http://schemas.openxmlformats.org/drawingml/2006/main" xmlns:r="http://schemas.openxmlformats.org/officeDocument/2006/relationships" xmlns:p="http://schemas.openxmlformats.org/presentationml/2006/main">
   <p:cSld>
     <p:spTree>
@@ -5562,440 +8891,7 @@
         <p:spPr>
           <a:xfrm>
             <a:off x="793750" y="1057910"/>
-            <a:ext cx="10435590" cy="643890"/>
-          </a:xfrm>
-          <a:prstGeom prst="rect">
-            <a:avLst/>
-          </a:prstGeom>
-          <a:noFill/>
-          <a:ln w="12700" cap="flat">
-            <a:noFill/>
-            <a:miter lim="400000"/>
-          </a:ln>
-        </p:spPr>
-        <p:style>
-          <a:lnRef idx="0">
-            <a:scrgbClr r="0" g="0" b="0"/>
-          </a:lnRef>
-          <a:fillRef idx="0">
-            <a:scrgbClr r="0" g="0" b="0"/>
-          </a:fillRef>
-          <a:effectRef idx="0">
-            <a:scrgbClr r="0" g="0" b="0"/>
-          </a:effectRef>
-          <a:fontRef idx="none"/>
-        </p:style>
-        <p:txBody>
-          <a:bodyPr rot="0" vertOverflow="overflow" horzOverflow="overflow" vert="horz" wrap="square" lIns="45718" tIns="45718" rIns="45718" bIns="45718" numCol="1" spcCol="38100" rtlCol="0" anchor="t" forceAA="0">
-            <a:spAutoFit/>
-          </a:bodyPr>
-          <a:p>
-            <a:pPr marL="0" marR="0" indent="0" algn="l" defTabSz="914400" rtl="0" fontAlgn="auto" latinLnBrk="0" hangingPunct="0">
-              <a:lnSpc>
-                <a:spcPct val="100000"/>
-              </a:lnSpc>
-              <a:spcBef>
-                <a:spcPts val="0"/>
-              </a:spcBef>
-              <a:spcAft>
-                <a:spcPts val="0"/>
-              </a:spcAft>
-              <a:buClrTx/>
-              <a:buSzTx/>
-              <a:buFontTx/>
-              <a:buNone/>
-            </a:pPr>
-            <a:r>
-              <a:rPr kumimoji="0" lang="en-US" altLang="zh-CN" sz="1800" b="0" i="0" u="none" strike="noStrike" cap="none" spc="0" normalizeH="0" baseline="0">
-                <a:ln>
-                  <a:noFill/>
-                </a:ln>
-                <a:solidFill>
-                  <a:srgbClr val="000000"/>
-                </a:solidFill>
-                <a:effectLst/>
-                <a:uFillTx/>
-                <a:latin typeface="+mn-lt"/>
-                <a:ea typeface="+mn-ea"/>
-                <a:cs typeface="+mn-cs"/>
-                <a:sym typeface="Helvetica"/>
-              </a:rPr>
-              <a:t>3.2 </a:t>
-            </a:r>
-            <a:r>
-              <a:rPr kumimoji="0" lang="zh-CN" altLang="en-US" sz="1800" b="0" i="0" u="none" strike="noStrike" cap="none" spc="0" normalizeH="0" baseline="0">
-                <a:ln>
-                  <a:noFill/>
-                </a:ln>
-                <a:solidFill>
-                  <a:srgbClr val="000000"/>
-                </a:solidFill>
-                <a:effectLst/>
-                <a:uFillTx/>
-                <a:latin typeface="+mn-lt"/>
-                <a:ea typeface="+mn-ea"/>
-                <a:cs typeface="+mn-cs"/>
-                <a:sym typeface="Helvetica"/>
-              </a:rPr>
-              <a:t>客</a:t>
-            </a:r>
-            <a:r>
-              <a:rPr kumimoji="0" lang="zh-CN" altLang="en-US" sz="1800" b="0" i="0" u="none" strike="noStrike" cap="none" spc="0" normalizeH="0" baseline="0">
-                <a:ln>
-                  <a:noFill/>
-                </a:ln>
-                <a:solidFill>
-                  <a:srgbClr val="000000"/>
-                </a:solidFill>
-                <a:effectLst/>
-                <a:uFillTx/>
-                <a:latin typeface="+mn-lt"/>
-                <a:ea typeface="+mn-ea"/>
-                <a:cs typeface="+mn-cs"/>
-                <a:sym typeface="Helvetica"/>
-              </a:rPr>
-              <a:t>观</a:t>
-            </a:r>
-            <a:r>
-              <a:rPr kumimoji="0" lang="zh-CN" altLang="en-US" sz="1800" b="0" i="0" u="none" strike="noStrike" cap="none" spc="0" normalizeH="0" baseline="0">
-                <a:ln>
-                  <a:noFill/>
-                </a:ln>
-                <a:solidFill>
-                  <a:srgbClr val="000000"/>
-                </a:solidFill>
-                <a:effectLst/>
-                <a:uFillTx/>
-                <a:latin typeface="+mn-lt"/>
-                <a:ea typeface="+mn-ea"/>
-                <a:cs typeface="+mn-cs"/>
-                <a:sym typeface="Helvetica"/>
-              </a:rPr>
-              <a:t>下线</a:t>
-            </a:r>
-            <a:r>
-              <a:rPr kumimoji="0" lang="en-US" altLang="zh-CN" sz="1800" b="0" i="0" u="none" strike="noStrike" cap="none" spc="0" normalizeH="0" baseline="0">
-                <a:ln>
-                  <a:noFill/>
-                </a:ln>
-                <a:solidFill>
-                  <a:srgbClr val="000000"/>
-                </a:solidFill>
-                <a:effectLst/>
-                <a:uFillTx/>
-                <a:latin typeface="+mn-lt"/>
-                <a:ea typeface="+mn-ea"/>
-                <a:cs typeface="+mn-cs"/>
-                <a:sym typeface="Helvetica"/>
-              </a:rPr>
-              <a:t>  </a:t>
-            </a:r>
-            <a:endParaRPr kumimoji="0" lang="en-US" altLang="zh-CN" sz="1800" b="0" i="0" u="none" strike="noStrike" cap="none" spc="0" normalizeH="0" baseline="0">
-              <a:ln>
-                <a:noFill/>
-              </a:ln>
-              <a:solidFill>
-                <a:srgbClr val="000000"/>
-              </a:solidFill>
-              <a:effectLst/>
-              <a:uFillTx/>
-              <a:latin typeface="+mn-lt"/>
-              <a:ea typeface="+mn-ea"/>
-              <a:cs typeface="+mn-cs"/>
-              <a:sym typeface="Helvetica"/>
-            </a:endParaRPr>
-          </a:p>
-          <a:p>
-            <a:pPr marL="0" marR="0" indent="0" algn="l" defTabSz="914400" rtl="0" fontAlgn="auto" latinLnBrk="0" hangingPunct="0">
-              <a:lnSpc>
-                <a:spcPct val="100000"/>
-              </a:lnSpc>
-              <a:spcBef>
-                <a:spcPts val="0"/>
-              </a:spcBef>
-              <a:spcAft>
-                <a:spcPts val="0"/>
-              </a:spcAft>
-              <a:buClrTx/>
-              <a:buSzTx/>
-              <a:buFontTx/>
-              <a:buNone/>
-            </a:pPr>
-            <a:endParaRPr kumimoji="0" lang="zh-CN" altLang="en-US" sz="1800" b="0" i="0" u="none" strike="noStrike" cap="none" spc="0" normalizeH="0" baseline="0">
-              <a:ln>
-                <a:noFill/>
-              </a:ln>
-              <a:solidFill>
-                <a:srgbClr val="000000"/>
-              </a:solidFill>
-              <a:effectLst/>
-              <a:uFillTx/>
-              <a:latin typeface="+mn-lt"/>
-              <a:ea typeface="+mn-ea"/>
-              <a:cs typeface="+mn-cs"/>
-              <a:sym typeface="Helvetica"/>
-            </a:endParaRPr>
-          </a:p>
-        </p:txBody>
-      </p:sp>
-    </p:spTree>
-  </p:cSld>
-  <p:clrMapOvr>
-    <a:masterClrMapping/>
-  </p:clrMapOvr>
-  <mc:AlternateContent xmlns:mc="http://schemas.openxmlformats.org/markup-compatibility/2006">
-    <mc:Choice xmlns:p14="http://schemas.microsoft.com/office/powerpoint/2010/main" Requires="p14">
-      <p:transition p14:dur="0" advClick="0" advTm="0"/>
-    </mc:Choice>
-    <mc:Fallback>
-      <p:transition advClick="0" advTm="0"/>
-    </mc:Fallback>
-  </mc:AlternateContent>
-  <p:timing>
-    <p:tnLst>
-      <p:par>
-        <p:cTn id="1" dur="indefinite" restart="never" fill="hold" nodeType="tmRoot"/>
-      </p:par>
-    </p:tnLst>
-  </p:timing>
-</p:sld>
-</file>
-
-<file path=ppt/slides/slide16.xml><?xml version="1.0" encoding="utf-8"?>
-<p:sld xmlns:a="http://schemas.openxmlformats.org/drawingml/2006/main" xmlns:r="http://schemas.openxmlformats.org/officeDocument/2006/relationships" xmlns:p="http://schemas.openxmlformats.org/presentationml/2006/main">
-  <p:cSld>
-    <p:spTree>
-      <p:nvGrpSpPr>
-        <p:cNvPr id="1" name=""/>
-        <p:cNvGrpSpPr/>
-        <p:nvPr/>
-      </p:nvGrpSpPr>
-      <p:grpSpPr>
-        <a:xfrm>
-          <a:off x="0" y="0"/>
-          <a:ext cx="0" cy="0"/>
-          <a:chOff x="0" y="0"/>
-          <a:chExt cx="0" cy="0"/>
-        </a:xfrm>
-      </p:grpSpPr>
-      <p:sp>
-        <p:nvSpPr>
-          <p:cNvPr id="7" name="文本框 6"/>
-          <p:cNvSpPr txBox="1"/>
-          <p:nvPr/>
-        </p:nvSpPr>
-        <p:spPr>
-          <a:xfrm>
-            <a:off x="793750" y="1057910"/>
-            <a:ext cx="10435590" cy="643890"/>
-          </a:xfrm>
-          <a:prstGeom prst="rect">
-            <a:avLst/>
-          </a:prstGeom>
-          <a:noFill/>
-          <a:ln w="12700" cap="flat">
-            <a:noFill/>
-            <a:miter lim="400000"/>
-          </a:ln>
-        </p:spPr>
-        <p:style>
-          <a:lnRef idx="0">
-            <a:scrgbClr r="0" g="0" b="0"/>
-          </a:lnRef>
-          <a:fillRef idx="0">
-            <a:scrgbClr r="0" g="0" b="0"/>
-          </a:fillRef>
-          <a:effectRef idx="0">
-            <a:scrgbClr r="0" g="0" b="0"/>
-          </a:effectRef>
-          <a:fontRef idx="none"/>
-        </p:style>
-        <p:txBody>
-          <a:bodyPr rot="0" vertOverflow="overflow" horzOverflow="overflow" vert="horz" wrap="square" lIns="45718" tIns="45718" rIns="45718" bIns="45718" numCol="1" spcCol="38100" rtlCol="0" anchor="t" forceAA="0">
-            <a:spAutoFit/>
-          </a:bodyPr>
-          <a:p>
-            <a:pPr marL="0" marR="0" indent="0" algn="l" defTabSz="914400" rtl="0" fontAlgn="auto" latinLnBrk="0" hangingPunct="0">
-              <a:lnSpc>
-                <a:spcPct val="100000"/>
-              </a:lnSpc>
-              <a:spcBef>
-                <a:spcPts val="0"/>
-              </a:spcBef>
-              <a:spcAft>
-                <a:spcPts val="0"/>
-              </a:spcAft>
-              <a:buClrTx/>
-              <a:buSzTx/>
-              <a:buFontTx/>
-              <a:buNone/>
-            </a:pPr>
-            <a:r>
-              <a:rPr kumimoji="0" lang="en-US" altLang="zh-CN" sz="1800" b="0" i="0" u="none" strike="noStrike" cap="none" spc="0" normalizeH="0" baseline="0">
-                <a:ln>
-                  <a:noFill/>
-                </a:ln>
-                <a:solidFill>
-                  <a:srgbClr val="000000"/>
-                </a:solidFill>
-                <a:effectLst/>
-                <a:uFillTx/>
-                <a:latin typeface="+mn-lt"/>
-                <a:ea typeface="+mn-ea"/>
-                <a:cs typeface="+mn-cs"/>
-                <a:sym typeface="Helvetica"/>
-              </a:rPr>
-              <a:t>3.3 </a:t>
-            </a:r>
-            <a:r>
-              <a:rPr kumimoji="0" lang="zh-CN" altLang="en-US" sz="1800" b="0" i="0" u="none" strike="noStrike" cap="none" spc="0" normalizeH="0" baseline="0">
-                <a:ln>
-                  <a:noFill/>
-                </a:ln>
-                <a:solidFill>
-                  <a:srgbClr val="000000"/>
-                </a:solidFill>
-                <a:effectLst/>
-                <a:uFillTx/>
-                <a:latin typeface="+mn-lt"/>
-                <a:ea typeface="+mn-ea"/>
-                <a:cs typeface="+mn-cs"/>
-                <a:sym typeface="Helvetica"/>
-              </a:rPr>
-              <a:t>选举领头</a:t>
-            </a:r>
-            <a:r>
-              <a:rPr kumimoji="0" lang="en-US" altLang="zh-CN" sz="1800" b="0" i="0" u="none" strike="noStrike" cap="none" spc="0" normalizeH="0" baseline="0">
-                <a:ln>
-                  <a:noFill/>
-                </a:ln>
-                <a:solidFill>
-                  <a:srgbClr val="000000"/>
-                </a:solidFill>
-                <a:effectLst/>
-                <a:uFillTx/>
-                <a:latin typeface="+mn-lt"/>
-                <a:ea typeface="+mn-ea"/>
-                <a:cs typeface="+mn-cs"/>
-                <a:sym typeface="Helvetica"/>
-              </a:rPr>
-              <a:t>sentinel</a:t>
-            </a:r>
-            <a:r>
-              <a:rPr kumimoji="0" lang="en-US" altLang="zh-CN" sz="1800" b="0" i="0" u="none" strike="noStrike" cap="none" spc="0" normalizeH="0" baseline="0">
-                <a:ln>
-                  <a:noFill/>
-                </a:ln>
-                <a:solidFill>
-                  <a:srgbClr val="000000"/>
-                </a:solidFill>
-                <a:effectLst/>
-                <a:uFillTx/>
-                <a:latin typeface="+mn-lt"/>
-                <a:ea typeface="+mn-ea"/>
-                <a:cs typeface="+mn-cs"/>
-                <a:sym typeface="Helvetica"/>
-              </a:rPr>
-              <a:t>  </a:t>
-            </a:r>
-            <a:endParaRPr kumimoji="0" lang="en-US" altLang="zh-CN" sz="1800" b="0" i="0" u="none" strike="noStrike" cap="none" spc="0" normalizeH="0" baseline="0">
-              <a:ln>
-                <a:noFill/>
-              </a:ln>
-              <a:solidFill>
-                <a:srgbClr val="000000"/>
-              </a:solidFill>
-              <a:effectLst/>
-              <a:uFillTx/>
-              <a:latin typeface="+mn-lt"/>
-              <a:ea typeface="+mn-ea"/>
-              <a:cs typeface="+mn-cs"/>
-              <a:sym typeface="Helvetica"/>
-            </a:endParaRPr>
-          </a:p>
-          <a:p>
-            <a:pPr marL="0" marR="0" indent="0" algn="l" defTabSz="914400" rtl="0" fontAlgn="auto" latinLnBrk="0" hangingPunct="0">
-              <a:lnSpc>
-                <a:spcPct val="100000"/>
-              </a:lnSpc>
-              <a:spcBef>
-                <a:spcPts val="0"/>
-              </a:spcBef>
-              <a:spcAft>
-                <a:spcPts val="0"/>
-              </a:spcAft>
-              <a:buClrTx/>
-              <a:buSzTx/>
-              <a:buFontTx/>
-              <a:buNone/>
-            </a:pPr>
-            <a:endParaRPr kumimoji="0" lang="zh-CN" altLang="en-US" sz="1800" b="0" i="0" u="none" strike="noStrike" cap="none" spc="0" normalizeH="0" baseline="0">
-              <a:ln>
-                <a:noFill/>
-              </a:ln>
-              <a:solidFill>
-                <a:srgbClr val="000000"/>
-              </a:solidFill>
-              <a:effectLst/>
-              <a:uFillTx/>
-              <a:latin typeface="+mn-lt"/>
-              <a:ea typeface="+mn-ea"/>
-              <a:cs typeface="+mn-cs"/>
-              <a:sym typeface="Helvetica"/>
-            </a:endParaRPr>
-          </a:p>
-        </p:txBody>
-      </p:sp>
-    </p:spTree>
-  </p:cSld>
-  <p:clrMapOvr>
-    <a:masterClrMapping/>
-  </p:clrMapOvr>
-  <mc:AlternateContent xmlns:mc="http://schemas.openxmlformats.org/markup-compatibility/2006">
-    <mc:Choice xmlns:p14="http://schemas.microsoft.com/office/powerpoint/2010/main" Requires="p14">
-      <p:transition p14:dur="0" advClick="0" advTm="0"/>
-    </mc:Choice>
-    <mc:Fallback>
-      <p:transition advClick="0" advTm="0"/>
-    </mc:Fallback>
-  </mc:AlternateContent>
-  <p:timing>
-    <p:tnLst>
-      <p:par>
-        <p:cTn id="1" dur="indefinite" restart="never" fill="hold" nodeType="tmRoot"/>
-      </p:par>
-    </p:tnLst>
-  </p:timing>
-</p:sld>
-</file>
-
-<file path=ppt/slides/slide17.xml><?xml version="1.0" encoding="utf-8"?>
-<p:sld xmlns:a="http://schemas.openxmlformats.org/drawingml/2006/main" xmlns:r="http://schemas.openxmlformats.org/officeDocument/2006/relationships" xmlns:p="http://schemas.openxmlformats.org/presentationml/2006/main">
-  <p:cSld>
-    <p:spTree>
-      <p:nvGrpSpPr>
-        <p:cNvPr id="1" name=""/>
-        <p:cNvGrpSpPr/>
-        <p:nvPr/>
-      </p:nvGrpSpPr>
-      <p:grpSpPr>
-        <a:xfrm>
-          <a:off x="0" y="0"/>
-          <a:ext cx="0" cy="0"/>
-          <a:chOff x="0" y="0"/>
-          <a:chExt cx="0" cy="0"/>
-        </a:xfrm>
-      </p:grpSpPr>
-      <p:sp>
-        <p:nvSpPr>
-          <p:cNvPr id="7" name="文本框 6"/>
-          <p:cNvSpPr txBox="1"/>
-          <p:nvPr/>
-        </p:nvSpPr>
-        <p:spPr>
-          <a:xfrm>
-            <a:off x="793750" y="1057910"/>
-            <a:ext cx="10435590" cy="643890"/>
+            <a:ext cx="10435590" cy="2305685"/>
           </a:xfrm>
           <a:prstGeom prst="rect">
             <a:avLst/>
@@ -6135,6 +9031,212 @@
               <a:sym typeface="Helvetica"/>
             </a:endParaRPr>
           </a:p>
+          <a:p>
+            <a:pPr marL="0" marR="0" indent="0" algn="l" defTabSz="914400" rtl="0" fontAlgn="auto" latinLnBrk="0" hangingPunct="0">
+              <a:lnSpc>
+                <a:spcPct val="100000"/>
+              </a:lnSpc>
+              <a:spcBef>
+                <a:spcPts val="0"/>
+              </a:spcBef>
+              <a:spcAft>
+                <a:spcPts val="0"/>
+              </a:spcAft>
+              <a:buClrTx/>
+              <a:buSzTx/>
+              <a:buFontTx/>
+              <a:buNone/>
+            </a:pPr>
+            <a:r>
+              <a:rPr kumimoji="0" lang="zh-CN" altLang="en-US" sz="1800" b="0" i="0" u="none" strike="noStrike" cap="none" spc="0" normalizeH="0" baseline="0">
+                <a:ln>
+                  <a:noFill/>
+                </a:ln>
+                <a:solidFill>
+                  <a:srgbClr val="000000"/>
+                </a:solidFill>
+                <a:effectLst/>
+                <a:uFillTx/>
+                <a:latin typeface="+mn-lt"/>
+                <a:ea typeface="+mn-ea"/>
+                <a:cs typeface="+mn-cs"/>
+                <a:sym typeface="Helvetica"/>
+              </a:rPr>
+              <a:t>1）选出新的主服务器(依次排除下线或断线的-&gt;最近5s内没有回复领头Sentinel的INFO命令的-&gt;与已下线主服务器连接断开超过down-after-milliseconds*10的-&gt;优先级-&gt;复制偏移量-&gt;运行ID)；</a:t>
+            </a:r>
+            <a:endParaRPr kumimoji="0" lang="zh-CN" altLang="en-US" sz="1800" b="0" i="0" u="none" strike="noStrike" cap="none" spc="0" normalizeH="0" baseline="0">
+              <a:ln>
+                <a:noFill/>
+              </a:ln>
+              <a:solidFill>
+                <a:srgbClr val="000000"/>
+              </a:solidFill>
+              <a:effectLst/>
+              <a:uFillTx/>
+              <a:latin typeface="+mn-lt"/>
+              <a:ea typeface="+mn-ea"/>
+              <a:cs typeface="+mn-cs"/>
+              <a:sym typeface="Helvetica"/>
+            </a:endParaRPr>
+          </a:p>
+          <a:p>
+            <a:pPr marL="0" marR="0" indent="0" algn="l" defTabSz="914400" rtl="0" fontAlgn="auto" latinLnBrk="0" hangingPunct="0">
+              <a:lnSpc>
+                <a:spcPct val="100000"/>
+              </a:lnSpc>
+              <a:spcBef>
+                <a:spcPts val="0"/>
+              </a:spcBef>
+              <a:spcAft>
+                <a:spcPts val="0"/>
+              </a:spcAft>
+              <a:buClrTx/>
+              <a:buSzTx/>
+              <a:buFontTx/>
+              <a:buNone/>
+            </a:pPr>
+            <a:endParaRPr kumimoji="0" lang="zh-CN" altLang="en-US" sz="1800" b="0" i="0" u="none" strike="noStrike" cap="none" spc="0" normalizeH="0" baseline="0">
+              <a:ln>
+                <a:noFill/>
+              </a:ln>
+              <a:solidFill>
+                <a:srgbClr val="000000"/>
+              </a:solidFill>
+              <a:effectLst/>
+              <a:uFillTx/>
+              <a:latin typeface="+mn-lt"/>
+              <a:ea typeface="+mn-ea"/>
+              <a:cs typeface="+mn-cs"/>
+              <a:sym typeface="Helvetica"/>
+            </a:endParaRPr>
+          </a:p>
+          <a:p>
+            <a:pPr marL="0" marR="0" indent="0" algn="l" defTabSz="914400" rtl="0" fontAlgn="auto" latinLnBrk="0" hangingPunct="0">
+              <a:lnSpc>
+                <a:spcPct val="100000"/>
+              </a:lnSpc>
+              <a:spcBef>
+                <a:spcPts val="0"/>
+              </a:spcBef>
+              <a:spcAft>
+                <a:spcPts val="0"/>
+              </a:spcAft>
+              <a:buClrTx/>
+              <a:buSzTx/>
+              <a:buFontTx/>
+              <a:buNone/>
+            </a:pPr>
+            <a:r>
+              <a:rPr kumimoji="0" lang="zh-CN" altLang="en-US" sz="1800" b="0" i="0" u="none" strike="noStrike" cap="none" spc="0" normalizeH="0" baseline="0">
+                <a:ln>
+                  <a:noFill/>
+                </a:ln>
+                <a:solidFill>
+                  <a:srgbClr val="000000"/>
+                </a:solidFill>
+                <a:effectLst/>
+                <a:uFillTx/>
+                <a:latin typeface="+mn-lt"/>
+                <a:ea typeface="+mn-ea"/>
+                <a:cs typeface="+mn-cs"/>
+                <a:sym typeface="Helvetica"/>
+              </a:rPr>
+              <a:t>2）修改从服务器的复制目标；</a:t>
+            </a:r>
+            <a:endParaRPr kumimoji="0" lang="zh-CN" altLang="en-US" sz="1800" b="0" i="0" u="none" strike="noStrike" cap="none" spc="0" normalizeH="0" baseline="0">
+              <a:ln>
+                <a:noFill/>
+              </a:ln>
+              <a:solidFill>
+                <a:srgbClr val="000000"/>
+              </a:solidFill>
+              <a:effectLst/>
+              <a:uFillTx/>
+              <a:latin typeface="+mn-lt"/>
+              <a:ea typeface="+mn-ea"/>
+              <a:cs typeface="+mn-cs"/>
+              <a:sym typeface="Helvetica"/>
+            </a:endParaRPr>
+          </a:p>
+          <a:p>
+            <a:pPr marL="0" marR="0" indent="0" algn="l" defTabSz="914400" rtl="0" fontAlgn="auto" latinLnBrk="0" hangingPunct="0">
+              <a:lnSpc>
+                <a:spcPct val="100000"/>
+              </a:lnSpc>
+              <a:spcBef>
+                <a:spcPts val="0"/>
+              </a:spcBef>
+              <a:spcAft>
+                <a:spcPts val="0"/>
+              </a:spcAft>
+              <a:buClrTx/>
+              <a:buSzTx/>
+              <a:buFontTx/>
+              <a:buNone/>
+            </a:pPr>
+            <a:endParaRPr kumimoji="0" lang="zh-CN" altLang="en-US" sz="1800" b="0" i="0" u="none" strike="noStrike" cap="none" spc="0" normalizeH="0" baseline="0">
+              <a:ln>
+                <a:noFill/>
+              </a:ln>
+              <a:solidFill>
+                <a:srgbClr val="000000"/>
+              </a:solidFill>
+              <a:effectLst/>
+              <a:uFillTx/>
+              <a:latin typeface="+mn-lt"/>
+              <a:ea typeface="+mn-ea"/>
+              <a:cs typeface="+mn-cs"/>
+              <a:sym typeface="Helvetica"/>
+            </a:endParaRPr>
+          </a:p>
+          <a:p>
+            <a:pPr marL="0" marR="0" indent="0" algn="l" defTabSz="914400" rtl="0" fontAlgn="auto" latinLnBrk="0" hangingPunct="0">
+              <a:lnSpc>
+                <a:spcPct val="100000"/>
+              </a:lnSpc>
+              <a:spcBef>
+                <a:spcPts val="0"/>
+              </a:spcBef>
+              <a:spcAft>
+                <a:spcPts val="0"/>
+              </a:spcAft>
+              <a:buClrTx/>
+              <a:buSzTx/>
+              <a:buFontTx/>
+              <a:buNone/>
+            </a:pPr>
+            <a:r>
+              <a:rPr kumimoji="0" lang="zh-CN" altLang="en-US" sz="1800" b="0" i="0" u="none" strike="noStrike" cap="none" spc="0" normalizeH="0" baseline="0">
+                <a:ln>
+                  <a:noFill/>
+                </a:ln>
+                <a:solidFill>
+                  <a:srgbClr val="000000"/>
+                </a:solidFill>
+                <a:effectLst/>
+                <a:uFillTx/>
+                <a:latin typeface="+mn-lt"/>
+                <a:ea typeface="+mn-ea"/>
+                <a:cs typeface="+mn-cs"/>
+                <a:sym typeface="Helvetica"/>
+              </a:rPr>
+              <a:t>3）将旧的主服务器变为从服务器。</a:t>
+            </a:r>
+            <a:endParaRPr kumimoji="0" lang="zh-CN" altLang="en-US" sz="1800" b="0" i="0" u="none" strike="noStrike" cap="none" spc="0" normalizeH="0" baseline="0">
+              <a:ln>
+                <a:noFill/>
+              </a:ln>
+              <a:solidFill>
+                <a:srgbClr val="000000"/>
+              </a:solidFill>
+              <a:effectLst/>
+              <a:uFillTx/>
+              <a:latin typeface="+mn-lt"/>
+              <a:ea typeface="+mn-ea"/>
+              <a:cs typeface="+mn-cs"/>
+              <a:sym typeface="Helvetica"/>
+            </a:endParaRPr>
+          </a:p>
         </p:txBody>
       </p:sp>
     </p:spTree>
@@ -6160,7 +9262,7 @@
 </p:sld>
 </file>
 
-<file path=ppt/slides/slide18.xml><?xml version="1.0" encoding="utf-8"?>
+<file path=ppt/slides/slide22.xml><?xml version="1.0" encoding="utf-8"?>
 <p:sld xmlns:a="http://schemas.openxmlformats.org/drawingml/2006/main" xmlns:r="http://schemas.openxmlformats.org/officeDocument/2006/relationships" xmlns:p="http://schemas.openxmlformats.org/presentationml/2006/main">
   <p:cSld>
     <p:spTree>
@@ -6628,7 +9730,7 @@
 </p:sld>
 </file>
 
-<file path=ppt/slides/slide19.xml><?xml version="1.0" encoding="utf-8"?>
+<file path=ppt/slides/slide23.xml><?xml version="1.0" encoding="utf-8"?>
 <p:sld xmlns:a="http://schemas.openxmlformats.org/drawingml/2006/main" xmlns:r="http://schemas.openxmlformats.org/officeDocument/2006/relationships" xmlns:p="http://schemas.openxmlformats.org/presentationml/2006/main">
   <p:cSld>
     <p:spTree>
@@ -6654,7 +9756,7 @@
         <p:spPr>
           <a:xfrm>
             <a:off x="793750" y="1057910"/>
-            <a:ext cx="10435590" cy="643890"/>
+            <a:ext cx="10435590" cy="1475105"/>
           </a:xfrm>
           <a:prstGeom prst="rect">
             <a:avLst/>
@@ -6777,8 +9879,130 @@
               <a:sym typeface="Helvetica"/>
             </a:endParaRPr>
           </a:p>
+          <a:p>
+            <a:pPr marL="0" marR="0" indent="0" algn="l" defTabSz="914400" rtl="0" fontAlgn="auto" latinLnBrk="0" hangingPunct="0">
+              <a:lnSpc>
+                <a:spcPct val="100000"/>
+              </a:lnSpc>
+              <a:spcBef>
+                <a:spcPts val="0"/>
+              </a:spcBef>
+              <a:spcAft>
+                <a:spcPts val="0"/>
+              </a:spcAft>
+              <a:buClrTx/>
+              <a:buSzTx/>
+              <a:buFontTx/>
+              <a:buNone/>
+            </a:pPr>
+            <a:r>
+              <a:rPr lang="en-US" altLang="zh-CN">
+                <a:sym typeface="Helvetica"/>
+              </a:rPr>
+              <a:t>Redis</a:t>
+            </a:r>
+            <a:r>
+              <a:rPr lang="zh-CN" altLang="en-US">
+                <a:sym typeface="Helvetica"/>
+              </a:rPr>
+              <a:t>集群是</a:t>
+            </a:r>
+            <a:r>
+              <a:rPr lang="en-US" altLang="zh-CN">
+                <a:sym typeface="Helvetica"/>
+              </a:rPr>
+              <a:t>R</a:t>
+            </a:r>
+            <a:r>
+              <a:rPr lang="zh-CN" altLang="en-US">
+                <a:sym typeface="Helvetica"/>
+              </a:rPr>
+              <a:t>edis提供的分布式数据库方案，集群通过分片（</a:t>
+            </a:r>
+            <a:r>
+              <a:rPr lang="en-US" altLang="zh-CN">
+                <a:sym typeface="Helvetica"/>
+              </a:rPr>
+              <a:t>sharding</a:t>
+            </a:r>
+            <a:r>
+              <a:rPr lang="zh-CN" altLang="en-US">
+                <a:sym typeface="Helvetica"/>
+              </a:rPr>
+              <a:t>）来进行数据共享，并提供复制和故障转移功能。</a:t>
+            </a:r>
+            <a:endParaRPr kumimoji="0" lang="zh-CN" altLang="en-US" sz="1800" b="0" i="0" u="none" strike="noStrike" cap="none" spc="0" normalizeH="0" baseline="0">
+              <a:ln>
+                <a:noFill/>
+              </a:ln>
+              <a:solidFill>
+                <a:srgbClr val="000000"/>
+              </a:solidFill>
+              <a:effectLst/>
+              <a:uFillTx/>
+              <a:latin typeface="+mn-lt"/>
+              <a:ea typeface="+mn-ea"/>
+              <a:cs typeface="+mn-cs"/>
+              <a:sym typeface="Helvetica"/>
+            </a:endParaRPr>
+          </a:p>
+          <a:p>
+            <a:pPr marL="0" marR="0" indent="0" algn="l" defTabSz="914400" rtl="0" fontAlgn="auto" latinLnBrk="0" hangingPunct="0">
+              <a:lnSpc>
+                <a:spcPct val="100000"/>
+              </a:lnSpc>
+              <a:spcBef>
+                <a:spcPts val="0"/>
+              </a:spcBef>
+              <a:spcAft>
+                <a:spcPts val="0"/>
+              </a:spcAft>
+              <a:buClrTx/>
+              <a:buSzTx/>
+              <a:buFontTx/>
+              <a:buNone/>
+            </a:pPr>
+            <a:endParaRPr kumimoji="0" lang="zh-CN" altLang="en-US" sz="1800" b="0" i="0" u="none" strike="noStrike" cap="none" spc="0" normalizeH="0" baseline="0">
+              <a:ln>
+                <a:noFill/>
+              </a:ln>
+              <a:solidFill>
+                <a:srgbClr val="000000"/>
+              </a:solidFill>
+              <a:effectLst/>
+              <a:uFillTx/>
+              <a:latin typeface="+mn-lt"/>
+              <a:ea typeface="+mn-ea"/>
+              <a:cs typeface="+mn-cs"/>
+              <a:sym typeface="Helvetica"/>
+            </a:endParaRPr>
+          </a:p>
         </p:txBody>
       </p:sp>
+      <p:pic>
+        <p:nvPicPr>
+          <p:cNvPr id="2" name="图片 1"/>
+          <p:cNvPicPr>
+            <a:picLocks noChangeAspect="1"/>
+          </p:cNvPicPr>
+          <p:nvPr/>
+        </p:nvPicPr>
+        <p:blipFill>
+          <a:blip r:embed="rId1"/>
+          <a:stretch>
+            <a:fillRect/>
+          </a:stretch>
+        </p:blipFill>
+        <p:spPr>
+          <a:xfrm>
+            <a:off x="3761105" y="2388870"/>
+            <a:ext cx="4912995" cy="3935730"/>
+          </a:xfrm>
+          <a:prstGeom prst="rect">
+            <a:avLst/>
+          </a:prstGeom>
+        </p:spPr>
+      </p:pic>
     </p:spTree>
   </p:cSld>
   <p:clrMapOvr>
@@ -6802,591 +10026,7 @@
 </p:sld>
 </file>
 
-<file path=ppt/slides/slide2.xml><?xml version="1.0" encoding="utf-8"?>
-<p:sld xmlns:a="http://schemas.openxmlformats.org/drawingml/2006/main" xmlns:r="http://schemas.openxmlformats.org/officeDocument/2006/relationships" xmlns:p="http://schemas.openxmlformats.org/presentationml/2006/main">
-  <p:cSld>
-    <p:spTree>
-      <p:nvGrpSpPr>
-        <p:cNvPr id="1" name=""/>
-        <p:cNvGrpSpPr/>
-        <p:nvPr/>
-      </p:nvGrpSpPr>
-      <p:grpSpPr>
-        <a:xfrm>
-          <a:off x="0" y="0"/>
-          <a:ext cx="0" cy="0"/>
-          <a:chOff x="0" y="0"/>
-          <a:chExt cx="0" cy="0"/>
-        </a:xfrm>
-      </p:grpSpPr>
-      <p:sp>
-        <p:nvSpPr>
-          <p:cNvPr id="3" name="文本框 2"/>
-          <p:cNvSpPr txBox="1"/>
-          <p:nvPr/>
-        </p:nvSpPr>
-        <p:spPr>
-          <a:xfrm>
-            <a:off x="845820" y="1226185"/>
-            <a:ext cx="9789160" cy="2583180"/>
-          </a:xfrm>
-          <a:prstGeom prst="rect">
-            <a:avLst/>
-          </a:prstGeom>
-          <a:noFill/>
-          <a:ln w="12700" cap="flat">
-            <a:noFill/>
-            <a:miter lim="400000"/>
-          </a:ln>
-        </p:spPr>
-        <p:style>
-          <a:lnRef idx="0">
-            <a:scrgbClr r="0" g="0" b="0"/>
-          </a:lnRef>
-          <a:fillRef idx="0">
-            <a:scrgbClr r="0" g="0" b="0"/>
-          </a:fillRef>
-          <a:effectRef idx="0">
-            <a:scrgbClr r="0" g="0" b="0"/>
-          </a:effectRef>
-          <a:fontRef idx="none"/>
-        </p:style>
-        <p:txBody>
-          <a:bodyPr rot="0" vertOverflow="overflow" horzOverflow="overflow" vert="horz" wrap="square" lIns="45718" tIns="45718" rIns="45718" bIns="45718" numCol="1" spcCol="38100" rtlCol="0" anchor="t" forceAA="0">
-            <a:spAutoFit/>
-          </a:bodyPr>
-          <a:p>
-            <a:pPr marL="0" marR="0" indent="0" algn="l" defTabSz="914400" rtl="0" fontAlgn="auto" latinLnBrk="0" hangingPunct="0">
-              <a:lnSpc>
-                <a:spcPct val="100000"/>
-              </a:lnSpc>
-              <a:spcBef>
-                <a:spcPts val="0"/>
-              </a:spcBef>
-              <a:spcAft>
-                <a:spcPts val="0"/>
-              </a:spcAft>
-              <a:buClrTx/>
-              <a:buSzTx/>
-              <a:buFontTx/>
-              <a:buNone/>
-            </a:pPr>
-            <a:r>
-              <a:rPr kumimoji="0" lang="en-US" altLang="zh-CN" sz="1800" b="0" i="0" u="none" strike="noStrike" cap="none" spc="0" normalizeH="0" baseline="0">
-                <a:ln>
-                  <a:noFill/>
-                </a:ln>
-                <a:solidFill>
-                  <a:srgbClr val="000000"/>
-                </a:solidFill>
-                <a:effectLst/>
-                <a:uFillTx/>
-                <a:latin typeface="+mn-lt"/>
-                <a:ea typeface="+mn-ea"/>
-                <a:cs typeface="+mn-cs"/>
-                <a:sym typeface="Helvetica"/>
-              </a:rPr>
-              <a:t>A</a:t>
-            </a:r>
-            <a:r>
-              <a:rPr kumimoji="0" lang="zh-CN" altLang="en-US" sz="1800" b="0" i="0" u="none" strike="noStrike" cap="none" spc="0" normalizeH="0" baseline="0">
-                <a:ln>
-                  <a:noFill/>
-                </a:ln>
-                <a:solidFill>
-                  <a:srgbClr val="000000"/>
-                </a:solidFill>
-                <a:effectLst/>
-                <a:uFillTx/>
-                <a:latin typeface="+mn-lt"/>
-                <a:ea typeface="+mn-ea"/>
-                <a:cs typeface="+mn-cs"/>
-                <a:sym typeface="Helvetica"/>
-              </a:rPr>
-              <a:t>：</a:t>
-            </a:r>
-            <a:r>
-              <a:rPr kumimoji="0" lang="en-US" altLang="zh-CN" sz="1800" b="0" i="0" u="none" strike="noStrike" cap="none" spc="0" normalizeH="0" baseline="0">
-                <a:ln>
-                  <a:noFill/>
-                </a:ln>
-                <a:solidFill>
-                  <a:srgbClr val="000000"/>
-                </a:solidFill>
-                <a:effectLst/>
-                <a:uFillTx/>
-                <a:latin typeface="+mn-lt"/>
-                <a:ea typeface="+mn-ea"/>
-                <a:cs typeface="+mn-cs"/>
-                <a:sym typeface="Helvetica"/>
-              </a:rPr>
-              <a:t>redis</a:t>
-            </a:r>
-            <a:r>
-              <a:rPr kumimoji="0" lang="zh-CN" altLang="en-US" sz="1800" b="0" i="0" u="none" strike="noStrike" cap="none" spc="0" normalizeH="0" baseline="0">
-                <a:ln>
-                  <a:noFill/>
-                </a:ln>
-                <a:solidFill>
-                  <a:srgbClr val="000000"/>
-                </a:solidFill>
-                <a:effectLst/>
-                <a:uFillTx/>
-                <a:latin typeface="+mn-lt"/>
-                <a:ea typeface="+mn-ea"/>
-                <a:cs typeface="+mn-cs"/>
-                <a:sym typeface="Helvetica"/>
-              </a:rPr>
-              <a:t>有几种集群策略？</a:t>
-            </a:r>
-            <a:endParaRPr lang="zh-CN" altLang="en-US">
-              <a:sym typeface="Helvetica"/>
-            </a:endParaRPr>
-          </a:p>
-          <a:p>
-            <a:pPr marL="0" marR="0" indent="0" algn="l" defTabSz="914400" rtl="0" fontAlgn="auto" latinLnBrk="0" hangingPunct="0">
-              <a:lnSpc>
-                <a:spcPct val="100000"/>
-              </a:lnSpc>
-              <a:spcBef>
-                <a:spcPts val="0"/>
-              </a:spcBef>
-              <a:spcAft>
-                <a:spcPts val="0"/>
-              </a:spcAft>
-              <a:buClrTx/>
-              <a:buSzTx/>
-              <a:buFontTx/>
-              <a:buNone/>
-            </a:pPr>
-            <a:r>
-              <a:rPr kumimoji="0" lang="en-US" altLang="zh-CN" sz="1800" b="0" i="0" u="none" strike="noStrike" cap="none" spc="0" normalizeH="0" baseline="0">
-                <a:ln>
-                  <a:noFill/>
-                </a:ln>
-                <a:solidFill>
-                  <a:srgbClr val="000000"/>
-                </a:solidFill>
-                <a:effectLst/>
-                <a:uFillTx/>
-                <a:latin typeface="+mn-lt"/>
-                <a:ea typeface="+mn-ea"/>
-                <a:cs typeface="+mn-cs"/>
-                <a:sym typeface="Helvetica"/>
-              </a:rPr>
-              <a:t>Q</a:t>
-            </a:r>
-            <a:r>
-              <a:rPr kumimoji="0" lang="zh-CN" altLang="en-US" sz="1800" b="0" i="0" u="none" strike="noStrike" cap="none" spc="0" normalizeH="0" baseline="0">
-                <a:ln>
-                  <a:noFill/>
-                </a:ln>
-                <a:solidFill>
-                  <a:srgbClr val="000000"/>
-                </a:solidFill>
-                <a:effectLst/>
-                <a:uFillTx/>
-                <a:latin typeface="+mn-lt"/>
-                <a:ea typeface="+mn-ea"/>
-                <a:cs typeface="+mn-cs"/>
-                <a:sym typeface="Helvetica"/>
-              </a:rPr>
-              <a:t>：</a:t>
-            </a:r>
-            <a:endParaRPr kumimoji="0" lang="zh-CN" altLang="en-US" sz="1800" b="0" i="0" u="none" strike="noStrike" cap="none" spc="0" normalizeH="0" baseline="0">
-              <a:ln>
-                <a:noFill/>
-              </a:ln>
-              <a:solidFill>
-                <a:srgbClr val="000000"/>
-              </a:solidFill>
-              <a:effectLst/>
-              <a:uFillTx/>
-              <a:latin typeface="+mn-lt"/>
-              <a:ea typeface="+mn-ea"/>
-              <a:cs typeface="+mn-cs"/>
-              <a:sym typeface="Helvetica"/>
-            </a:endParaRPr>
-          </a:p>
-          <a:p>
-            <a:pPr marL="0" marR="0" indent="0" algn="l" defTabSz="914400" rtl="0" fontAlgn="auto" latinLnBrk="0" hangingPunct="0">
-              <a:lnSpc>
-                <a:spcPct val="100000"/>
-              </a:lnSpc>
-              <a:spcBef>
-                <a:spcPts val="0"/>
-              </a:spcBef>
-              <a:spcAft>
-                <a:spcPts val="0"/>
-              </a:spcAft>
-              <a:buClrTx/>
-              <a:buSzTx/>
-              <a:buFontTx/>
-              <a:buNone/>
-            </a:pPr>
-            <a:endParaRPr kumimoji="0" lang="zh-CN" altLang="en-US" sz="1800" b="0" i="0" u="none" strike="noStrike" cap="none" spc="0" normalizeH="0" baseline="0">
-              <a:ln>
-                <a:noFill/>
-              </a:ln>
-              <a:solidFill>
-                <a:srgbClr val="000000"/>
-              </a:solidFill>
-              <a:effectLst/>
-              <a:uFillTx/>
-              <a:latin typeface="+mn-lt"/>
-              <a:ea typeface="+mn-ea"/>
-              <a:cs typeface="+mn-cs"/>
-              <a:sym typeface="Helvetica"/>
-            </a:endParaRPr>
-          </a:p>
-          <a:p>
-            <a:pPr marL="0" marR="0" indent="0" algn="l" defTabSz="914400" rtl="0" fontAlgn="auto" latinLnBrk="0" hangingPunct="0">
-              <a:lnSpc>
-                <a:spcPct val="100000"/>
-              </a:lnSpc>
-              <a:spcBef>
-                <a:spcPts val="0"/>
-              </a:spcBef>
-              <a:spcAft>
-                <a:spcPts val="0"/>
-              </a:spcAft>
-              <a:buClrTx/>
-              <a:buSzTx/>
-              <a:buFontTx/>
-              <a:buNone/>
-            </a:pPr>
-            <a:r>
-              <a:rPr kumimoji="0" lang="en-US" altLang="zh-CN" sz="1800" b="0" i="0" u="none" strike="noStrike" cap="none" spc="0" normalizeH="0" baseline="0">
-                <a:ln>
-                  <a:noFill/>
-                </a:ln>
-                <a:solidFill>
-                  <a:srgbClr val="000000"/>
-                </a:solidFill>
-                <a:effectLst/>
-                <a:uFillTx/>
-                <a:latin typeface="+mn-lt"/>
-                <a:ea typeface="+mn-ea"/>
-                <a:cs typeface="+mn-cs"/>
-                <a:sym typeface="Helvetica"/>
-              </a:rPr>
-              <a:t>A</a:t>
-            </a:r>
-            <a:r>
-              <a:rPr kumimoji="0" lang="zh-CN" altLang="en-US" sz="1800" b="0" i="0" u="none" strike="noStrike" cap="none" spc="0" normalizeH="0" baseline="0">
-                <a:ln>
-                  <a:noFill/>
-                </a:ln>
-                <a:solidFill>
-                  <a:srgbClr val="000000"/>
-                </a:solidFill>
-                <a:effectLst/>
-                <a:uFillTx/>
-                <a:latin typeface="+mn-lt"/>
-                <a:ea typeface="+mn-ea"/>
-                <a:cs typeface="+mn-cs"/>
-                <a:sym typeface="Helvetica"/>
-              </a:rPr>
-              <a:t>：项目中用到哪些？</a:t>
-            </a:r>
-            <a:endParaRPr kumimoji="0" lang="zh-CN" altLang="en-US" sz="1800" b="0" i="0" u="none" strike="noStrike" cap="none" spc="0" normalizeH="0" baseline="0">
-              <a:ln>
-                <a:noFill/>
-              </a:ln>
-              <a:solidFill>
-                <a:srgbClr val="000000"/>
-              </a:solidFill>
-              <a:effectLst/>
-              <a:uFillTx/>
-              <a:latin typeface="+mn-lt"/>
-              <a:ea typeface="+mn-ea"/>
-              <a:cs typeface="+mn-cs"/>
-              <a:sym typeface="Helvetica"/>
-            </a:endParaRPr>
-          </a:p>
-          <a:p>
-            <a:pPr marL="0" marR="0" indent="0" algn="l" defTabSz="914400" rtl="0" fontAlgn="auto" latinLnBrk="0" hangingPunct="0">
-              <a:lnSpc>
-                <a:spcPct val="100000"/>
-              </a:lnSpc>
-              <a:spcBef>
-                <a:spcPts val="0"/>
-              </a:spcBef>
-              <a:spcAft>
-                <a:spcPts val="0"/>
-              </a:spcAft>
-              <a:buClrTx/>
-              <a:buSzTx/>
-              <a:buFontTx/>
-              <a:buNone/>
-            </a:pPr>
-            <a:r>
-              <a:rPr kumimoji="0" lang="en-US" altLang="zh-CN" sz="1800" b="0" i="0" u="none" strike="noStrike" cap="none" spc="0" normalizeH="0" baseline="0">
-                <a:ln>
-                  <a:noFill/>
-                </a:ln>
-                <a:solidFill>
-                  <a:srgbClr val="000000"/>
-                </a:solidFill>
-                <a:effectLst/>
-                <a:uFillTx/>
-                <a:latin typeface="+mn-lt"/>
-                <a:ea typeface="+mn-ea"/>
-                <a:cs typeface="+mn-cs"/>
-                <a:sym typeface="Helvetica"/>
-              </a:rPr>
-              <a:t>Q</a:t>
-            </a:r>
-            <a:r>
-              <a:rPr kumimoji="0" lang="zh-CN" altLang="en-US" sz="1800" b="0" i="0" u="none" strike="noStrike" cap="none" spc="0" normalizeH="0" baseline="0">
-                <a:ln>
-                  <a:noFill/>
-                </a:ln>
-                <a:solidFill>
-                  <a:srgbClr val="000000"/>
-                </a:solidFill>
-                <a:effectLst/>
-                <a:uFillTx/>
-                <a:latin typeface="+mn-lt"/>
-                <a:ea typeface="+mn-ea"/>
-                <a:cs typeface="+mn-cs"/>
-                <a:sym typeface="Helvetica"/>
-              </a:rPr>
-              <a:t>：</a:t>
-            </a:r>
-            <a:endParaRPr kumimoji="0" lang="zh-CN" altLang="en-US" sz="1800" b="0" i="0" u="none" strike="noStrike" cap="none" spc="0" normalizeH="0" baseline="0">
-              <a:ln>
-                <a:noFill/>
-              </a:ln>
-              <a:solidFill>
-                <a:srgbClr val="000000"/>
-              </a:solidFill>
-              <a:effectLst/>
-              <a:uFillTx/>
-              <a:latin typeface="+mn-lt"/>
-              <a:ea typeface="+mn-ea"/>
-              <a:cs typeface="+mn-cs"/>
-              <a:sym typeface="Helvetica"/>
-            </a:endParaRPr>
-          </a:p>
-          <a:p>
-            <a:pPr marL="0" marR="0" indent="0" algn="l" defTabSz="914400" rtl="0" fontAlgn="auto" latinLnBrk="0" hangingPunct="0">
-              <a:lnSpc>
-                <a:spcPct val="100000"/>
-              </a:lnSpc>
-              <a:spcBef>
-                <a:spcPts val="0"/>
-              </a:spcBef>
-              <a:spcAft>
-                <a:spcPts val="0"/>
-              </a:spcAft>
-              <a:buClrTx/>
-              <a:buSzTx/>
-              <a:buFontTx/>
-              <a:buNone/>
-            </a:pPr>
-            <a:endParaRPr kumimoji="0" lang="zh-CN" altLang="en-US" sz="1800" b="0" i="0" u="none" strike="noStrike" cap="none" spc="0" normalizeH="0" baseline="0">
-              <a:ln>
-                <a:noFill/>
-              </a:ln>
-              <a:solidFill>
-                <a:srgbClr val="000000"/>
-              </a:solidFill>
-              <a:effectLst/>
-              <a:uFillTx/>
-              <a:latin typeface="+mn-lt"/>
-              <a:ea typeface="+mn-ea"/>
-              <a:cs typeface="+mn-cs"/>
-              <a:sym typeface="Helvetica"/>
-            </a:endParaRPr>
-          </a:p>
-          <a:p>
-            <a:pPr marL="0" marR="0" indent="0" algn="l" defTabSz="914400" rtl="0" fontAlgn="auto" latinLnBrk="0" hangingPunct="0">
-              <a:lnSpc>
-                <a:spcPct val="100000"/>
-              </a:lnSpc>
-              <a:spcBef>
-                <a:spcPts val="0"/>
-              </a:spcBef>
-              <a:spcAft>
-                <a:spcPts val="0"/>
-              </a:spcAft>
-              <a:buClrTx/>
-              <a:buSzTx/>
-              <a:buFontTx/>
-              <a:buNone/>
-            </a:pPr>
-            <a:r>
-              <a:rPr kumimoji="0" lang="en-US" altLang="zh-CN" sz="1800" b="0" i="0" u="none" strike="noStrike" cap="none" spc="0" normalizeH="0" baseline="0">
-                <a:ln>
-                  <a:noFill/>
-                </a:ln>
-                <a:solidFill>
-                  <a:srgbClr val="000000"/>
-                </a:solidFill>
-                <a:effectLst/>
-                <a:uFillTx/>
-                <a:latin typeface="+mn-lt"/>
-                <a:ea typeface="+mn-ea"/>
-                <a:cs typeface="+mn-cs"/>
-                <a:sym typeface="Helvetica"/>
-              </a:rPr>
-              <a:t>A</a:t>
-            </a:r>
-            <a:r>
-              <a:rPr kumimoji="0" lang="zh-CN" altLang="en-US" sz="1800" b="0" i="0" u="none" strike="noStrike" cap="none" spc="0" normalizeH="0" baseline="0">
-                <a:ln>
-                  <a:noFill/>
-                </a:ln>
-                <a:solidFill>
-                  <a:srgbClr val="000000"/>
-                </a:solidFill>
-                <a:effectLst/>
-                <a:uFillTx/>
-                <a:latin typeface="+mn-lt"/>
-                <a:ea typeface="+mn-ea"/>
-                <a:cs typeface="+mn-cs"/>
-                <a:sym typeface="Helvetica"/>
-              </a:rPr>
-              <a:t>：实现原理是什么？</a:t>
-            </a:r>
-            <a:endParaRPr kumimoji="0" lang="zh-CN" altLang="en-US" sz="1800" b="0" i="0" u="none" strike="noStrike" cap="none" spc="0" normalizeH="0" baseline="0">
-              <a:ln>
-                <a:noFill/>
-              </a:ln>
-              <a:solidFill>
-                <a:srgbClr val="000000"/>
-              </a:solidFill>
-              <a:effectLst/>
-              <a:uFillTx/>
-              <a:latin typeface="+mn-lt"/>
-              <a:ea typeface="+mn-ea"/>
-              <a:cs typeface="+mn-cs"/>
-              <a:sym typeface="Helvetica"/>
-            </a:endParaRPr>
-          </a:p>
-          <a:p>
-            <a:pPr marL="0" marR="0" indent="0" algn="l" defTabSz="914400" rtl="0" fontAlgn="auto" latinLnBrk="0" hangingPunct="0">
-              <a:lnSpc>
-                <a:spcPct val="100000"/>
-              </a:lnSpc>
-              <a:spcBef>
-                <a:spcPts val="0"/>
-              </a:spcBef>
-              <a:spcAft>
-                <a:spcPts val="0"/>
-              </a:spcAft>
-              <a:buClrTx/>
-              <a:buSzTx/>
-              <a:buFontTx/>
-              <a:buNone/>
-            </a:pPr>
-            <a:r>
-              <a:rPr kumimoji="0" lang="en-US" altLang="zh-CN" sz="1800" b="0" i="0" u="none" strike="noStrike" cap="none" spc="0" normalizeH="0" baseline="0">
-                <a:ln>
-                  <a:noFill/>
-                </a:ln>
-                <a:solidFill>
-                  <a:srgbClr val="000000"/>
-                </a:solidFill>
-                <a:effectLst/>
-                <a:uFillTx/>
-                <a:latin typeface="+mn-lt"/>
-                <a:ea typeface="+mn-ea"/>
-                <a:cs typeface="+mn-cs"/>
-                <a:sym typeface="Helvetica"/>
-              </a:rPr>
-              <a:t>Q</a:t>
-            </a:r>
-            <a:r>
-              <a:rPr kumimoji="0" lang="zh-CN" altLang="en-US" sz="1800" b="0" i="0" u="none" strike="noStrike" cap="none" spc="0" normalizeH="0" baseline="0">
-                <a:ln>
-                  <a:noFill/>
-                </a:ln>
-                <a:solidFill>
-                  <a:srgbClr val="000000"/>
-                </a:solidFill>
-                <a:effectLst/>
-                <a:uFillTx/>
-                <a:latin typeface="+mn-lt"/>
-                <a:ea typeface="+mn-ea"/>
-                <a:cs typeface="+mn-cs"/>
-                <a:sym typeface="Helvetica"/>
-              </a:rPr>
-              <a:t>：</a:t>
-            </a:r>
-            <a:endParaRPr kumimoji="0" lang="zh-CN" altLang="en-US" sz="1800" b="0" i="0" u="none" strike="noStrike" cap="none" spc="0" normalizeH="0" baseline="0">
-              <a:ln>
-                <a:noFill/>
-              </a:ln>
-              <a:solidFill>
-                <a:srgbClr val="000000"/>
-              </a:solidFill>
-              <a:effectLst/>
-              <a:uFillTx/>
-              <a:latin typeface="+mn-lt"/>
-              <a:ea typeface="+mn-ea"/>
-              <a:cs typeface="+mn-cs"/>
-              <a:sym typeface="Helvetica"/>
-            </a:endParaRPr>
-          </a:p>
-          <a:p>
-            <a:pPr marL="0" marR="0" indent="0" algn="l" defTabSz="914400" rtl="0" fontAlgn="auto" latinLnBrk="0" hangingPunct="0">
-              <a:lnSpc>
-                <a:spcPct val="100000"/>
-              </a:lnSpc>
-              <a:spcBef>
-                <a:spcPts val="0"/>
-              </a:spcBef>
-              <a:spcAft>
-                <a:spcPts val="0"/>
-              </a:spcAft>
-              <a:buClrTx/>
-              <a:buSzTx/>
-              <a:buFontTx/>
-              <a:buNone/>
-            </a:pPr>
-            <a:endParaRPr kumimoji="0" lang="zh-CN" altLang="en-US" sz="1800" b="0" i="0" u="none" strike="noStrike" cap="none" spc="0" normalizeH="0" baseline="0">
-              <a:ln>
-                <a:noFill/>
-              </a:ln>
-              <a:solidFill>
-                <a:srgbClr val="000000"/>
-              </a:solidFill>
-              <a:effectLst/>
-              <a:uFillTx/>
-              <a:latin typeface="+mn-lt"/>
-              <a:ea typeface="+mn-ea"/>
-              <a:cs typeface="+mn-cs"/>
-              <a:sym typeface="Helvetica"/>
-            </a:endParaRPr>
-          </a:p>
-        </p:txBody>
-      </p:sp>
-    </p:spTree>
-  </p:cSld>
-  <p:clrMapOvr>
-    <a:masterClrMapping/>
-  </p:clrMapOvr>
-  <mc:AlternateContent xmlns:mc="http://schemas.openxmlformats.org/markup-compatibility/2006">
-    <mc:Choice xmlns:p14="http://schemas.microsoft.com/office/powerpoint/2010/main" Requires="p14">
-      <p:transition p14:dur="0" advClick="0" advTm="0"/>
-    </mc:Choice>
-    <mc:Fallback>
-      <p:transition advClick="0" advTm="0"/>
-    </mc:Fallback>
-  </mc:AlternateContent>
-  <p:timing>
-    <p:tnLst>
-      <p:par>
-        <p:cTn id="1" dur="indefinite" restart="never" fill="hold" nodeType="tmRoot"/>
-      </p:par>
-    </p:tnLst>
-  </p:timing>
-</p:sld>
-</file>
-
-<file path=ppt/slides/slide20.xml><?xml version="1.0" encoding="utf-8"?>
+<file path=ppt/slides/slide24.xml><?xml version="1.0" encoding="utf-8"?>
 <p:sld xmlns:a="http://schemas.openxmlformats.org/drawingml/2006/main" xmlns:r="http://schemas.openxmlformats.org/officeDocument/2006/relationships" xmlns:p="http://schemas.openxmlformats.org/presentationml/2006/main">
   <p:cSld>
     <p:spTree>
@@ -7412,7 +10052,7 @@
         <p:spPr>
           <a:xfrm>
             <a:off x="793750" y="1057910"/>
-            <a:ext cx="10435590" cy="643890"/>
+            <a:ext cx="10435590" cy="1475105"/>
           </a:xfrm>
           <a:prstGeom prst="rect">
             <a:avLst/>
@@ -7535,8 +10175,111 @@
               <a:sym typeface="Helvetica"/>
             </a:endParaRPr>
           </a:p>
+          <a:p>
+            <a:pPr marL="0" marR="0" indent="0" algn="l" defTabSz="914400" rtl="0" fontAlgn="auto" latinLnBrk="0" hangingPunct="0">
+              <a:lnSpc>
+                <a:spcPct val="100000"/>
+              </a:lnSpc>
+              <a:spcBef>
+                <a:spcPts val="0"/>
+              </a:spcBef>
+              <a:spcAft>
+                <a:spcPts val="0"/>
+              </a:spcAft>
+              <a:buClrTx/>
+              <a:buSzTx/>
+              <a:buFontTx/>
+              <a:buNone/>
+            </a:pPr>
+            <a:r>
+              <a:rPr kumimoji="0" lang="zh-CN" altLang="en-US" sz="1800" b="0" i="0" u="none" strike="noStrike" cap="none" spc="0" normalizeH="0" baseline="0">
+                <a:ln>
+                  <a:noFill/>
+                </a:ln>
+                <a:solidFill>
+                  <a:srgbClr val="000000"/>
+                </a:solidFill>
+                <a:effectLst/>
+                <a:uFillTx/>
+                <a:latin typeface="+mn-lt"/>
+                <a:ea typeface="+mn-ea"/>
+                <a:cs typeface="+mn-cs"/>
+                <a:sym typeface="Helvetica"/>
+              </a:rPr>
+              <a:t>集群模式下，整个数据库被划分为16384个槽，每个键占用其中的一个槽，每个节点可以处理0个或多个槽。只有当所有的槽都有节点在处理时，集群才处于上线状态。</a:t>
+            </a:r>
+            <a:endParaRPr kumimoji="0" lang="zh-CN" altLang="en-US" sz="1800" b="0" i="0" u="none" strike="noStrike" cap="none" spc="0" normalizeH="0" baseline="0">
+              <a:ln>
+                <a:noFill/>
+              </a:ln>
+              <a:solidFill>
+                <a:srgbClr val="000000"/>
+              </a:solidFill>
+              <a:effectLst/>
+              <a:uFillTx/>
+              <a:latin typeface="+mn-lt"/>
+              <a:ea typeface="+mn-ea"/>
+              <a:cs typeface="+mn-cs"/>
+              <a:sym typeface="Helvetica"/>
+            </a:endParaRPr>
+          </a:p>
+          <a:p>
+            <a:pPr marL="0" marR="0" indent="0" algn="l" defTabSz="914400" rtl="0" fontAlgn="auto" latinLnBrk="0" hangingPunct="0">
+              <a:lnSpc>
+                <a:spcPct val="100000"/>
+              </a:lnSpc>
+              <a:spcBef>
+                <a:spcPts val="0"/>
+              </a:spcBef>
+              <a:spcAft>
+                <a:spcPts val="0"/>
+              </a:spcAft>
+              <a:buClrTx/>
+              <a:buSzTx/>
+              <a:buFontTx/>
+              <a:buNone/>
+            </a:pPr>
+            <a:endParaRPr kumimoji="0" lang="zh-CN" altLang="en-US" sz="1800" b="0" i="0" u="none" strike="noStrike" cap="none" spc="0" normalizeH="0" baseline="0">
+              <a:ln>
+                <a:noFill/>
+              </a:ln>
+              <a:solidFill>
+                <a:srgbClr val="000000"/>
+              </a:solidFill>
+              <a:effectLst/>
+              <a:uFillTx/>
+              <a:latin typeface="+mn-lt"/>
+              <a:ea typeface="+mn-ea"/>
+              <a:cs typeface="+mn-cs"/>
+              <a:sym typeface="Helvetica"/>
+            </a:endParaRPr>
+          </a:p>
         </p:txBody>
       </p:sp>
+      <p:pic>
+        <p:nvPicPr>
+          <p:cNvPr id="2" name="图片 1"/>
+          <p:cNvPicPr>
+            <a:picLocks noChangeAspect="1"/>
+          </p:cNvPicPr>
+          <p:nvPr/>
+        </p:nvPicPr>
+        <p:blipFill>
+          <a:blip r:embed="rId1"/>
+          <a:stretch>
+            <a:fillRect/>
+          </a:stretch>
+        </p:blipFill>
+        <p:spPr>
+          <a:xfrm>
+            <a:off x="2239010" y="2896870"/>
+            <a:ext cx="7877175" cy="3190875"/>
+          </a:xfrm>
+          <a:prstGeom prst="rect">
+            <a:avLst/>
+          </a:prstGeom>
+        </p:spPr>
+      </p:pic>
     </p:spTree>
   </p:cSld>
   <p:clrMapOvr>
@@ -7560,7 +10303,7 @@
 </p:sld>
 </file>
 
-<file path=ppt/slides/slide21.xml><?xml version="1.0" encoding="utf-8"?>
+<file path=ppt/slides/slide25.xml><?xml version="1.0" encoding="utf-8"?>
 <p:sld xmlns:a="http://schemas.openxmlformats.org/drawingml/2006/main" xmlns:r="http://schemas.openxmlformats.org/officeDocument/2006/relationships" xmlns:p="http://schemas.openxmlformats.org/presentationml/2006/main">
   <p:cSld>
     <p:spTree>
@@ -7586,7 +10329,7 @@
         <p:spPr>
           <a:xfrm>
             <a:off x="793750" y="1057910"/>
-            <a:ext cx="10435590" cy="643890"/>
+            <a:ext cx="10435590" cy="1475105"/>
           </a:xfrm>
           <a:prstGeom prst="rect">
             <a:avLst/>
@@ -7645,6 +10388,283 @@
                 <a:sym typeface="Helvetica"/>
               </a:rPr>
               <a:t>4.2 </a:t>
+            </a:r>
+            <a:r>
+              <a:rPr kumimoji="0" lang="zh-CN" altLang="en-US" sz="1800" b="0" i="0" u="none" strike="noStrike" cap="none" spc="0" normalizeH="0" baseline="0">
+                <a:ln>
+                  <a:noFill/>
+                </a:ln>
+                <a:solidFill>
+                  <a:srgbClr val="000000"/>
+                </a:solidFill>
+                <a:effectLst/>
+                <a:uFillTx/>
+                <a:latin typeface="+mn-lt"/>
+                <a:ea typeface="+mn-ea"/>
+                <a:cs typeface="+mn-cs"/>
+                <a:sym typeface="Helvetica"/>
+              </a:rPr>
+              <a:t>在集群中执行命令</a:t>
+            </a:r>
+            <a:endParaRPr kumimoji="0" lang="zh-CN" altLang="en-US" sz="1800" b="0" i="0" u="none" strike="noStrike" cap="none" spc="0" normalizeH="0" baseline="0">
+              <a:ln>
+                <a:noFill/>
+              </a:ln>
+              <a:solidFill>
+                <a:srgbClr val="000000"/>
+              </a:solidFill>
+              <a:effectLst/>
+              <a:uFillTx/>
+              <a:latin typeface="+mn-lt"/>
+              <a:ea typeface="+mn-ea"/>
+              <a:cs typeface="+mn-cs"/>
+              <a:sym typeface="Helvetica"/>
+            </a:endParaRPr>
+          </a:p>
+          <a:p>
+            <a:pPr marL="0" marR="0" indent="0" algn="l" defTabSz="914400" rtl="0" fontAlgn="auto" latinLnBrk="0" hangingPunct="0">
+              <a:lnSpc>
+                <a:spcPct val="100000"/>
+              </a:lnSpc>
+              <a:spcBef>
+                <a:spcPts val="0"/>
+              </a:spcBef>
+              <a:spcAft>
+                <a:spcPts val="0"/>
+              </a:spcAft>
+              <a:buClrTx/>
+              <a:buSzTx/>
+              <a:buFontTx/>
+              <a:buNone/>
+            </a:pPr>
+            <a:endParaRPr kumimoji="0" lang="zh-CN" altLang="en-US" sz="1800" b="0" i="0" u="none" strike="noStrike" cap="none" spc="0" normalizeH="0" baseline="0">
+              <a:ln>
+                <a:noFill/>
+              </a:ln>
+              <a:solidFill>
+                <a:srgbClr val="000000"/>
+              </a:solidFill>
+              <a:effectLst/>
+              <a:uFillTx/>
+              <a:latin typeface="+mn-lt"/>
+              <a:ea typeface="+mn-ea"/>
+              <a:cs typeface="+mn-cs"/>
+              <a:sym typeface="Helvetica"/>
+            </a:endParaRPr>
+          </a:p>
+          <a:p>
+            <a:pPr marL="0" marR="0" indent="0" algn="l" defTabSz="914400" rtl="0" fontAlgn="auto" latinLnBrk="0" hangingPunct="0">
+              <a:lnSpc>
+                <a:spcPct val="100000"/>
+              </a:lnSpc>
+              <a:spcBef>
+                <a:spcPts val="0"/>
+              </a:spcBef>
+              <a:spcAft>
+                <a:spcPts val="0"/>
+              </a:spcAft>
+              <a:buClrTx/>
+              <a:buSzTx/>
+              <a:buFontTx/>
+              <a:buNone/>
+            </a:pPr>
+            <a:r>
+              <a:rPr kumimoji="0" lang="zh-CN" altLang="en-US" sz="1800" b="0" i="0" u="none" strike="noStrike" cap="none" spc="0" normalizeH="0" baseline="0">
+                <a:ln>
+                  <a:noFill/>
+                </a:ln>
+                <a:solidFill>
+                  <a:srgbClr val="000000"/>
+                </a:solidFill>
+                <a:effectLst/>
+                <a:uFillTx/>
+                <a:latin typeface="+mn-lt"/>
+                <a:ea typeface="+mn-ea"/>
+                <a:cs typeface="+mn-cs"/>
+                <a:sym typeface="Helvetica"/>
+              </a:rPr>
+              <a:t>在对数据库中的16384个槽都进行了指派之后，集群会进入上线状态，这时客户端就可以向集群中的节点发送数据命令了。</a:t>
+            </a:r>
+            <a:endParaRPr kumimoji="0" lang="zh-CN" altLang="en-US" sz="1800" b="0" i="0" u="none" strike="noStrike" cap="none" spc="0" normalizeH="0" baseline="0">
+              <a:ln>
+                <a:noFill/>
+              </a:ln>
+              <a:solidFill>
+                <a:srgbClr val="000000"/>
+              </a:solidFill>
+              <a:effectLst/>
+              <a:uFillTx/>
+              <a:latin typeface="+mn-lt"/>
+              <a:ea typeface="+mn-ea"/>
+              <a:cs typeface="+mn-cs"/>
+              <a:sym typeface="Helvetica"/>
+            </a:endParaRPr>
+          </a:p>
+          <a:p>
+            <a:pPr marL="0" marR="0" indent="0" algn="l" defTabSz="914400" rtl="0" fontAlgn="auto" latinLnBrk="0" hangingPunct="0">
+              <a:lnSpc>
+                <a:spcPct val="100000"/>
+              </a:lnSpc>
+              <a:spcBef>
+                <a:spcPts val="0"/>
+              </a:spcBef>
+              <a:spcAft>
+                <a:spcPts val="0"/>
+              </a:spcAft>
+              <a:buClrTx/>
+              <a:buSzTx/>
+              <a:buFontTx/>
+              <a:buNone/>
+            </a:pPr>
+            <a:endParaRPr kumimoji="0" lang="zh-CN" altLang="en-US" sz="1800" b="0" i="0" u="none" strike="noStrike" cap="none" spc="0" normalizeH="0" baseline="0">
+              <a:ln>
+                <a:noFill/>
+              </a:ln>
+              <a:solidFill>
+                <a:srgbClr val="000000"/>
+              </a:solidFill>
+              <a:effectLst/>
+              <a:uFillTx/>
+              <a:latin typeface="+mn-lt"/>
+              <a:ea typeface="+mn-ea"/>
+              <a:cs typeface="+mn-cs"/>
+              <a:sym typeface="Helvetica"/>
+            </a:endParaRPr>
+          </a:p>
+        </p:txBody>
+      </p:sp>
+      <p:pic>
+        <p:nvPicPr>
+          <p:cNvPr id="3" name="图片 2"/>
+          <p:cNvPicPr>
+            <a:picLocks noChangeAspect="1"/>
+          </p:cNvPicPr>
+          <p:nvPr/>
+        </p:nvPicPr>
+        <p:blipFill>
+          <a:blip r:embed="rId1"/>
+          <a:stretch>
+            <a:fillRect/>
+          </a:stretch>
+        </p:blipFill>
+        <p:spPr>
+          <a:xfrm>
+            <a:off x="2858135" y="2533015"/>
+            <a:ext cx="6638925" cy="3429000"/>
+          </a:xfrm>
+          <a:prstGeom prst="rect">
+            <a:avLst/>
+          </a:prstGeom>
+        </p:spPr>
+      </p:pic>
+    </p:spTree>
+  </p:cSld>
+  <p:clrMapOvr>
+    <a:masterClrMapping/>
+  </p:clrMapOvr>
+  <mc:AlternateContent xmlns:mc="http://schemas.openxmlformats.org/markup-compatibility/2006">
+    <mc:Choice xmlns:p14="http://schemas.microsoft.com/office/powerpoint/2010/main" Requires="p14">
+      <p:transition p14:dur="0" advClick="0" advTm="0"/>
+    </mc:Choice>
+    <mc:Fallback>
+      <p:transition advClick="0" advTm="0"/>
+    </mc:Fallback>
+  </mc:AlternateContent>
+  <p:timing>
+    <p:tnLst>
+      <p:par>
+        <p:cTn id="1" dur="indefinite" restart="never" fill="hold" nodeType="tmRoot"/>
+      </p:par>
+    </p:tnLst>
+  </p:timing>
+</p:sld>
+</file>
+
+<file path=ppt/slides/slide26.xml><?xml version="1.0" encoding="utf-8"?>
+<p:sld xmlns:a="http://schemas.openxmlformats.org/drawingml/2006/main" xmlns:r="http://schemas.openxmlformats.org/officeDocument/2006/relationships" xmlns:p="http://schemas.openxmlformats.org/presentationml/2006/main">
+  <p:cSld>
+    <p:spTree>
+      <p:nvGrpSpPr>
+        <p:cNvPr id="1" name=""/>
+        <p:cNvGrpSpPr/>
+        <p:nvPr/>
+      </p:nvGrpSpPr>
+      <p:grpSpPr>
+        <a:xfrm>
+          <a:off x="0" y="0"/>
+          <a:ext cx="0" cy="0"/>
+          <a:chOff x="0" y="0"/>
+          <a:chExt cx="0" cy="0"/>
+        </a:xfrm>
+      </p:grpSpPr>
+      <p:sp>
+        <p:nvSpPr>
+          <p:cNvPr id="7" name="文本框 6"/>
+          <p:cNvSpPr txBox="1"/>
+          <p:nvPr/>
+        </p:nvSpPr>
+        <p:spPr>
+          <a:xfrm>
+            <a:off x="793750" y="1057910"/>
+            <a:ext cx="10435590" cy="1475105"/>
+          </a:xfrm>
+          <a:prstGeom prst="rect">
+            <a:avLst/>
+          </a:prstGeom>
+          <a:noFill/>
+          <a:ln w="12700" cap="flat">
+            <a:noFill/>
+            <a:miter lim="400000"/>
+          </a:ln>
+        </p:spPr>
+        <p:style>
+          <a:lnRef idx="0">
+            <a:scrgbClr r="0" g="0" b="0"/>
+          </a:lnRef>
+          <a:fillRef idx="0">
+            <a:scrgbClr r="0" g="0" b="0"/>
+          </a:fillRef>
+          <a:effectRef idx="0">
+            <a:scrgbClr r="0" g="0" b="0"/>
+          </a:effectRef>
+          <a:fontRef idx="none"/>
+        </p:style>
+        <p:txBody>
+          <a:bodyPr rot="0" vertOverflow="overflow" horzOverflow="overflow" vert="horz" wrap="square" lIns="45718" tIns="45718" rIns="45718" bIns="45718" numCol="1" spcCol="38100" rtlCol="0" anchor="t" forceAA="0">
+            <a:spAutoFit/>
+          </a:bodyPr>
+          <a:p>
+            <a:pPr marL="0" marR="0" indent="0" algn="l" defTabSz="914400" rtl="0" fontAlgn="auto" latinLnBrk="0" hangingPunct="0">
+              <a:lnSpc>
+                <a:spcPct val="100000"/>
+              </a:lnSpc>
+              <a:spcBef>
+                <a:spcPts val="0"/>
+              </a:spcBef>
+              <a:spcAft>
+                <a:spcPts val="0"/>
+              </a:spcAft>
+              <a:buClrTx/>
+              <a:buSzTx/>
+              <a:buFontTx/>
+              <a:buNone/>
+            </a:pPr>
+            <a:r>
+              <a:rPr kumimoji="0" lang="en-US" altLang="zh-CN" sz="1800" b="0" i="0" u="none" strike="noStrike" cap="none" spc="0" normalizeH="0" baseline="0">
+                <a:ln>
+                  <a:noFill/>
+                </a:ln>
+                <a:solidFill>
+                  <a:srgbClr val="000000"/>
+                </a:solidFill>
+                <a:effectLst/>
+                <a:uFillTx/>
+                <a:latin typeface="+mn-lt"/>
+                <a:ea typeface="+mn-ea"/>
+                <a:cs typeface="+mn-cs"/>
+                <a:sym typeface="Helvetica"/>
+              </a:rPr>
+              <a:t>4.3 </a:t>
             </a:r>
             <a:r>
               <a:rPr kumimoji="0" lang="zh-CN" altLang="en-US" sz="1800" b="0" i="0" u="none" strike="noStrike" cap="none" spc="0" normalizeH="0" baseline="0">
@@ -7709,8 +10729,111 @@
               <a:sym typeface="Helvetica"/>
             </a:endParaRPr>
           </a:p>
+          <a:p>
+            <a:pPr marL="0" marR="0" indent="0" algn="l" defTabSz="914400" rtl="0" fontAlgn="auto" latinLnBrk="0" hangingPunct="0">
+              <a:lnSpc>
+                <a:spcPct val="100000"/>
+              </a:lnSpc>
+              <a:spcBef>
+                <a:spcPts val="0"/>
+              </a:spcBef>
+              <a:spcAft>
+                <a:spcPts val="0"/>
+              </a:spcAft>
+              <a:buClrTx/>
+              <a:buSzTx/>
+              <a:buFontTx/>
+              <a:buNone/>
+            </a:pPr>
+            <a:r>
+              <a:rPr kumimoji="0" lang="zh-CN" altLang="en-US" sz="1800" b="0" i="0" u="none" strike="noStrike" cap="none" spc="0" normalizeH="0" baseline="0">
+                <a:ln>
+                  <a:noFill/>
+                </a:ln>
+                <a:solidFill>
+                  <a:srgbClr val="000000"/>
+                </a:solidFill>
+                <a:effectLst/>
+                <a:uFillTx/>
+                <a:latin typeface="+mn-lt"/>
+                <a:ea typeface="+mn-ea"/>
+                <a:cs typeface="+mn-cs"/>
+                <a:sym typeface="Helvetica"/>
+              </a:rPr>
+              <a:t>Redis集群的重新分片操作可以将任意数量已经指派给某个源节点的槽改为指派给另一个目标节点，并且相关槽所属的键值对也会从源节点移动到目标节点。</a:t>
+            </a:r>
+            <a:endParaRPr kumimoji="0" lang="zh-CN" altLang="en-US" sz="1800" b="0" i="0" u="none" strike="noStrike" cap="none" spc="0" normalizeH="0" baseline="0">
+              <a:ln>
+                <a:noFill/>
+              </a:ln>
+              <a:solidFill>
+                <a:srgbClr val="000000"/>
+              </a:solidFill>
+              <a:effectLst/>
+              <a:uFillTx/>
+              <a:latin typeface="+mn-lt"/>
+              <a:ea typeface="+mn-ea"/>
+              <a:cs typeface="+mn-cs"/>
+              <a:sym typeface="Helvetica"/>
+            </a:endParaRPr>
+          </a:p>
+          <a:p>
+            <a:pPr marL="0" marR="0" indent="0" algn="l" defTabSz="914400" rtl="0" fontAlgn="auto" latinLnBrk="0" hangingPunct="0">
+              <a:lnSpc>
+                <a:spcPct val="100000"/>
+              </a:lnSpc>
+              <a:spcBef>
+                <a:spcPts val="0"/>
+              </a:spcBef>
+              <a:spcAft>
+                <a:spcPts val="0"/>
+              </a:spcAft>
+              <a:buClrTx/>
+              <a:buSzTx/>
+              <a:buFontTx/>
+              <a:buNone/>
+            </a:pPr>
+            <a:endParaRPr kumimoji="0" lang="zh-CN" altLang="en-US" sz="1800" b="0" i="0" u="none" strike="noStrike" cap="none" spc="0" normalizeH="0" baseline="0">
+              <a:ln>
+                <a:noFill/>
+              </a:ln>
+              <a:solidFill>
+                <a:srgbClr val="000000"/>
+              </a:solidFill>
+              <a:effectLst/>
+              <a:uFillTx/>
+              <a:latin typeface="+mn-lt"/>
+              <a:ea typeface="+mn-ea"/>
+              <a:cs typeface="+mn-cs"/>
+              <a:sym typeface="Helvetica"/>
+            </a:endParaRPr>
+          </a:p>
         </p:txBody>
       </p:sp>
+      <p:pic>
+        <p:nvPicPr>
+          <p:cNvPr id="2" name="图片 1"/>
+          <p:cNvPicPr>
+            <a:picLocks noChangeAspect="1"/>
+          </p:cNvPicPr>
+          <p:nvPr/>
+        </p:nvPicPr>
+        <p:blipFill>
+          <a:blip r:embed="rId1"/>
+          <a:stretch>
+            <a:fillRect/>
+          </a:stretch>
+        </p:blipFill>
+        <p:spPr>
+          <a:xfrm>
+            <a:off x="4425950" y="2533015"/>
+            <a:ext cx="3171825" cy="3752850"/>
+          </a:xfrm>
+          <a:prstGeom prst="rect">
+            <a:avLst/>
+          </a:prstGeom>
+        </p:spPr>
+      </p:pic>
     </p:spTree>
   </p:cSld>
   <p:clrMapOvr>
@@ -7734,7 +10857,7 @@
 </p:sld>
 </file>
 
-<file path=ppt/slides/slide22.xml><?xml version="1.0" encoding="utf-8"?>
+<file path=ppt/slides/slide27.xml><?xml version="1.0" encoding="utf-8"?>
 <p:sld xmlns:a="http://schemas.openxmlformats.org/drawingml/2006/main" xmlns:r="http://schemas.openxmlformats.org/officeDocument/2006/relationships" xmlns:p="http://schemas.openxmlformats.org/presentationml/2006/main">
   <p:cSld>
     <p:spTree>
@@ -7760,7 +10883,7 @@
         <p:spPr>
           <a:xfrm>
             <a:off x="793750" y="1057910"/>
-            <a:ext cx="10435590" cy="643890"/>
+            <a:ext cx="10435590" cy="1475105"/>
           </a:xfrm>
           <a:prstGeom prst="rect">
             <a:avLst/>
@@ -7818,7 +10941,7 @@
                 <a:cs typeface="+mn-cs"/>
                 <a:sym typeface="Helvetica"/>
               </a:rPr>
-              <a:t>4.3 </a:t>
+              <a:t>4.4 </a:t>
             </a:r>
             <a:r>
               <a:rPr kumimoji="0" lang="zh-CN" altLang="en-US" sz="1800" b="0" i="0" u="none" strike="noStrike" cap="none" spc="0" normalizeH="0" baseline="0">
@@ -7883,8 +11006,159 @@
               <a:sym typeface="Helvetica"/>
             </a:endParaRPr>
           </a:p>
+          <a:p>
+            <a:pPr marL="0" marR="0" indent="0" algn="l" defTabSz="914400" rtl="0" fontAlgn="auto" latinLnBrk="0" hangingPunct="0">
+              <a:lnSpc>
+                <a:spcPct val="100000"/>
+              </a:lnSpc>
+              <a:spcBef>
+                <a:spcPts val="0"/>
+              </a:spcBef>
+              <a:spcAft>
+                <a:spcPts val="0"/>
+              </a:spcAft>
+              <a:buClrTx/>
+              <a:buSzTx/>
+              <a:buFontTx/>
+              <a:buNone/>
+            </a:pPr>
+            <a:r>
+              <a:rPr kumimoji="0" lang="zh-CN" altLang="en-US" sz="1800" b="0" i="0" u="none" strike="noStrike" cap="none" spc="0" normalizeH="0" baseline="0">
+                <a:ln>
+                  <a:noFill/>
+                </a:ln>
+                <a:solidFill>
+                  <a:srgbClr val="000000"/>
+                </a:solidFill>
+                <a:effectLst/>
+                <a:uFillTx/>
+                <a:latin typeface="+mn-lt"/>
+                <a:ea typeface="+mn-ea"/>
+                <a:cs typeface="+mn-cs"/>
+                <a:sym typeface="Helvetica"/>
+              </a:rPr>
+              <a:t>Redis集群中的节点分为主节点和从节点，其中主节点用于处理槽，而从节点主要用于复制某个主节点，并在被复制的主节点下线时，代替下线主节点继续处理命令请求。</a:t>
+            </a:r>
+            <a:endParaRPr kumimoji="0" lang="zh-CN" altLang="en-US" sz="1800" b="0" i="0" u="none" strike="noStrike" cap="none" spc="0" normalizeH="0" baseline="0">
+              <a:ln>
+                <a:noFill/>
+              </a:ln>
+              <a:solidFill>
+                <a:srgbClr val="000000"/>
+              </a:solidFill>
+              <a:effectLst/>
+              <a:uFillTx/>
+              <a:latin typeface="+mn-lt"/>
+              <a:ea typeface="+mn-ea"/>
+              <a:cs typeface="+mn-cs"/>
+              <a:sym typeface="Helvetica"/>
+            </a:endParaRPr>
+          </a:p>
+          <a:p>
+            <a:pPr marL="0" marR="0" indent="0" algn="l" defTabSz="914400" rtl="0" fontAlgn="auto" latinLnBrk="0" hangingPunct="0">
+              <a:lnSpc>
+                <a:spcPct val="100000"/>
+              </a:lnSpc>
+              <a:spcBef>
+                <a:spcPts val="0"/>
+              </a:spcBef>
+              <a:spcAft>
+                <a:spcPts val="0"/>
+              </a:spcAft>
+              <a:buClrTx/>
+              <a:buSzTx/>
+              <a:buFontTx/>
+              <a:buNone/>
+            </a:pPr>
+            <a:endParaRPr kumimoji="0" lang="zh-CN" altLang="en-US" sz="1800" b="0" i="0" u="none" strike="noStrike" cap="none" spc="0" normalizeH="0" baseline="0">
+              <a:ln>
+                <a:noFill/>
+              </a:ln>
+              <a:solidFill>
+                <a:srgbClr val="000000"/>
+              </a:solidFill>
+              <a:effectLst/>
+              <a:uFillTx/>
+              <a:latin typeface="+mn-lt"/>
+              <a:ea typeface="+mn-ea"/>
+              <a:cs typeface="+mn-cs"/>
+              <a:sym typeface="Helvetica"/>
+            </a:endParaRPr>
+          </a:p>
         </p:txBody>
       </p:sp>
+      <p:pic>
+        <p:nvPicPr>
+          <p:cNvPr id="2" name="图片 1"/>
+          <p:cNvPicPr>
+            <a:picLocks noChangeAspect="1"/>
+          </p:cNvPicPr>
+          <p:nvPr/>
+        </p:nvPicPr>
+        <p:blipFill>
+          <a:blip r:embed="rId1"/>
+          <a:stretch>
+            <a:fillRect/>
+          </a:stretch>
+        </p:blipFill>
+        <p:spPr>
+          <a:xfrm>
+            <a:off x="1038225" y="2672715"/>
+            <a:ext cx="2667000" cy="3419475"/>
+          </a:xfrm>
+          <a:prstGeom prst="rect">
+            <a:avLst/>
+          </a:prstGeom>
+        </p:spPr>
+      </p:pic>
+      <p:pic>
+        <p:nvPicPr>
+          <p:cNvPr id="3" name="图片 2"/>
+          <p:cNvPicPr>
+            <a:picLocks noChangeAspect="1"/>
+          </p:cNvPicPr>
+          <p:nvPr/>
+        </p:nvPicPr>
+        <p:blipFill>
+          <a:blip r:embed="rId2"/>
+          <a:stretch>
+            <a:fillRect/>
+          </a:stretch>
+        </p:blipFill>
+        <p:spPr>
+          <a:xfrm>
+            <a:off x="4189095" y="2672715"/>
+            <a:ext cx="2667000" cy="3009900"/>
+          </a:xfrm>
+          <a:prstGeom prst="rect">
+            <a:avLst/>
+          </a:prstGeom>
+        </p:spPr>
+      </p:pic>
+      <p:pic>
+        <p:nvPicPr>
+          <p:cNvPr id="4" name="图片 3"/>
+          <p:cNvPicPr>
+            <a:picLocks noChangeAspect="1"/>
+          </p:cNvPicPr>
+          <p:nvPr/>
+        </p:nvPicPr>
+        <p:blipFill>
+          <a:blip r:embed="rId3"/>
+          <a:stretch>
+            <a:fillRect/>
+          </a:stretch>
+        </p:blipFill>
+        <p:spPr>
+          <a:xfrm>
+            <a:off x="7350125" y="2672715"/>
+            <a:ext cx="4029075" cy="3000375"/>
+          </a:xfrm>
+          <a:prstGeom prst="rect">
+            <a:avLst/>
+          </a:prstGeom>
+        </p:spPr>
+      </p:pic>
     </p:spTree>
   </p:cSld>
   <p:clrMapOvr>
@@ -7908,7 +11182,7 @@
 </p:sld>
 </file>
 
-<file path=ppt/slides/slide23.xml><?xml version="1.0" encoding="utf-8"?>
+<file path=ppt/slides/slide28.xml><?xml version="1.0" encoding="utf-8"?>
 <p:sld xmlns:a="http://schemas.openxmlformats.org/drawingml/2006/main" xmlns:r="http://schemas.openxmlformats.org/officeDocument/2006/relationships" xmlns:p="http://schemas.openxmlformats.org/presentationml/2006/main">
   <p:cSld>
     <p:spTree>
@@ -7925,40 +11199,16 @@
           <a:chExt cx="0" cy="0"/>
         </a:xfrm>
       </p:grpSpPr>
-      <p:pic>
-        <p:nvPicPr>
-          <p:cNvPr id="2" name="图片 1"/>
-          <p:cNvPicPr>
-            <a:picLocks noChangeAspect="1"/>
-          </p:cNvPicPr>
-          <p:nvPr/>
-        </p:nvPicPr>
-        <p:blipFill>
-          <a:blip r:embed="rId1"/>
-          <a:stretch>
-            <a:fillRect/>
-          </a:stretch>
-        </p:blipFill>
-        <p:spPr>
-          <a:xfrm>
-            <a:off x="3049270" y="-3810"/>
-            <a:ext cx="9141460" cy="6856095"/>
-          </a:xfrm>
-          <a:prstGeom prst="rect">
-            <a:avLst/>
-          </a:prstGeom>
-        </p:spPr>
-      </p:pic>
       <p:sp>
         <p:nvSpPr>
-          <p:cNvPr id="4" name="文本框 3"/>
+          <p:cNvPr id="7" name="文本框 6"/>
           <p:cNvSpPr txBox="1"/>
           <p:nvPr/>
         </p:nvSpPr>
         <p:spPr>
           <a:xfrm>
-            <a:off x="662305" y="631190"/>
-            <a:ext cx="1567180" cy="5494655"/>
+            <a:off x="793750" y="1057910"/>
+            <a:ext cx="10435590" cy="1751965"/>
           </a:xfrm>
           <a:prstGeom prst="rect">
             <a:avLst/>
@@ -7982,7 +11232,7 @@
           <a:fontRef idx="none"/>
         </p:style>
         <p:txBody>
-          <a:bodyPr rot="0" vertOverflow="overflow" horzOverflow="overflow" vert="eaVert" wrap="square" lIns="45718" tIns="45718" rIns="45718" bIns="45718" numCol="1" spcCol="38100" rtlCol="0" anchor="t" forceAA="0">
+          <a:bodyPr rot="0" vertOverflow="overflow" horzOverflow="overflow" vert="horz" wrap="square" lIns="45718" tIns="45718" rIns="45718" bIns="45718" numCol="1" spcCol="38100" rtlCol="0" anchor="t" forceAA="0">
             <a:spAutoFit/>
           </a:bodyPr>
           <a:p>
@@ -8002,19 +11252,13 @@
               <a:buNone/>
             </a:pPr>
             <a:r>
-              <a:rPr kumimoji="0" lang="zh-CN" altLang="en-US" sz="9600" b="0" i="0" u="none" strike="noStrike" cap="none" spc="0" normalizeH="0" baseline="0">
-                <a:ln/>
-                <a:gradFill>
-                  <a:gsLst>
-                    <a:gs pos="21000">
-                      <a:srgbClr val="53575C"/>
-                    </a:gs>
-                    <a:gs pos="88000">
-                      <a:srgbClr val="C5C7CA"/>
-                    </a:gs>
-                  </a:gsLst>
-                  <a:lin ang="5400000"/>
-                </a:gradFill>
+              <a:rPr kumimoji="0" lang="en-US" altLang="zh-CN" sz="1800" b="0" i="0" u="none" strike="noStrike" cap="none" spc="0" normalizeH="0" baseline="0">
+                <a:ln>
+                  <a:noFill/>
+                </a:ln>
+                <a:solidFill>
+                  <a:srgbClr val="000000"/>
+                </a:solidFill>
                 <a:effectLst/>
                 <a:uFillTx/>
                 <a:latin typeface="+mn-lt"/>
@@ -8022,21 +11266,388 @@
                 <a:cs typeface="+mn-cs"/>
                 <a:sym typeface="Helvetica"/>
               </a:rPr>
-              <a:t>谢谢观看</a:t>
+              <a:t>4.4.1 </a:t>
             </a:r>
-            <a:endParaRPr kumimoji="0" lang="zh-CN" altLang="en-US" sz="9600" b="0" i="0" u="none" strike="noStrike" cap="none" spc="0" normalizeH="0" baseline="0">
-              <a:ln/>
-              <a:gradFill>
-                <a:gsLst>
-                  <a:gs pos="21000">
-                    <a:srgbClr val="53575C"/>
-                  </a:gs>
-                  <a:gs pos="88000">
-                    <a:srgbClr val="C5C7CA"/>
-                  </a:gs>
-                </a:gsLst>
-                <a:lin ang="5400000"/>
-              </a:gradFill>
+            <a:r>
+              <a:rPr kumimoji="0" lang="zh-CN" altLang="en-US" sz="1800" b="0" i="0" u="none" strike="noStrike" cap="none" spc="0" normalizeH="0" baseline="0">
+                <a:ln>
+                  <a:noFill/>
+                </a:ln>
+                <a:solidFill>
+                  <a:srgbClr val="000000"/>
+                </a:solidFill>
+                <a:effectLst/>
+                <a:uFillTx/>
+                <a:latin typeface="+mn-lt"/>
+                <a:ea typeface="+mn-ea"/>
+                <a:cs typeface="+mn-cs"/>
+                <a:sym typeface="Helvetica"/>
+              </a:rPr>
+              <a:t>故障检测</a:t>
+            </a:r>
+            <a:endParaRPr kumimoji="0" lang="zh-CN" altLang="en-US" sz="1800" b="0" i="0" u="none" strike="noStrike" cap="none" spc="0" normalizeH="0" baseline="0">
+              <a:ln>
+                <a:noFill/>
+              </a:ln>
+              <a:solidFill>
+                <a:srgbClr val="000000"/>
+              </a:solidFill>
+              <a:effectLst/>
+              <a:uFillTx/>
+              <a:latin typeface="+mn-lt"/>
+              <a:ea typeface="+mn-ea"/>
+              <a:cs typeface="+mn-cs"/>
+              <a:sym typeface="Helvetica"/>
+            </a:endParaRPr>
+          </a:p>
+          <a:p>
+            <a:pPr marL="0" marR="0" indent="0" algn="l" defTabSz="914400" rtl="0" fontAlgn="auto" latinLnBrk="0" hangingPunct="0">
+              <a:lnSpc>
+                <a:spcPct val="100000"/>
+              </a:lnSpc>
+              <a:spcBef>
+                <a:spcPts val="0"/>
+              </a:spcBef>
+              <a:spcAft>
+                <a:spcPts val="0"/>
+              </a:spcAft>
+              <a:buClrTx/>
+              <a:buSzTx/>
+              <a:buFontTx/>
+              <a:buNone/>
+            </a:pPr>
+            <a:endParaRPr kumimoji="0" lang="zh-CN" altLang="en-US" sz="1800" b="0" i="0" u="none" strike="noStrike" cap="none" spc="0" normalizeH="0" baseline="0">
+              <a:ln>
+                <a:noFill/>
+              </a:ln>
+              <a:solidFill>
+                <a:srgbClr val="000000"/>
+              </a:solidFill>
+              <a:effectLst/>
+              <a:uFillTx/>
+              <a:latin typeface="+mn-lt"/>
+              <a:ea typeface="+mn-ea"/>
+              <a:cs typeface="+mn-cs"/>
+              <a:sym typeface="Helvetica"/>
+            </a:endParaRPr>
+          </a:p>
+          <a:p>
+            <a:pPr marL="0" marR="0" indent="0" algn="l" defTabSz="914400" rtl="0" fontAlgn="auto" latinLnBrk="0" hangingPunct="0">
+              <a:lnSpc>
+                <a:spcPct val="100000"/>
+              </a:lnSpc>
+              <a:spcBef>
+                <a:spcPts val="0"/>
+              </a:spcBef>
+              <a:spcAft>
+                <a:spcPts val="0"/>
+              </a:spcAft>
+              <a:buClrTx/>
+              <a:buSzTx/>
+              <a:buFontTx/>
+              <a:buNone/>
+            </a:pPr>
+            <a:r>
+              <a:rPr kumimoji="0" lang="zh-CN" altLang="en-US" sz="1800" b="0" i="0" u="none" strike="noStrike" cap="none" spc="0" normalizeH="0" baseline="0">
+                <a:ln>
+                  <a:noFill/>
+                </a:ln>
+                <a:solidFill>
+                  <a:srgbClr val="000000"/>
+                </a:solidFill>
+                <a:effectLst/>
+                <a:uFillTx/>
+                <a:latin typeface="+mn-lt"/>
+                <a:ea typeface="+mn-ea"/>
+                <a:cs typeface="+mn-cs"/>
+                <a:sym typeface="Helvetica"/>
+              </a:rPr>
+              <a:t>集群中的每个节点都会定期向其他节点发送PING消息,如果未在规定时间接收到PONG消息,那么就将该节点标记为疑似下线(PFAIL)。半数以上负责处理槽的主节点都将某节点标识为疑似下线,就把该节点标记为下线（FAIL），并向集群广播一条FAIL的消息，收到该消息的节点立刻也把该节点标记为已下线。</a:t>
+            </a:r>
+            <a:endParaRPr kumimoji="0" lang="zh-CN" altLang="en-US" sz="1800" b="0" i="0" u="none" strike="noStrike" cap="none" spc="0" normalizeH="0" baseline="0">
+              <a:ln>
+                <a:noFill/>
+              </a:ln>
+              <a:solidFill>
+                <a:srgbClr val="000000"/>
+              </a:solidFill>
+              <a:effectLst/>
+              <a:uFillTx/>
+              <a:latin typeface="+mn-lt"/>
+              <a:ea typeface="+mn-ea"/>
+              <a:cs typeface="+mn-cs"/>
+              <a:sym typeface="Helvetica"/>
+            </a:endParaRPr>
+          </a:p>
+          <a:p>
+            <a:pPr marL="0" marR="0" indent="0" algn="l" defTabSz="914400" rtl="0" fontAlgn="auto" latinLnBrk="0" hangingPunct="0">
+              <a:lnSpc>
+                <a:spcPct val="100000"/>
+              </a:lnSpc>
+              <a:spcBef>
+                <a:spcPts val="0"/>
+              </a:spcBef>
+              <a:spcAft>
+                <a:spcPts val="0"/>
+              </a:spcAft>
+              <a:buClrTx/>
+              <a:buSzTx/>
+              <a:buFontTx/>
+              <a:buNone/>
+            </a:pPr>
+            <a:endParaRPr kumimoji="0" lang="zh-CN" altLang="en-US" sz="1800" b="0" i="0" u="none" strike="noStrike" cap="none" spc="0" normalizeH="0" baseline="0">
+              <a:ln>
+                <a:noFill/>
+              </a:ln>
+              <a:solidFill>
+                <a:srgbClr val="000000"/>
+              </a:solidFill>
+              <a:effectLst/>
+              <a:uFillTx/>
+              <a:latin typeface="+mn-lt"/>
+              <a:ea typeface="+mn-ea"/>
+              <a:cs typeface="+mn-cs"/>
+              <a:sym typeface="Helvetica"/>
+            </a:endParaRPr>
+          </a:p>
+        </p:txBody>
+      </p:sp>
+      <p:pic>
+        <p:nvPicPr>
+          <p:cNvPr id="2" name="图片 1"/>
+          <p:cNvPicPr>
+            <a:picLocks noChangeAspect="1"/>
+          </p:cNvPicPr>
+          <p:nvPr/>
+        </p:nvPicPr>
+        <p:blipFill>
+          <a:blip r:embed="rId1"/>
+          <a:stretch>
+            <a:fillRect/>
+          </a:stretch>
+        </p:blipFill>
+        <p:spPr>
+          <a:xfrm>
+            <a:off x="4519930" y="2651760"/>
+            <a:ext cx="3152775" cy="3981450"/>
+          </a:xfrm>
+          <a:prstGeom prst="rect">
+            <a:avLst/>
+          </a:prstGeom>
+        </p:spPr>
+      </p:pic>
+    </p:spTree>
+  </p:cSld>
+  <p:clrMapOvr>
+    <a:masterClrMapping/>
+  </p:clrMapOvr>
+  <mc:AlternateContent xmlns:mc="http://schemas.openxmlformats.org/markup-compatibility/2006">
+    <mc:Choice xmlns:p14="http://schemas.microsoft.com/office/powerpoint/2010/main" Requires="p14">
+      <p:transition p14:dur="0" advClick="0" advTm="0"/>
+    </mc:Choice>
+    <mc:Fallback>
+      <p:transition advClick="0" advTm="0"/>
+    </mc:Fallback>
+  </mc:AlternateContent>
+  <p:timing>
+    <p:tnLst>
+      <p:par>
+        <p:cTn id="1" dur="indefinite" restart="never" fill="hold" nodeType="tmRoot"/>
+      </p:par>
+    </p:tnLst>
+  </p:timing>
+</p:sld>
+</file>
+
+<file path=ppt/slides/slide29.xml><?xml version="1.0" encoding="utf-8"?>
+<p:sld xmlns:a="http://schemas.openxmlformats.org/drawingml/2006/main" xmlns:r="http://schemas.openxmlformats.org/officeDocument/2006/relationships" xmlns:p="http://schemas.openxmlformats.org/presentationml/2006/main">
+  <p:cSld>
+    <p:spTree>
+      <p:nvGrpSpPr>
+        <p:cNvPr id="1" name=""/>
+        <p:cNvGrpSpPr/>
+        <p:nvPr/>
+      </p:nvGrpSpPr>
+      <p:grpSpPr>
+        <a:xfrm>
+          <a:off x="0" y="0"/>
+          <a:ext cx="0" cy="0"/>
+          <a:chOff x="0" y="0"/>
+          <a:chExt cx="0" cy="0"/>
+        </a:xfrm>
+      </p:grpSpPr>
+      <p:sp>
+        <p:nvSpPr>
+          <p:cNvPr id="7" name="文本框 6"/>
+          <p:cNvSpPr txBox="1"/>
+          <p:nvPr/>
+        </p:nvSpPr>
+        <p:spPr>
+          <a:xfrm>
+            <a:off x="793750" y="1057910"/>
+            <a:ext cx="10435590" cy="1197610"/>
+          </a:xfrm>
+          <a:prstGeom prst="rect">
+            <a:avLst/>
+          </a:prstGeom>
+          <a:noFill/>
+          <a:ln w="12700" cap="flat">
+            <a:noFill/>
+            <a:miter lim="400000"/>
+          </a:ln>
+        </p:spPr>
+        <p:style>
+          <a:lnRef idx="0">
+            <a:scrgbClr r="0" g="0" b="0"/>
+          </a:lnRef>
+          <a:fillRef idx="0">
+            <a:scrgbClr r="0" g="0" b="0"/>
+          </a:fillRef>
+          <a:effectRef idx="0">
+            <a:scrgbClr r="0" g="0" b="0"/>
+          </a:effectRef>
+          <a:fontRef idx="none"/>
+        </p:style>
+        <p:txBody>
+          <a:bodyPr rot="0" vertOverflow="overflow" horzOverflow="overflow" vert="horz" wrap="square" lIns="45718" tIns="45718" rIns="45718" bIns="45718" numCol="1" spcCol="38100" rtlCol="0" anchor="t" forceAA="0">
+            <a:spAutoFit/>
+          </a:bodyPr>
+          <a:p>
+            <a:pPr marL="0" marR="0" indent="0" algn="l" defTabSz="914400" rtl="0" fontAlgn="auto" latinLnBrk="0" hangingPunct="0">
+              <a:lnSpc>
+                <a:spcPct val="100000"/>
+              </a:lnSpc>
+              <a:spcBef>
+                <a:spcPts val="0"/>
+              </a:spcBef>
+              <a:spcAft>
+                <a:spcPts val="0"/>
+              </a:spcAft>
+              <a:buClrTx/>
+              <a:buSzTx/>
+              <a:buFontTx/>
+              <a:buNone/>
+            </a:pPr>
+            <a:r>
+              <a:rPr kumimoji="0" lang="en-US" altLang="zh-CN" sz="1800" b="0" i="0" u="none" strike="noStrike" cap="none" spc="0" normalizeH="0" baseline="0">
+                <a:ln>
+                  <a:noFill/>
+                </a:ln>
+                <a:solidFill>
+                  <a:srgbClr val="000000"/>
+                </a:solidFill>
+                <a:effectLst/>
+                <a:uFillTx/>
+                <a:latin typeface="+mn-lt"/>
+                <a:ea typeface="+mn-ea"/>
+                <a:cs typeface="+mn-cs"/>
+                <a:sym typeface="Helvetica"/>
+              </a:rPr>
+              <a:t>4.4.2 </a:t>
+            </a:r>
+            <a:r>
+              <a:rPr kumimoji="0" lang="zh-CN" altLang="en-US" sz="1800" b="0" i="0" u="none" strike="noStrike" cap="none" spc="0" normalizeH="0" baseline="0">
+                <a:ln>
+                  <a:noFill/>
+                </a:ln>
+                <a:solidFill>
+                  <a:srgbClr val="000000"/>
+                </a:solidFill>
+                <a:effectLst/>
+                <a:uFillTx/>
+                <a:latin typeface="+mn-lt"/>
+                <a:ea typeface="+mn-ea"/>
+                <a:cs typeface="+mn-cs"/>
+                <a:sym typeface="Helvetica"/>
+              </a:rPr>
+              <a:t>选举新的主节点</a:t>
+            </a:r>
+            <a:endParaRPr kumimoji="0" lang="zh-CN" altLang="en-US" sz="1800" b="0" i="0" u="none" strike="noStrike" cap="none" spc="0" normalizeH="0" baseline="0">
+              <a:ln>
+                <a:noFill/>
+              </a:ln>
+              <a:solidFill>
+                <a:srgbClr val="000000"/>
+              </a:solidFill>
+              <a:effectLst/>
+              <a:uFillTx/>
+              <a:latin typeface="+mn-lt"/>
+              <a:ea typeface="+mn-ea"/>
+              <a:cs typeface="+mn-cs"/>
+              <a:sym typeface="Helvetica"/>
+            </a:endParaRPr>
+          </a:p>
+          <a:p>
+            <a:pPr marL="0" marR="0" indent="0" algn="l" defTabSz="914400" rtl="0" fontAlgn="auto" latinLnBrk="0" hangingPunct="0">
+              <a:lnSpc>
+                <a:spcPct val="100000"/>
+              </a:lnSpc>
+              <a:spcBef>
+                <a:spcPts val="0"/>
+              </a:spcBef>
+              <a:spcAft>
+                <a:spcPts val="0"/>
+              </a:spcAft>
+              <a:buClrTx/>
+              <a:buSzTx/>
+              <a:buFontTx/>
+              <a:buNone/>
+            </a:pPr>
+            <a:endParaRPr kumimoji="0" lang="zh-CN" altLang="en-US" sz="1800" b="0" i="0" u="none" strike="noStrike" cap="none" spc="0" normalizeH="0" baseline="0">
+              <a:ln>
+                <a:noFill/>
+              </a:ln>
+              <a:solidFill>
+                <a:srgbClr val="000000"/>
+              </a:solidFill>
+              <a:effectLst/>
+              <a:uFillTx/>
+              <a:latin typeface="+mn-lt"/>
+              <a:ea typeface="+mn-ea"/>
+              <a:cs typeface="+mn-cs"/>
+              <a:sym typeface="Helvetica"/>
+            </a:endParaRPr>
+          </a:p>
+          <a:p>
+            <a:pPr marL="0" marR="0" indent="0" algn="l" defTabSz="914400" rtl="0" fontAlgn="auto" latinLnBrk="0" hangingPunct="0">
+              <a:lnSpc>
+                <a:spcPct val="100000"/>
+              </a:lnSpc>
+              <a:spcBef>
+                <a:spcPts val="0"/>
+              </a:spcBef>
+              <a:spcAft>
+                <a:spcPts val="0"/>
+              </a:spcAft>
+              <a:buClrTx/>
+              <a:buSzTx/>
+              <a:buFontTx/>
+              <a:buNone/>
+            </a:pPr>
+            <a:r>
+              <a:rPr kumimoji="0" lang="zh-CN" altLang="en-US" sz="1800" b="0" i="0" u="none" strike="noStrike" cap="none" spc="0" normalizeH="0" baseline="0">
+                <a:ln>
+                  <a:noFill/>
+                </a:ln>
+                <a:solidFill>
+                  <a:srgbClr val="000000"/>
+                </a:solidFill>
+                <a:effectLst/>
+                <a:uFillTx/>
+                <a:latin typeface="+mn-lt"/>
+                <a:ea typeface="+mn-ea"/>
+                <a:cs typeface="+mn-cs"/>
+                <a:sym typeface="Helvetica"/>
+              </a:rPr>
+              <a:t>主节点才有投票权，这个过程与选领头Sentinel的方法非常相似。两者都是基于Raft算法的领头选举方法实现的。</a:t>
+            </a:r>
+            <a:endParaRPr kumimoji="0" lang="zh-CN" altLang="en-US" sz="1800" b="0" i="0" u="none" strike="noStrike" cap="none" spc="0" normalizeH="0" baseline="0">
+              <a:ln>
+                <a:noFill/>
+              </a:ln>
+              <a:solidFill>
+                <a:srgbClr val="000000"/>
+              </a:solidFill>
               <a:effectLst/>
               <a:uFillTx/>
               <a:latin typeface="+mn-lt"/>
@@ -15395,6 +19006,939 @@
           </p:txBody>
         </p:sp>
       </p:grpSp>
+    </p:spTree>
+  </p:cSld>
+  <p:clrMapOvr>
+    <a:masterClrMapping/>
+  </p:clrMapOvr>
+  <mc:AlternateContent xmlns:mc="http://schemas.openxmlformats.org/markup-compatibility/2006">
+    <mc:Choice xmlns:p14="http://schemas.microsoft.com/office/powerpoint/2010/main" Requires="p14">
+      <p:transition p14:dur="0" advClick="0" advTm="0"/>
+    </mc:Choice>
+    <mc:Fallback>
+      <p:transition advClick="0" advTm="0"/>
+    </mc:Fallback>
+  </mc:AlternateContent>
+  <p:timing>
+    <p:tnLst>
+      <p:par>
+        <p:cTn id="1" dur="indefinite" restart="never" fill="hold" nodeType="tmRoot"/>
+      </p:par>
+    </p:tnLst>
+  </p:timing>
+</p:sld>
+</file>
+
+<file path=ppt/slides/slide30.xml><?xml version="1.0" encoding="utf-8"?>
+<p:sld xmlns:a="http://schemas.openxmlformats.org/drawingml/2006/main" xmlns:r="http://schemas.openxmlformats.org/officeDocument/2006/relationships" xmlns:p="http://schemas.openxmlformats.org/presentationml/2006/main">
+  <p:cSld>
+    <p:spTree>
+      <p:nvGrpSpPr>
+        <p:cNvPr id="1" name=""/>
+        <p:cNvGrpSpPr/>
+        <p:nvPr/>
+      </p:nvGrpSpPr>
+      <p:grpSpPr>
+        <a:xfrm>
+          <a:off x="0" y="0"/>
+          <a:ext cx="0" cy="0"/>
+          <a:chOff x="0" y="0"/>
+          <a:chExt cx="0" cy="0"/>
+        </a:xfrm>
+      </p:grpSpPr>
+      <p:sp>
+        <p:nvSpPr>
+          <p:cNvPr id="7" name="文本框 6"/>
+          <p:cNvSpPr txBox="1"/>
+          <p:nvPr/>
+        </p:nvSpPr>
+        <p:spPr>
+          <a:xfrm>
+            <a:off x="793750" y="1057910"/>
+            <a:ext cx="10435590" cy="3691255"/>
+          </a:xfrm>
+          <a:prstGeom prst="rect">
+            <a:avLst/>
+          </a:prstGeom>
+          <a:noFill/>
+          <a:ln w="12700" cap="flat">
+            <a:noFill/>
+            <a:miter lim="400000"/>
+          </a:ln>
+        </p:spPr>
+        <p:style>
+          <a:lnRef idx="0">
+            <a:scrgbClr r="0" g="0" b="0"/>
+          </a:lnRef>
+          <a:fillRef idx="0">
+            <a:scrgbClr r="0" g="0" b="0"/>
+          </a:fillRef>
+          <a:effectRef idx="0">
+            <a:scrgbClr r="0" g="0" b="0"/>
+          </a:effectRef>
+          <a:fontRef idx="none"/>
+        </p:style>
+        <p:txBody>
+          <a:bodyPr rot="0" vertOverflow="overflow" horzOverflow="overflow" vert="horz" wrap="square" lIns="45718" tIns="45718" rIns="45718" bIns="45718" numCol="1" spcCol="38100" rtlCol="0" anchor="t" forceAA="0">
+            <a:spAutoFit/>
+          </a:bodyPr>
+          <a:p>
+            <a:pPr marL="0" marR="0" indent="0" algn="l" defTabSz="914400" rtl="0" fontAlgn="auto" latinLnBrk="0" hangingPunct="0">
+              <a:lnSpc>
+                <a:spcPct val="100000"/>
+              </a:lnSpc>
+              <a:spcBef>
+                <a:spcPts val="0"/>
+              </a:spcBef>
+              <a:spcAft>
+                <a:spcPts val="0"/>
+              </a:spcAft>
+              <a:buClrTx/>
+              <a:buSzTx/>
+              <a:buFontTx/>
+              <a:buNone/>
+            </a:pPr>
+            <a:r>
+              <a:rPr kumimoji="0" lang="en-US" altLang="zh-CN" sz="1800" b="0" i="0" u="none" strike="noStrike" cap="none" spc="0" normalizeH="0" baseline="0">
+                <a:ln>
+                  <a:noFill/>
+                </a:ln>
+                <a:solidFill>
+                  <a:srgbClr val="000000"/>
+                </a:solidFill>
+                <a:effectLst/>
+                <a:uFillTx/>
+                <a:latin typeface="+mn-lt"/>
+                <a:ea typeface="+mn-ea"/>
+                <a:cs typeface="+mn-cs"/>
+                <a:sym typeface="Helvetica"/>
+              </a:rPr>
+              <a:t>4.4.3 </a:t>
+            </a:r>
+            <a:r>
+              <a:rPr kumimoji="0" lang="zh-CN" altLang="en-US" sz="1800" b="0" i="0" u="none" strike="noStrike" cap="none" spc="0" normalizeH="0" baseline="0">
+                <a:ln>
+                  <a:noFill/>
+                </a:ln>
+                <a:solidFill>
+                  <a:srgbClr val="000000"/>
+                </a:solidFill>
+                <a:effectLst/>
+                <a:uFillTx/>
+                <a:latin typeface="+mn-lt"/>
+                <a:ea typeface="+mn-ea"/>
+                <a:cs typeface="+mn-cs"/>
+                <a:sym typeface="Helvetica"/>
+              </a:rPr>
+              <a:t>故障转移</a:t>
+            </a:r>
+            <a:endParaRPr kumimoji="0" lang="zh-CN" altLang="en-US" sz="1800" b="0" i="0" u="none" strike="noStrike" cap="none" spc="0" normalizeH="0" baseline="0">
+              <a:ln>
+                <a:noFill/>
+              </a:ln>
+              <a:solidFill>
+                <a:srgbClr val="000000"/>
+              </a:solidFill>
+              <a:effectLst/>
+              <a:uFillTx/>
+              <a:latin typeface="+mn-lt"/>
+              <a:ea typeface="+mn-ea"/>
+              <a:cs typeface="+mn-cs"/>
+              <a:sym typeface="Helvetica"/>
+            </a:endParaRPr>
+          </a:p>
+          <a:p>
+            <a:pPr marL="0" marR="0" indent="0" algn="l" defTabSz="914400" rtl="0" fontAlgn="auto" latinLnBrk="0" hangingPunct="0">
+              <a:lnSpc>
+                <a:spcPct val="100000"/>
+              </a:lnSpc>
+              <a:spcBef>
+                <a:spcPts val="0"/>
+              </a:spcBef>
+              <a:spcAft>
+                <a:spcPts val="0"/>
+              </a:spcAft>
+              <a:buClrTx/>
+              <a:buSzTx/>
+              <a:buFontTx/>
+              <a:buNone/>
+            </a:pPr>
+            <a:endParaRPr kumimoji="0" lang="zh-CN" altLang="en-US" sz="1800" b="0" i="0" u="none" strike="noStrike" cap="none" spc="0" normalizeH="0" baseline="0">
+              <a:ln>
+                <a:noFill/>
+              </a:ln>
+              <a:solidFill>
+                <a:srgbClr val="000000"/>
+              </a:solidFill>
+              <a:effectLst/>
+              <a:uFillTx/>
+              <a:latin typeface="+mn-lt"/>
+              <a:ea typeface="+mn-ea"/>
+              <a:cs typeface="+mn-cs"/>
+              <a:sym typeface="Helvetica"/>
+            </a:endParaRPr>
+          </a:p>
+          <a:p>
+            <a:pPr marL="0" marR="0" indent="0" algn="l" defTabSz="914400" rtl="0" fontAlgn="auto" latinLnBrk="0" hangingPunct="0">
+              <a:lnSpc>
+                <a:spcPct val="100000"/>
+              </a:lnSpc>
+              <a:spcBef>
+                <a:spcPts val="0"/>
+              </a:spcBef>
+              <a:spcAft>
+                <a:spcPts val="0"/>
+              </a:spcAft>
+              <a:buClrTx/>
+              <a:buSzTx/>
+              <a:buFontTx/>
+              <a:buNone/>
+            </a:pPr>
+            <a:r>
+              <a:rPr kumimoji="0" sz="1800" b="0" i="0" u="none" strike="noStrike" cap="none" spc="0" normalizeH="0" baseline="0">
+                <a:ln>
+                  <a:noFill/>
+                </a:ln>
+                <a:solidFill>
+                  <a:srgbClr val="000000"/>
+                </a:solidFill>
+                <a:effectLst/>
+                <a:uFillTx/>
+                <a:latin typeface="+mn-lt"/>
+                <a:ea typeface="+mn-ea"/>
+                <a:cs typeface="+mn-cs"/>
+                <a:sym typeface="Helvetica"/>
+              </a:rPr>
+              <a:t>1</a:t>
+            </a:r>
+            <a:r>
+              <a:rPr kumimoji="0" lang="zh-CN" sz="1800" b="0" i="0" u="none" strike="noStrike" cap="none" spc="0" normalizeH="0" baseline="0">
+                <a:ln>
+                  <a:noFill/>
+                </a:ln>
+                <a:solidFill>
+                  <a:srgbClr val="000000"/>
+                </a:solidFill>
+                <a:effectLst/>
+                <a:uFillTx/>
+                <a:latin typeface="+mn-lt"/>
+                <a:ea typeface="+mn-ea"/>
+                <a:cs typeface="+mn-cs"/>
+                <a:sym typeface="Helvetica"/>
+              </a:rPr>
+              <a:t>）</a:t>
+            </a:r>
+            <a:r>
+              <a:rPr kumimoji="0" sz="1800" b="0" i="0" u="none" strike="noStrike" cap="none" spc="0" normalizeH="0" baseline="0">
+                <a:ln>
+                  <a:noFill/>
+                </a:ln>
+                <a:solidFill>
+                  <a:srgbClr val="000000"/>
+                </a:solidFill>
+                <a:effectLst/>
+                <a:uFillTx/>
+                <a:latin typeface="+mn-lt"/>
+                <a:ea typeface="+mn-ea"/>
+                <a:cs typeface="+mn-cs"/>
+                <a:sym typeface="Helvetica"/>
+              </a:rPr>
+              <a:t>复制下线主节点的所有从节点将会有一个从节点被选中。</a:t>
+            </a:r>
+            <a:endParaRPr kumimoji="0" sz="1800" b="0" i="0" u="none" strike="noStrike" cap="none" spc="0" normalizeH="0" baseline="0">
+              <a:ln>
+                <a:noFill/>
+              </a:ln>
+              <a:solidFill>
+                <a:srgbClr val="000000"/>
+              </a:solidFill>
+              <a:effectLst/>
+              <a:uFillTx/>
+              <a:latin typeface="+mn-lt"/>
+              <a:ea typeface="+mn-ea"/>
+              <a:cs typeface="+mn-cs"/>
+              <a:sym typeface="Helvetica"/>
+            </a:endParaRPr>
+          </a:p>
+          <a:p>
+            <a:pPr marL="0" marR="0" indent="0" algn="l" defTabSz="914400" rtl="0" fontAlgn="auto" latinLnBrk="0" hangingPunct="0">
+              <a:lnSpc>
+                <a:spcPct val="100000"/>
+              </a:lnSpc>
+              <a:spcBef>
+                <a:spcPts val="0"/>
+              </a:spcBef>
+              <a:spcAft>
+                <a:spcPts val="0"/>
+              </a:spcAft>
+              <a:buClrTx/>
+              <a:buSzTx/>
+              <a:buFontTx/>
+              <a:buNone/>
+            </a:pPr>
+            <a:r>
+              <a:rPr kumimoji="0" sz="1800" b="0" i="0" u="none" strike="noStrike" cap="none" spc="0" normalizeH="0" baseline="0">
+                <a:ln>
+                  <a:noFill/>
+                </a:ln>
+                <a:solidFill>
+                  <a:srgbClr val="000000"/>
+                </a:solidFill>
+                <a:effectLst/>
+                <a:uFillTx/>
+                <a:latin typeface="+mn-lt"/>
+                <a:ea typeface="+mn-ea"/>
+                <a:cs typeface="+mn-cs"/>
+                <a:sym typeface="Helvetica"/>
+              </a:rPr>
+              <a:t> </a:t>
+            </a:r>
+            <a:endParaRPr kumimoji="0" sz="1800" b="0" i="0" u="none" strike="noStrike" cap="none" spc="0" normalizeH="0" baseline="0">
+              <a:ln>
+                <a:noFill/>
+              </a:ln>
+              <a:solidFill>
+                <a:srgbClr val="000000"/>
+              </a:solidFill>
+              <a:effectLst/>
+              <a:uFillTx/>
+              <a:latin typeface="+mn-lt"/>
+              <a:ea typeface="+mn-ea"/>
+              <a:cs typeface="+mn-cs"/>
+              <a:sym typeface="Helvetica"/>
+            </a:endParaRPr>
+          </a:p>
+          <a:p>
+            <a:pPr marL="0" marR="0" indent="0" algn="l" defTabSz="914400" rtl="0" fontAlgn="auto" latinLnBrk="0" hangingPunct="0">
+              <a:lnSpc>
+                <a:spcPct val="100000"/>
+              </a:lnSpc>
+              <a:spcBef>
+                <a:spcPts val="0"/>
+              </a:spcBef>
+              <a:spcAft>
+                <a:spcPts val="0"/>
+              </a:spcAft>
+              <a:buClrTx/>
+              <a:buSzTx/>
+              <a:buFontTx/>
+              <a:buNone/>
+            </a:pPr>
+            <a:r>
+              <a:rPr kumimoji="0" sz="1800" b="0" i="0" u="none" strike="noStrike" cap="none" spc="0" normalizeH="0" baseline="0">
+                <a:ln>
+                  <a:noFill/>
+                </a:ln>
+                <a:solidFill>
+                  <a:srgbClr val="000000"/>
+                </a:solidFill>
+                <a:effectLst/>
+                <a:uFillTx/>
+                <a:latin typeface="+mn-lt"/>
+                <a:ea typeface="+mn-ea"/>
+                <a:cs typeface="+mn-cs"/>
+                <a:sym typeface="Helvetica"/>
+              </a:rPr>
+              <a:t>2</a:t>
+            </a:r>
+            <a:r>
+              <a:rPr kumimoji="0" lang="zh-CN" sz="1800" b="0" i="0" u="none" strike="noStrike" cap="none" spc="0" normalizeH="0" baseline="0">
+                <a:ln>
+                  <a:noFill/>
+                </a:ln>
+                <a:solidFill>
+                  <a:srgbClr val="000000"/>
+                </a:solidFill>
+                <a:effectLst/>
+                <a:uFillTx/>
+                <a:latin typeface="+mn-lt"/>
+                <a:ea typeface="+mn-ea"/>
+                <a:cs typeface="+mn-cs"/>
+                <a:sym typeface="Helvetica"/>
+              </a:rPr>
+              <a:t>）</a:t>
+            </a:r>
+            <a:r>
+              <a:rPr kumimoji="0" sz="1800" b="0" i="0" u="none" strike="noStrike" cap="none" spc="0" normalizeH="0" baseline="0">
+                <a:ln>
+                  <a:noFill/>
+                </a:ln>
+                <a:solidFill>
+                  <a:srgbClr val="000000"/>
+                </a:solidFill>
+                <a:effectLst/>
+                <a:uFillTx/>
+                <a:latin typeface="+mn-lt"/>
+                <a:ea typeface="+mn-ea"/>
+                <a:cs typeface="+mn-cs"/>
+                <a:sym typeface="Helvetica"/>
+              </a:rPr>
+              <a:t>被选中的从节点会执行slaveof on one，成为新的主节点。 </a:t>
+            </a:r>
+            <a:endParaRPr kumimoji="0" sz="1800" b="0" i="0" u="none" strike="noStrike" cap="none" spc="0" normalizeH="0" baseline="0">
+              <a:ln>
+                <a:noFill/>
+              </a:ln>
+              <a:solidFill>
+                <a:srgbClr val="000000"/>
+              </a:solidFill>
+              <a:effectLst/>
+              <a:uFillTx/>
+              <a:latin typeface="+mn-lt"/>
+              <a:ea typeface="+mn-ea"/>
+              <a:cs typeface="+mn-cs"/>
+              <a:sym typeface="Helvetica"/>
+            </a:endParaRPr>
+          </a:p>
+          <a:p>
+            <a:pPr marL="0" marR="0" indent="0" algn="l" defTabSz="914400" rtl="0" fontAlgn="auto" latinLnBrk="0" hangingPunct="0">
+              <a:lnSpc>
+                <a:spcPct val="100000"/>
+              </a:lnSpc>
+              <a:spcBef>
+                <a:spcPts val="0"/>
+              </a:spcBef>
+              <a:spcAft>
+                <a:spcPts val="0"/>
+              </a:spcAft>
+              <a:buClrTx/>
+              <a:buSzTx/>
+              <a:buFontTx/>
+              <a:buNone/>
+            </a:pPr>
+            <a:endParaRPr kumimoji="0" sz="1800" b="0" i="0" u="none" strike="noStrike" cap="none" spc="0" normalizeH="0" baseline="0">
+              <a:ln>
+                <a:noFill/>
+              </a:ln>
+              <a:solidFill>
+                <a:srgbClr val="000000"/>
+              </a:solidFill>
+              <a:effectLst/>
+              <a:uFillTx/>
+              <a:latin typeface="+mn-lt"/>
+              <a:ea typeface="+mn-ea"/>
+              <a:cs typeface="+mn-cs"/>
+              <a:sym typeface="Helvetica"/>
+            </a:endParaRPr>
+          </a:p>
+          <a:p>
+            <a:pPr marL="0" marR="0" indent="0" algn="l" defTabSz="914400" rtl="0" fontAlgn="auto" latinLnBrk="0" hangingPunct="0">
+              <a:lnSpc>
+                <a:spcPct val="100000"/>
+              </a:lnSpc>
+              <a:spcBef>
+                <a:spcPts val="0"/>
+              </a:spcBef>
+              <a:spcAft>
+                <a:spcPts val="0"/>
+              </a:spcAft>
+              <a:buClrTx/>
+              <a:buSzTx/>
+              <a:buFontTx/>
+              <a:buNone/>
+            </a:pPr>
+            <a:r>
+              <a:rPr kumimoji="0" sz="1800" b="0" i="0" u="none" strike="noStrike" cap="none" spc="0" normalizeH="0" baseline="0">
+                <a:ln>
+                  <a:noFill/>
+                </a:ln>
+                <a:solidFill>
+                  <a:srgbClr val="000000"/>
+                </a:solidFill>
+                <a:effectLst/>
+                <a:uFillTx/>
+                <a:latin typeface="+mn-lt"/>
+                <a:ea typeface="+mn-ea"/>
+                <a:cs typeface="+mn-cs"/>
+                <a:sym typeface="Helvetica"/>
+              </a:rPr>
+              <a:t>3</a:t>
+            </a:r>
+            <a:r>
+              <a:rPr kumimoji="0" lang="zh-CN" sz="1800" b="0" i="0" u="none" strike="noStrike" cap="none" spc="0" normalizeH="0" baseline="0">
+                <a:ln>
+                  <a:noFill/>
+                </a:ln>
+                <a:solidFill>
+                  <a:srgbClr val="000000"/>
+                </a:solidFill>
+                <a:effectLst/>
+                <a:uFillTx/>
+                <a:latin typeface="+mn-lt"/>
+                <a:ea typeface="+mn-ea"/>
+                <a:cs typeface="+mn-cs"/>
+                <a:sym typeface="Helvetica"/>
+              </a:rPr>
+              <a:t>）</a:t>
+            </a:r>
+            <a:r>
+              <a:rPr kumimoji="0" sz="1800" b="0" i="0" u="none" strike="noStrike" cap="none" spc="0" normalizeH="0" baseline="0">
+                <a:ln>
+                  <a:noFill/>
+                </a:ln>
+                <a:solidFill>
+                  <a:srgbClr val="000000"/>
+                </a:solidFill>
+                <a:effectLst/>
+                <a:uFillTx/>
+                <a:latin typeface="+mn-lt"/>
+                <a:ea typeface="+mn-ea"/>
+                <a:cs typeface="+mn-cs"/>
+                <a:sym typeface="Helvetica"/>
+              </a:rPr>
+              <a:t>新的主节点会撤销所有对已下线主节点的槽指派，并将这些槽指派给自己。</a:t>
+            </a:r>
+            <a:endParaRPr kumimoji="0" sz="1800" b="0" i="0" u="none" strike="noStrike" cap="none" spc="0" normalizeH="0" baseline="0">
+              <a:ln>
+                <a:noFill/>
+              </a:ln>
+              <a:solidFill>
+                <a:srgbClr val="000000"/>
+              </a:solidFill>
+              <a:effectLst/>
+              <a:uFillTx/>
+              <a:latin typeface="+mn-lt"/>
+              <a:ea typeface="+mn-ea"/>
+              <a:cs typeface="+mn-cs"/>
+              <a:sym typeface="Helvetica"/>
+            </a:endParaRPr>
+          </a:p>
+          <a:p>
+            <a:pPr marL="0" marR="0" indent="0" algn="l" defTabSz="914400" rtl="0" fontAlgn="auto" latinLnBrk="0" hangingPunct="0">
+              <a:lnSpc>
+                <a:spcPct val="100000"/>
+              </a:lnSpc>
+              <a:spcBef>
+                <a:spcPts val="0"/>
+              </a:spcBef>
+              <a:spcAft>
+                <a:spcPts val="0"/>
+              </a:spcAft>
+              <a:buClrTx/>
+              <a:buSzTx/>
+              <a:buFontTx/>
+              <a:buNone/>
+            </a:pPr>
+            <a:r>
+              <a:rPr kumimoji="0" sz="1800" b="0" i="0" u="none" strike="noStrike" cap="none" spc="0" normalizeH="0" baseline="0">
+                <a:ln>
+                  <a:noFill/>
+                </a:ln>
+                <a:solidFill>
+                  <a:srgbClr val="000000"/>
+                </a:solidFill>
+                <a:effectLst/>
+                <a:uFillTx/>
+                <a:latin typeface="+mn-lt"/>
+                <a:ea typeface="+mn-ea"/>
+                <a:cs typeface="+mn-cs"/>
+                <a:sym typeface="Helvetica"/>
+              </a:rPr>
+              <a:t> </a:t>
+            </a:r>
+            <a:endParaRPr kumimoji="0" sz="1800" b="0" i="0" u="none" strike="noStrike" cap="none" spc="0" normalizeH="0" baseline="0">
+              <a:ln>
+                <a:noFill/>
+              </a:ln>
+              <a:solidFill>
+                <a:srgbClr val="000000"/>
+              </a:solidFill>
+              <a:effectLst/>
+              <a:uFillTx/>
+              <a:latin typeface="+mn-lt"/>
+              <a:ea typeface="+mn-ea"/>
+              <a:cs typeface="+mn-cs"/>
+              <a:sym typeface="Helvetica"/>
+            </a:endParaRPr>
+          </a:p>
+          <a:p>
+            <a:pPr marL="0" marR="0" indent="0" algn="l" defTabSz="914400" rtl="0" fontAlgn="auto" latinLnBrk="0" hangingPunct="0">
+              <a:lnSpc>
+                <a:spcPct val="100000"/>
+              </a:lnSpc>
+              <a:spcBef>
+                <a:spcPts val="0"/>
+              </a:spcBef>
+              <a:spcAft>
+                <a:spcPts val="0"/>
+              </a:spcAft>
+              <a:buClrTx/>
+              <a:buSzTx/>
+              <a:buFontTx/>
+              <a:buNone/>
+            </a:pPr>
+            <a:r>
+              <a:rPr kumimoji="0" sz="1800" b="0" i="0" u="none" strike="noStrike" cap="none" spc="0" normalizeH="0" baseline="0">
+                <a:ln>
+                  <a:noFill/>
+                </a:ln>
+                <a:solidFill>
+                  <a:srgbClr val="000000"/>
+                </a:solidFill>
+                <a:effectLst/>
+                <a:uFillTx/>
+                <a:latin typeface="+mn-lt"/>
+                <a:ea typeface="+mn-ea"/>
+                <a:cs typeface="+mn-cs"/>
+                <a:sym typeface="Helvetica"/>
+              </a:rPr>
+              <a:t>4</a:t>
+            </a:r>
+            <a:r>
+              <a:rPr kumimoji="0" lang="zh-CN" sz="1800" b="0" i="0" u="none" strike="noStrike" cap="none" spc="0" normalizeH="0" baseline="0">
+                <a:ln>
+                  <a:noFill/>
+                </a:ln>
+                <a:solidFill>
+                  <a:srgbClr val="000000"/>
+                </a:solidFill>
+                <a:effectLst/>
+                <a:uFillTx/>
+                <a:latin typeface="+mn-lt"/>
+                <a:ea typeface="+mn-ea"/>
+                <a:cs typeface="+mn-cs"/>
+                <a:sym typeface="Helvetica"/>
+              </a:rPr>
+              <a:t>）</a:t>
+            </a:r>
+            <a:r>
+              <a:rPr kumimoji="0" sz="1800" b="0" i="0" u="none" strike="noStrike" cap="none" spc="0" normalizeH="0" baseline="0">
+                <a:ln>
+                  <a:noFill/>
+                </a:ln>
+                <a:solidFill>
+                  <a:srgbClr val="000000"/>
+                </a:solidFill>
+                <a:effectLst/>
+                <a:uFillTx/>
+                <a:latin typeface="+mn-lt"/>
+                <a:ea typeface="+mn-ea"/>
+                <a:cs typeface="+mn-cs"/>
+                <a:sym typeface="Helvetica"/>
+              </a:rPr>
+              <a:t>新的主节点向集群广播一条pong消息，这条pong消息可以让集群中的其他节点立即致电这个节点已经由从节点变为主节点了。 </a:t>
+            </a:r>
+            <a:endParaRPr kumimoji="0" sz="1800" b="0" i="0" u="none" strike="noStrike" cap="none" spc="0" normalizeH="0" baseline="0">
+              <a:ln>
+                <a:noFill/>
+              </a:ln>
+              <a:solidFill>
+                <a:srgbClr val="000000"/>
+              </a:solidFill>
+              <a:effectLst/>
+              <a:uFillTx/>
+              <a:latin typeface="+mn-lt"/>
+              <a:ea typeface="+mn-ea"/>
+              <a:cs typeface="+mn-cs"/>
+              <a:sym typeface="Helvetica"/>
+            </a:endParaRPr>
+          </a:p>
+          <a:p>
+            <a:pPr marL="0" marR="0" indent="0" algn="l" defTabSz="914400" rtl="0" fontAlgn="auto" latinLnBrk="0" hangingPunct="0">
+              <a:lnSpc>
+                <a:spcPct val="100000"/>
+              </a:lnSpc>
+              <a:spcBef>
+                <a:spcPts val="0"/>
+              </a:spcBef>
+              <a:spcAft>
+                <a:spcPts val="0"/>
+              </a:spcAft>
+              <a:buClrTx/>
+              <a:buSzTx/>
+              <a:buFontTx/>
+              <a:buNone/>
+            </a:pPr>
+            <a:endParaRPr kumimoji="0" sz="1800" b="0" i="0" u="none" strike="noStrike" cap="none" spc="0" normalizeH="0" baseline="0">
+              <a:ln>
+                <a:noFill/>
+              </a:ln>
+              <a:solidFill>
+                <a:srgbClr val="000000"/>
+              </a:solidFill>
+              <a:effectLst/>
+              <a:uFillTx/>
+              <a:latin typeface="+mn-lt"/>
+              <a:ea typeface="+mn-ea"/>
+              <a:cs typeface="+mn-cs"/>
+              <a:sym typeface="Helvetica"/>
+            </a:endParaRPr>
+          </a:p>
+          <a:p>
+            <a:pPr marL="0" marR="0" indent="0" algn="l" defTabSz="914400" rtl="0" fontAlgn="auto" latinLnBrk="0" hangingPunct="0">
+              <a:lnSpc>
+                <a:spcPct val="100000"/>
+              </a:lnSpc>
+              <a:spcBef>
+                <a:spcPts val="0"/>
+              </a:spcBef>
+              <a:spcAft>
+                <a:spcPts val="0"/>
+              </a:spcAft>
+              <a:buClrTx/>
+              <a:buSzTx/>
+              <a:buFontTx/>
+              <a:buNone/>
+            </a:pPr>
+            <a:r>
+              <a:rPr kumimoji="0" sz="1800" b="0" i="0" u="none" strike="noStrike" cap="none" spc="0" normalizeH="0" baseline="0">
+                <a:ln>
+                  <a:noFill/>
+                </a:ln>
+                <a:solidFill>
+                  <a:srgbClr val="000000"/>
+                </a:solidFill>
+                <a:effectLst/>
+                <a:uFillTx/>
+                <a:latin typeface="+mn-lt"/>
+                <a:ea typeface="+mn-ea"/>
+                <a:cs typeface="+mn-cs"/>
+                <a:sym typeface="Helvetica"/>
+              </a:rPr>
+              <a:t>5</a:t>
+            </a:r>
+            <a:r>
+              <a:rPr kumimoji="0" lang="zh-CN" sz="1800" b="0" i="0" u="none" strike="noStrike" cap="none" spc="0" normalizeH="0" baseline="0">
+                <a:ln>
+                  <a:noFill/>
+                </a:ln>
+                <a:solidFill>
+                  <a:srgbClr val="000000"/>
+                </a:solidFill>
+                <a:effectLst/>
+                <a:uFillTx/>
+                <a:latin typeface="+mn-lt"/>
+                <a:ea typeface="+mn-ea"/>
+                <a:cs typeface="+mn-cs"/>
+                <a:sym typeface="Helvetica"/>
+              </a:rPr>
+              <a:t>）</a:t>
+            </a:r>
+            <a:r>
+              <a:rPr kumimoji="0" sz="1800" b="0" i="0" u="none" strike="noStrike" cap="none" spc="0" normalizeH="0" baseline="0">
+                <a:ln>
+                  <a:noFill/>
+                </a:ln>
+                <a:solidFill>
+                  <a:srgbClr val="000000"/>
+                </a:solidFill>
+                <a:effectLst/>
+                <a:uFillTx/>
+                <a:latin typeface="+mn-lt"/>
+                <a:ea typeface="+mn-ea"/>
+                <a:cs typeface="+mn-cs"/>
+                <a:sym typeface="Helvetica"/>
+              </a:rPr>
+              <a:t>新的主节点开始接收和自己负责处理的槽有关的命令请求，故障转移完成。</a:t>
+            </a:r>
+            <a:endParaRPr kumimoji="0" sz="1800" b="0" i="0" u="none" strike="noStrike" cap="none" spc="0" normalizeH="0" baseline="0">
+              <a:ln>
+                <a:noFill/>
+              </a:ln>
+              <a:solidFill>
+                <a:srgbClr val="000000"/>
+              </a:solidFill>
+              <a:effectLst/>
+              <a:uFillTx/>
+              <a:latin typeface="+mn-lt"/>
+              <a:ea typeface="+mn-ea"/>
+              <a:cs typeface="+mn-cs"/>
+              <a:sym typeface="Helvetica"/>
+            </a:endParaRPr>
+          </a:p>
+          <a:p>
+            <a:pPr marL="0" marR="0" indent="0" algn="l" defTabSz="914400" rtl="0" fontAlgn="auto" latinLnBrk="0" hangingPunct="0">
+              <a:lnSpc>
+                <a:spcPct val="100000"/>
+              </a:lnSpc>
+              <a:spcBef>
+                <a:spcPts val="0"/>
+              </a:spcBef>
+              <a:spcAft>
+                <a:spcPts val="0"/>
+              </a:spcAft>
+              <a:buClrTx/>
+              <a:buSzTx/>
+              <a:buFontTx/>
+              <a:buNone/>
+            </a:pPr>
+            <a:endParaRPr kumimoji="0" lang="zh-CN" altLang="en-US" sz="1800" b="0" i="0" u="none" strike="noStrike" cap="none" spc="0" normalizeH="0" baseline="0">
+              <a:ln>
+                <a:noFill/>
+              </a:ln>
+              <a:solidFill>
+                <a:srgbClr val="000000"/>
+              </a:solidFill>
+              <a:effectLst/>
+              <a:uFillTx/>
+              <a:latin typeface="+mn-lt"/>
+              <a:ea typeface="+mn-ea"/>
+              <a:cs typeface="+mn-cs"/>
+              <a:sym typeface="Helvetica"/>
+            </a:endParaRPr>
+          </a:p>
+        </p:txBody>
+      </p:sp>
+    </p:spTree>
+  </p:cSld>
+  <p:clrMapOvr>
+    <a:masterClrMapping/>
+  </p:clrMapOvr>
+  <mc:AlternateContent xmlns:mc="http://schemas.openxmlformats.org/markup-compatibility/2006">
+    <mc:Choice xmlns:p14="http://schemas.microsoft.com/office/powerpoint/2010/main" Requires="p14">
+      <p:transition p14:dur="0" advClick="0" advTm="0"/>
+    </mc:Choice>
+    <mc:Fallback>
+      <p:transition advClick="0" advTm="0"/>
+    </mc:Fallback>
+  </mc:AlternateContent>
+  <p:timing>
+    <p:tnLst>
+      <p:par>
+        <p:cTn id="1" dur="indefinite" restart="never" fill="hold" nodeType="tmRoot"/>
+      </p:par>
+    </p:tnLst>
+  </p:timing>
+</p:sld>
+</file>
+
+<file path=ppt/slides/slide31.xml><?xml version="1.0" encoding="utf-8"?>
+<p:sld xmlns:a="http://schemas.openxmlformats.org/drawingml/2006/main" xmlns:r="http://schemas.openxmlformats.org/officeDocument/2006/relationships" xmlns:p="http://schemas.openxmlformats.org/presentationml/2006/main">
+  <p:cSld>
+    <p:spTree>
+      <p:nvGrpSpPr>
+        <p:cNvPr id="1" name=""/>
+        <p:cNvGrpSpPr/>
+        <p:nvPr/>
+      </p:nvGrpSpPr>
+      <p:grpSpPr>
+        <a:xfrm>
+          <a:off x="0" y="0"/>
+          <a:ext cx="0" cy="0"/>
+          <a:chOff x="0" y="0"/>
+          <a:chExt cx="0" cy="0"/>
+        </a:xfrm>
+      </p:grpSpPr>
+      <p:pic>
+        <p:nvPicPr>
+          <p:cNvPr id="2" name="图片 1"/>
+          <p:cNvPicPr>
+            <a:picLocks noChangeAspect="1"/>
+          </p:cNvPicPr>
+          <p:nvPr/>
+        </p:nvPicPr>
+        <p:blipFill>
+          <a:blip r:embed="rId1"/>
+          <a:stretch>
+            <a:fillRect/>
+          </a:stretch>
+        </p:blipFill>
+        <p:spPr>
+          <a:xfrm>
+            <a:off x="3049270" y="-3810"/>
+            <a:ext cx="9141460" cy="6856095"/>
+          </a:xfrm>
+          <a:prstGeom prst="rect">
+            <a:avLst/>
+          </a:prstGeom>
+        </p:spPr>
+      </p:pic>
+      <p:sp>
+        <p:nvSpPr>
+          <p:cNvPr id="4" name="文本框 3"/>
+          <p:cNvSpPr txBox="1"/>
+          <p:nvPr/>
+        </p:nvSpPr>
+        <p:spPr>
+          <a:xfrm>
+            <a:off x="662305" y="631190"/>
+            <a:ext cx="1567180" cy="5494655"/>
+          </a:xfrm>
+          <a:prstGeom prst="rect">
+            <a:avLst/>
+          </a:prstGeom>
+          <a:noFill/>
+          <a:ln w="12700" cap="flat">
+            <a:noFill/>
+            <a:miter lim="400000"/>
+          </a:ln>
+        </p:spPr>
+        <p:style>
+          <a:lnRef idx="0">
+            <a:scrgbClr r="0" g="0" b="0"/>
+          </a:lnRef>
+          <a:fillRef idx="0">
+            <a:scrgbClr r="0" g="0" b="0"/>
+          </a:fillRef>
+          <a:effectRef idx="0">
+            <a:scrgbClr r="0" g="0" b="0"/>
+          </a:effectRef>
+          <a:fontRef idx="none"/>
+        </p:style>
+        <p:txBody>
+          <a:bodyPr rot="0" vertOverflow="overflow" horzOverflow="overflow" vert="eaVert" wrap="square" lIns="45718" tIns="45718" rIns="45718" bIns="45718" numCol="1" spcCol="38100" rtlCol="0" anchor="t" forceAA="0">
+            <a:spAutoFit/>
+          </a:bodyPr>
+          <a:p>
+            <a:pPr marL="0" marR="0" indent="0" algn="l" defTabSz="914400" rtl="0" fontAlgn="auto" latinLnBrk="0" hangingPunct="0">
+              <a:lnSpc>
+                <a:spcPct val="100000"/>
+              </a:lnSpc>
+              <a:spcBef>
+                <a:spcPts val="0"/>
+              </a:spcBef>
+              <a:spcAft>
+                <a:spcPts val="0"/>
+              </a:spcAft>
+              <a:buClrTx/>
+              <a:buSzTx/>
+              <a:buFontTx/>
+              <a:buNone/>
+            </a:pPr>
+            <a:r>
+              <a:rPr kumimoji="0" lang="zh-CN" altLang="en-US" sz="9600" b="0" i="0" u="none" strike="noStrike" cap="none" spc="0" normalizeH="0" baseline="0">
+                <a:gradFill>
+                  <a:gsLst>
+                    <a:gs pos="21000">
+                      <a:srgbClr val="53575C"/>
+                    </a:gs>
+                    <a:gs pos="88000">
+                      <a:srgbClr val="C5C7CA"/>
+                    </a:gs>
+                  </a:gsLst>
+                  <a:lin ang="5400000"/>
+                </a:gradFill>
+                <a:effectLst/>
+                <a:uFillTx/>
+                <a:latin typeface="+mn-lt"/>
+                <a:ea typeface="+mn-ea"/>
+                <a:cs typeface="+mn-cs"/>
+                <a:sym typeface="Helvetica"/>
+              </a:rPr>
+              <a:t>谢谢观看</a:t>
+            </a:r>
+            <a:endParaRPr kumimoji="0" lang="zh-CN" altLang="en-US" sz="9600" b="0" i="0" u="none" strike="noStrike" cap="none" spc="0" normalizeH="0" baseline="0">
+              <a:gradFill>
+                <a:gsLst>
+                  <a:gs pos="21000">
+                    <a:srgbClr val="53575C"/>
+                  </a:gs>
+                  <a:gs pos="88000">
+                    <a:srgbClr val="C5C7CA"/>
+                  </a:gs>
+                </a:gsLst>
+                <a:lin ang="5400000"/>
+              </a:gradFill>
+              <a:effectLst/>
+              <a:uFillTx/>
+              <a:latin typeface="+mn-lt"/>
+              <a:ea typeface="+mn-ea"/>
+              <a:cs typeface="+mn-cs"/>
+              <a:sym typeface="Helvetica"/>
+            </a:endParaRPr>
+          </a:p>
+        </p:txBody>
+      </p:sp>
     </p:spTree>
   </p:cSld>
   <p:clrMapOvr>
@@ -16814,7 +21358,7 @@
         <p:spPr>
           <a:xfrm>
             <a:off x="793750" y="1057910"/>
-            <a:ext cx="10435590" cy="643890"/>
+            <a:ext cx="10435590" cy="1751965"/>
           </a:xfrm>
           <a:prstGeom prst="rect">
             <a:avLst/>
@@ -16922,6 +21466,167 @@
               <a:buFontTx/>
               <a:buNone/>
             </a:pPr>
+            <a:endParaRPr kumimoji="0" lang="en-US" altLang="zh-CN" sz="1800" b="0" i="0" u="none" strike="noStrike" cap="none" spc="0" normalizeH="0" baseline="0">
+              <a:ln>
+                <a:noFill/>
+              </a:ln>
+              <a:solidFill>
+                <a:srgbClr val="000000"/>
+              </a:solidFill>
+              <a:effectLst/>
+              <a:uFillTx/>
+              <a:latin typeface="+mn-lt"/>
+              <a:ea typeface="+mn-ea"/>
+              <a:cs typeface="+mn-cs"/>
+              <a:sym typeface="Helvetica"/>
+            </a:endParaRPr>
+          </a:p>
+          <a:p>
+            <a:pPr marL="0" marR="0" indent="0" algn="l" defTabSz="914400" rtl="0" fontAlgn="auto" latinLnBrk="0" hangingPunct="0">
+              <a:lnSpc>
+                <a:spcPct val="100000"/>
+              </a:lnSpc>
+              <a:spcBef>
+                <a:spcPts val="0"/>
+              </a:spcBef>
+              <a:spcAft>
+                <a:spcPts val="0"/>
+              </a:spcAft>
+              <a:buClrTx/>
+              <a:buSzTx/>
+              <a:buFontTx/>
+              <a:buNone/>
+            </a:pPr>
+            <a:r>
+              <a:rPr kumimoji="0" lang="en-US" altLang="zh-CN" sz="1800" b="0" i="0" u="none" strike="noStrike" cap="none" spc="0" normalizeH="0" baseline="0">
+                <a:ln>
+                  <a:noFill/>
+                </a:ln>
+                <a:solidFill>
+                  <a:srgbClr val="000000"/>
+                </a:solidFill>
+                <a:effectLst/>
+                <a:uFillTx/>
+                <a:latin typeface="+mn-lt"/>
+                <a:ea typeface="+mn-ea"/>
+                <a:cs typeface="+mn-cs"/>
+                <a:sym typeface="Helvetica"/>
+              </a:rPr>
+              <a:t>复制功能是让一台Redis服务器复制另一台服务器，也就是Master-Slave模式，通常用于实现读写分离。该功能有两种实现，分别对应2.8版本之前的老版本，和2.8（包括）之后的新版本。</a:t>
+            </a:r>
+            <a:endParaRPr kumimoji="0" lang="en-US" altLang="zh-CN" sz="1800" b="0" i="0" u="none" strike="noStrike" cap="none" spc="0" normalizeH="0" baseline="0">
+              <a:ln>
+                <a:noFill/>
+              </a:ln>
+              <a:solidFill>
+                <a:srgbClr val="000000"/>
+              </a:solidFill>
+              <a:effectLst/>
+              <a:uFillTx/>
+              <a:latin typeface="+mn-lt"/>
+              <a:ea typeface="+mn-ea"/>
+              <a:cs typeface="+mn-cs"/>
+              <a:sym typeface="Helvetica"/>
+            </a:endParaRPr>
+          </a:p>
+          <a:p>
+            <a:pPr marL="0" marR="0" indent="0" algn="l" defTabSz="914400" rtl="0" fontAlgn="auto" latinLnBrk="0" hangingPunct="0">
+              <a:lnSpc>
+                <a:spcPct val="100000"/>
+              </a:lnSpc>
+              <a:spcBef>
+                <a:spcPts val="0"/>
+              </a:spcBef>
+              <a:spcAft>
+                <a:spcPts val="0"/>
+              </a:spcAft>
+              <a:buClrTx/>
+              <a:buSzTx/>
+              <a:buFontTx/>
+              <a:buNone/>
+            </a:pPr>
+            <a:endParaRPr kumimoji="0" lang="zh-CN" altLang="en-US" sz="1800" b="0" i="0" u="none" strike="noStrike" cap="none" spc="0" normalizeH="0" baseline="0">
+              <a:ln>
+                <a:noFill/>
+              </a:ln>
+              <a:solidFill>
+                <a:srgbClr val="000000"/>
+              </a:solidFill>
+              <a:effectLst/>
+              <a:uFillTx/>
+              <a:latin typeface="+mn-lt"/>
+              <a:ea typeface="+mn-ea"/>
+              <a:cs typeface="+mn-cs"/>
+              <a:sym typeface="Helvetica"/>
+            </a:endParaRPr>
+          </a:p>
+          <a:p>
+            <a:pPr marL="0" marR="0" indent="0" algn="l" defTabSz="914400" rtl="0" fontAlgn="auto" latinLnBrk="0" hangingPunct="0">
+              <a:lnSpc>
+                <a:spcPct val="100000"/>
+              </a:lnSpc>
+              <a:spcBef>
+                <a:spcPts val="0"/>
+              </a:spcBef>
+              <a:spcAft>
+                <a:spcPts val="0"/>
+              </a:spcAft>
+              <a:buClrTx/>
+              <a:buSzTx/>
+              <a:buFontTx/>
+              <a:buNone/>
+            </a:pPr>
+            <a:r>
+              <a:rPr kumimoji="0" lang="zh-CN" altLang="en-US" sz="1800" b="0" i="0" u="none" strike="noStrike" cap="none" spc="0" normalizeH="0" baseline="0">
+                <a:ln>
+                  <a:noFill/>
+                </a:ln>
+                <a:solidFill>
+                  <a:srgbClr val="000000"/>
+                </a:solidFill>
+                <a:effectLst/>
+                <a:uFillTx/>
+                <a:latin typeface="+mn-lt"/>
+                <a:ea typeface="+mn-ea"/>
+                <a:cs typeface="+mn-cs"/>
+                <a:sym typeface="Helvetica"/>
+              </a:rPr>
+              <a:t>旧版Redis的复制功能分为同步(</a:t>
+            </a:r>
+            <a:r>
+              <a:rPr kumimoji="0" lang="en-US" altLang="zh-CN" sz="1800" b="0" i="0" u="none" strike="noStrike" cap="none" spc="0" normalizeH="0" baseline="0">
+                <a:ln>
+                  <a:noFill/>
+                </a:ln>
+                <a:solidFill>
+                  <a:srgbClr val="000000"/>
+                </a:solidFill>
+                <a:effectLst/>
+                <a:uFillTx/>
+                <a:latin typeface="+mn-lt"/>
+                <a:ea typeface="+mn-ea"/>
+                <a:cs typeface="+mn-cs"/>
+                <a:sym typeface="Helvetica"/>
+              </a:rPr>
+              <a:t>S</a:t>
+            </a:r>
+            <a:r>
+              <a:rPr kumimoji="0" lang="zh-CN" altLang="en-US" sz="1800" b="0" i="0" u="none" strike="noStrike" cap="none" spc="0" normalizeH="0" baseline="0">
+                <a:ln>
+                  <a:noFill/>
+                </a:ln>
+                <a:solidFill>
+                  <a:srgbClr val="000000"/>
+                </a:solidFill>
+                <a:effectLst/>
+                <a:uFillTx/>
+                <a:latin typeface="+mn-lt"/>
+                <a:ea typeface="+mn-ea"/>
+                <a:cs typeface="+mn-cs"/>
+                <a:sym typeface="Helvetica"/>
+              </a:rPr>
+              <a:t>ync)和命令传播两个操作。</a:t>
+            </a:r>
             <a:endParaRPr kumimoji="0" lang="zh-CN" altLang="en-US" sz="1800" b="0" i="0" u="none" strike="noStrike" cap="none" spc="0" normalizeH="0" baseline="0">
               <a:ln>
                 <a:noFill/>
@@ -16988,7 +21693,7 @@
         <p:spPr>
           <a:xfrm>
             <a:off x="793750" y="1057910"/>
-            <a:ext cx="10435590" cy="643890"/>
+            <a:ext cx="10435590" cy="1197610"/>
           </a:xfrm>
           <a:prstGeom prst="rect">
             <a:avLst/>
@@ -17065,6 +21770,37 @@
               </a:rPr>
               <a:t>同步</a:t>
             </a:r>
+            <a:endParaRPr kumimoji="0" lang="zh-CN" altLang="en-US" sz="1800" b="0" i="0" u="none" strike="noStrike" cap="none" spc="0" normalizeH="0" baseline="0">
+              <a:ln>
+                <a:noFill/>
+              </a:ln>
+              <a:solidFill>
+                <a:srgbClr val="000000"/>
+              </a:solidFill>
+              <a:effectLst/>
+              <a:uFillTx/>
+              <a:latin typeface="+mn-lt"/>
+              <a:ea typeface="+mn-ea"/>
+              <a:cs typeface="+mn-cs"/>
+              <a:sym typeface="Helvetica"/>
+            </a:endParaRPr>
+          </a:p>
+          <a:p>
+            <a:pPr marL="0" marR="0" indent="0" algn="l" defTabSz="914400" rtl="0" fontAlgn="auto" latinLnBrk="0" hangingPunct="0">
+              <a:lnSpc>
+                <a:spcPct val="100000"/>
+              </a:lnSpc>
+              <a:spcBef>
+                <a:spcPts val="0"/>
+              </a:spcBef>
+              <a:spcAft>
+                <a:spcPts val="0"/>
+              </a:spcAft>
+              <a:buClrTx/>
+              <a:buSzTx/>
+              <a:buFontTx/>
+              <a:buNone/>
+            </a:pPr>
             <a:r>
               <a:rPr kumimoji="0" lang="en-US" altLang="zh-CN" sz="1800" b="0" i="0" u="none" strike="noStrike" cap="none" spc="0" normalizeH="0" baseline="0">
                 <a:ln>
@@ -17113,6 +21849,71 @@
               <a:buFontTx/>
               <a:buNone/>
             </a:pPr>
+            <a:r>
+              <a:rPr kumimoji="0" lang="en-US" altLang="zh-CN" sz="1800" b="0" i="0" u="none" strike="noStrike" cap="none" spc="0" normalizeH="0" baseline="0">
+                <a:ln>
+                  <a:noFill/>
+                </a:ln>
+                <a:solidFill>
+                  <a:srgbClr val="000000"/>
+                </a:solidFill>
+                <a:effectLst/>
+                <a:uFillTx/>
+                <a:latin typeface="+mn-lt"/>
+                <a:ea typeface="+mn-ea"/>
+                <a:cs typeface="+mn-cs"/>
+                <a:sym typeface="Helvetica"/>
+              </a:rPr>
+              <a:t>S</a:t>
+            </a:r>
+            <a:r>
+              <a:rPr kumimoji="0" lang="zh-CN" altLang="en-US" sz="1800" b="0" i="0" u="none" strike="noStrike" cap="none" spc="0" normalizeH="0" baseline="0">
+                <a:ln>
+                  <a:noFill/>
+                </a:ln>
+                <a:solidFill>
+                  <a:srgbClr val="000000"/>
+                </a:solidFill>
+                <a:effectLst/>
+                <a:uFillTx/>
+                <a:latin typeface="+mn-lt"/>
+                <a:ea typeface="+mn-ea"/>
+                <a:cs typeface="+mn-cs"/>
+                <a:sym typeface="Helvetica"/>
+              </a:rPr>
+              <a:t>ync：是一个非常耗费资源的操作</a:t>
+            </a:r>
+            <a:endParaRPr kumimoji="0" lang="zh-CN" altLang="en-US" sz="1800" b="0" i="0" u="none" strike="noStrike" cap="none" spc="0" normalizeH="0" baseline="0">
+              <a:ln>
+                <a:noFill/>
+              </a:ln>
+              <a:solidFill>
+                <a:srgbClr val="000000"/>
+              </a:solidFill>
+              <a:effectLst/>
+              <a:uFillTx/>
+              <a:latin typeface="+mn-lt"/>
+              <a:ea typeface="+mn-ea"/>
+              <a:cs typeface="+mn-cs"/>
+              <a:sym typeface="Helvetica"/>
+            </a:endParaRPr>
+          </a:p>
+          <a:p>
+            <a:pPr marL="0" marR="0" indent="0" algn="l" defTabSz="914400" rtl="0" fontAlgn="auto" latinLnBrk="0" hangingPunct="0">
+              <a:lnSpc>
+                <a:spcPct val="100000"/>
+              </a:lnSpc>
+              <a:spcBef>
+                <a:spcPts val="0"/>
+              </a:spcBef>
+              <a:spcAft>
+                <a:spcPts val="0"/>
+              </a:spcAft>
+              <a:buClrTx/>
+              <a:buSzTx/>
+              <a:buFontTx/>
+              <a:buNone/>
+            </a:pPr>
             <a:endParaRPr kumimoji="0" lang="zh-CN" altLang="en-US" sz="1800" b="0" i="0" u="none" strike="noStrike" cap="none" spc="0" normalizeH="0" baseline="0">
               <a:ln>
                 <a:noFill/>
@@ -17130,6 +21931,30 @@
           </a:p>
         </p:txBody>
       </p:sp>
+      <p:pic>
+        <p:nvPicPr>
+          <p:cNvPr id="3" name="图片 2"/>
+          <p:cNvPicPr>
+            <a:picLocks noChangeAspect="1"/>
+          </p:cNvPicPr>
+          <p:nvPr/>
+        </p:nvPicPr>
+        <p:blipFill>
+          <a:blip r:embed="rId1"/>
+          <a:stretch>
+            <a:fillRect/>
+          </a:stretch>
+        </p:blipFill>
+        <p:spPr>
+          <a:xfrm>
+            <a:off x="3558540" y="3008630"/>
+            <a:ext cx="4905375" cy="1733550"/>
+          </a:xfrm>
+          <a:prstGeom prst="rect">
+            <a:avLst/>
+          </a:prstGeom>
+        </p:spPr>
+      </p:pic>
     </p:spTree>
   </p:cSld>
   <p:clrMapOvr>
@@ -17321,6 +22146,30 @@
           </a:p>
         </p:txBody>
       </p:sp>
+      <p:pic>
+        <p:nvPicPr>
+          <p:cNvPr id="3" name="图片 2"/>
+          <p:cNvPicPr>
+            <a:picLocks noChangeAspect="1"/>
+          </p:cNvPicPr>
+          <p:nvPr/>
+        </p:nvPicPr>
+        <p:blipFill>
+          <a:blip r:embed="rId1"/>
+          <a:stretch>
+            <a:fillRect/>
+          </a:stretch>
+        </p:blipFill>
+        <p:spPr>
+          <a:xfrm>
+            <a:off x="4358005" y="2425065"/>
+            <a:ext cx="3476625" cy="2552700"/>
+          </a:xfrm>
+          <a:prstGeom prst="rect">
+            <a:avLst/>
+          </a:prstGeom>
+        </p:spPr>
+      </p:pic>
     </p:spTree>
   </p:cSld>
   <p:clrMapOvr>
